--- a/2015_2016/20151210 iops winter conference/tgtbf poster.pptx
+++ b/2015_2016/20151210 iops winter conference/tgtbf poster.pptx
@@ -4,6 +4,9 @@
   <p:sldMasterIdLst>
     <p:sldMasterId id="2147483671" r:id="rId1"/>
   </p:sldMasterIdLst>
+  <p:notesMasterIdLst>
+    <p:notesMasterId r:id="rId3"/>
+  </p:notesMasterIdLst>
   <p:sldIdLst>
     <p:sldId id="256" r:id="rId2"/>
   </p:sldIdLst>
@@ -104,7 +107,1344 @@
       </a:defRPr>
     </a:lvl9pPr>
   </p:defaultTextStyle>
+  <p:extLst>
+    <p:ext uri="{EFAFB233-063F-42B5-8137-9DF3F51BA10A}">
+      <p15:sldGuideLst xmlns:p15="http://schemas.microsoft.com/office/powerpoint/2012/main"/>
+    </p:ext>
+  </p:extLst>
 </p:presentation>
+</file>
+
+<file path=ppt/notesMasters/notesMaster1.xml><?xml version="1.0" encoding="utf-8"?>
+<p:notesMaster xmlns:a="http://schemas.openxmlformats.org/drawingml/2006/main" xmlns:r="http://schemas.openxmlformats.org/officeDocument/2006/relationships" xmlns:p="http://schemas.openxmlformats.org/presentationml/2006/main">
+  <p:cSld>
+    <p:bg>
+      <p:bgRef idx="1001">
+        <a:schemeClr val="bg1"/>
+      </p:bgRef>
+    </p:bg>
+    <p:spTree>
+      <p:nvGrpSpPr>
+        <p:cNvPr id="1" name=""/>
+        <p:cNvGrpSpPr/>
+        <p:nvPr/>
+      </p:nvGrpSpPr>
+      <p:grpSpPr>
+        <a:xfrm>
+          <a:off x="0" y="0"/>
+          <a:ext cx="0" cy="0"/>
+          <a:chOff x="0" y="0"/>
+          <a:chExt cx="0" cy="0"/>
+        </a:xfrm>
+      </p:grpSpPr>
+      <p:sp>
+        <p:nvSpPr>
+          <p:cNvPr id="2" name="Header Placeholder 1"/>
+          <p:cNvSpPr>
+            <a:spLocks noGrp="1"/>
+          </p:cNvSpPr>
+          <p:nvPr>
+            <p:ph type="hdr" sz="quarter"/>
+          </p:nvPr>
+        </p:nvSpPr>
+        <p:spPr>
+          <a:xfrm>
+            <a:off x="0" y="0"/>
+            <a:ext cx="2971800" cy="458788"/>
+          </a:xfrm>
+          <a:prstGeom prst="rect">
+            <a:avLst/>
+          </a:prstGeom>
+        </p:spPr>
+        <p:txBody>
+          <a:bodyPr vert="horz" lIns="91440" tIns="45720" rIns="91440" bIns="45720" rtlCol="0"/>
+          <a:lstStyle>
+            <a:lvl1pPr algn="l">
+              <a:defRPr sz="1200"/>
+            </a:lvl1pPr>
+          </a:lstStyle>
+          <a:p>
+            <a:endParaRPr lang="en-US"/>
+          </a:p>
+        </p:txBody>
+      </p:sp>
+      <p:sp>
+        <p:nvSpPr>
+          <p:cNvPr id="3" name="Date Placeholder 2"/>
+          <p:cNvSpPr>
+            <a:spLocks noGrp="1"/>
+          </p:cNvSpPr>
+          <p:nvPr>
+            <p:ph type="dt" idx="1"/>
+          </p:nvPr>
+        </p:nvSpPr>
+        <p:spPr>
+          <a:xfrm>
+            <a:off x="3884613" y="0"/>
+            <a:ext cx="2971800" cy="458788"/>
+          </a:xfrm>
+          <a:prstGeom prst="rect">
+            <a:avLst/>
+          </a:prstGeom>
+        </p:spPr>
+        <p:txBody>
+          <a:bodyPr vert="horz" lIns="91440" tIns="45720" rIns="91440" bIns="45720" rtlCol="0"/>
+          <a:lstStyle>
+            <a:lvl1pPr algn="r">
+              <a:defRPr sz="1200"/>
+            </a:lvl1pPr>
+          </a:lstStyle>
+          <a:p>
+            <a:fld id="{52C5248B-B6AF-4661-95D0-95E56E789FE3}" type="datetimeFigureOut">
+              <a:rPr lang="en-US" smtClean="0"/>
+              <a:t>11/25/2015</a:t>
+            </a:fld>
+            <a:endParaRPr lang="en-US"/>
+          </a:p>
+        </p:txBody>
+      </p:sp>
+      <p:sp>
+        <p:nvSpPr>
+          <p:cNvPr id="4" name="Slide Image Placeholder 3"/>
+          <p:cNvSpPr>
+            <a:spLocks noGrp="1" noRot="1" noChangeAspect="1"/>
+          </p:cNvSpPr>
+          <p:nvPr>
+            <p:ph type="sldImg" idx="2"/>
+          </p:nvPr>
+        </p:nvSpPr>
+        <p:spPr>
+          <a:xfrm>
+            <a:off x="2338388" y="1143000"/>
+            <a:ext cx="2181225" cy="3086100"/>
+          </a:xfrm>
+          <a:prstGeom prst="rect">
+            <a:avLst/>
+          </a:prstGeom>
+          <a:noFill/>
+          <a:ln w="12700">
+            <a:solidFill>
+              <a:prstClr val="black"/>
+            </a:solidFill>
+          </a:ln>
+        </p:spPr>
+        <p:txBody>
+          <a:bodyPr vert="horz" lIns="91440" tIns="45720" rIns="91440" bIns="45720" rtlCol="0" anchor="ctr"/>
+          <a:lstStyle/>
+          <a:p>
+            <a:endParaRPr lang="en-US"/>
+          </a:p>
+        </p:txBody>
+      </p:sp>
+      <p:sp>
+        <p:nvSpPr>
+          <p:cNvPr id="5" name="Notes Placeholder 4"/>
+          <p:cNvSpPr>
+            <a:spLocks noGrp="1"/>
+          </p:cNvSpPr>
+          <p:nvPr>
+            <p:ph type="body" sz="quarter" idx="3"/>
+          </p:nvPr>
+        </p:nvSpPr>
+        <p:spPr>
+          <a:xfrm>
+            <a:off x="685800" y="4400550"/>
+            <a:ext cx="5486400" cy="3600450"/>
+          </a:xfrm>
+          <a:prstGeom prst="rect">
+            <a:avLst/>
+          </a:prstGeom>
+        </p:spPr>
+        <p:txBody>
+          <a:bodyPr vert="horz" lIns="91440" tIns="45720" rIns="91440" bIns="45720" rtlCol="0"/>
+          <a:lstStyle/>
+          <a:p>
+            <a:pPr lvl="0"/>
+            <a:r>
+              <a:rPr lang="en-US" smtClean="0"/>
+              <a:t>Click to edit Master text styles</a:t>
+            </a:r>
+          </a:p>
+          <a:p>
+            <a:pPr lvl="1"/>
+            <a:r>
+              <a:rPr lang="en-US" smtClean="0"/>
+              <a:t>Second level</a:t>
+            </a:r>
+          </a:p>
+          <a:p>
+            <a:pPr lvl="2"/>
+            <a:r>
+              <a:rPr lang="en-US" smtClean="0"/>
+              <a:t>Third level</a:t>
+            </a:r>
+          </a:p>
+          <a:p>
+            <a:pPr lvl="3"/>
+            <a:r>
+              <a:rPr lang="en-US" smtClean="0"/>
+              <a:t>Fourth level</a:t>
+            </a:r>
+          </a:p>
+          <a:p>
+            <a:pPr lvl="4"/>
+            <a:r>
+              <a:rPr lang="en-US" smtClean="0"/>
+              <a:t>Fifth level</a:t>
+            </a:r>
+            <a:endParaRPr lang="en-US"/>
+          </a:p>
+        </p:txBody>
+      </p:sp>
+      <p:sp>
+        <p:nvSpPr>
+          <p:cNvPr id="6" name="Footer Placeholder 5"/>
+          <p:cNvSpPr>
+            <a:spLocks noGrp="1"/>
+          </p:cNvSpPr>
+          <p:nvPr>
+            <p:ph type="ftr" sz="quarter" idx="4"/>
+          </p:nvPr>
+        </p:nvSpPr>
+        <p:spPr>
+          <a:xfrm>
+            <a:off x="0" y="8685213"/>
+            <a:ext cx="2971800" cy="458787"/>
+          </a:xfrm>
+          <a:prstGeom prst="rect">
+            <a:avLst/>
+          </a:prstGeom>
+        </p:spPr>
+        <p:txBody>
+          <a:bodyPr vert="horz" lIns="91440" tIns="45720" rIns="91440" bIns="45720" rtlCol="0" anchor="b"/>
+          <a:lstStyle>
+            <a:lvl1pPr algn="l">
+              <a:defRPr sz="1200"/>
+            </a:lvl1pPr>
+          </a:lstStyle>
+          <a:p>
+            <a:endParaRPr lang="en-US"/>
+          </a:p>
+        </p:txBody>
+      </p:sp>
+      <p:sp>
+        <p:nvSpPr>
+          <p:cNvPr id="7" name="Slide Number Placeholder 6"/>
+          <p:cNvSpPr>
+            <a:spLocks noGrp="1"/>
+          </p:cNvSpPr>
+          <p:nvPr>
+            <p:ph type="sldNum" sz="quarter" idx="5"/>
+          </p:nvPr>
+        </p:nvSpPr>
+        <p:spPr>
+          <a:xfrm>
+            <a:off x="3884613" y="8685213"/>
+            <a:ext cx="2971800" cy="458787"/>
+          </a:xfrm>
+          <a:prstGeom prst="rect">
+            <a:avLst/>
+          </a:prstGeom>
+        </p:spPr>
+        <p:txBody>
+          <a:bodyPr vert="horz" lIns="91440" tIns="45720" rIns="91440" bIns="45720" rtlCol="0" anchor="b"/>
+          <a:lstStyle>
+            <a:lvl1pPr algn="r">
+              <a:defRPr sz="1200"/>
+            </a:lvl1pPr>
+          </a:lstStyle>
+          <a:p>
+            <a:fld id="{0F56ACC2-2784-40C3-ACA0-C65F99C64CE9}" type="slidenum">
+              <a:rPr lang="en-US" smtClean="0"/>
+              <a:t>‹#›</a:t>
+            </a:fld>
+            <a:endParaRPr lang="en-US"/>
+          </a:p>
+        </p:txBody>
+      </p:sp>
+    </p:spTree>
+    <p:extLst>
+      <p:ext uri="{BB962C8B-B14F-4D97-AF65-F5344CB8AC3E}">
+        <p14:creationId xmlns:p14="http://schemas.microsoft.com/office/powerpoint/2010/main" val="3010540992"/>
+      </p:ext>
+    </p:extLst>
+  </p:cSld>
+  <p:clrMap bg1="lt1" tx1="dk1" bg2="lt2" tx2="dk2" accent1="accent1" accent2="accent2" accent3="accent3" accent4="accent4" accent5="accent5" accent6="accent6" hlink="hlink" folHlink="folHlink"/>
+  <p:notesStyle>
+    <a:lvl1pPr marL="0" algn="l" defTabSz="914400" rtl="0" eaLnBrk="1" latinLnBrk="0" hangingPunct="1">
+      <a:defRPr sz="1200" kern="1200">
+        <a:solidFill>
+          <a:schemeClr val="tx1"/>
+        </a:solidFill>
+        <a:latin typeface="+mn-lt"/>
+        <a:ea typeface="+mn-ea"/>
+        <a:cs typeface="+mn-cs"/>
+      </a:defRPr>
+    </a:lvl1pPr>
+    <a:lvl2pPr marL="457200" algn="l" defTabSz="914400" rtl="0" eaLnBrk="1" latinLnBrk="0" hangingPunct="1">
+      <a:defRPr sz="1200" kern="1200">
+        <a:solidFill>
+          <a:schemeClr val="tx1"/>
+        </a:solidFill>
+        <a:latin typeface="+mn-lt"/>
+        <a:ea typeface="+mn-ea"/>
+        <a:cs typeface="+mn-cs"/>
+      </a:defRPr>
+    </a:lvl2pPr>
+    <a:lvl3pPr marL="914400" algn="l" defTabSz="914400" rtl="0" eaLnBrk="1" latinLnBrk="0" hangingPunct="1">
+      <a:defRPr sz="1200" kern="1200">
+        <a:solidFill>
+          <a:schemeClr val="tx1"/>
+        </a:solidFill>
+        <a:latin typeface="+mn-lt"/>
+        <a:ea typeface="+mn-ea"/>
+        <a:cs typeface="+mn-cs"/>
+      </a:defRPr>
+    </a:lvl3pPr>
+    <a:lvl4pPr marL="1371600" algn="l" defTabSz="914400" rtl="0" eaLnBrk="1" latinLnBrk="0" hangingPunct="1">
+      <a:defRPr sz="1200" kern="1200">
+        <a:solidFill>
+          <a:schemeClr val="tx1"/>
+        </a:solidFill>
+        <a:latin typeface="+mn-lt"/>
+        <a:ea typeface="+mn-ea"/>
+        <a:cs typeface="+mn-cs"/>
+      </a:defRPr>
+    </a:lvl4pPr>
+    <a:lvl5pPr marL="1828800" algn="l" defTabSz="914400" rtl="0" eaLnBrk="1" latinLnBrk="0" hangingPunct="1">
+      <a:defRPr sz="1200" kern="1200">
+        <a:solidFill>
+          <a:schemeClr val="tx1"/>
+        </a:solidFill>
+        <a:latin typeface="+mn-lt"/>
+        <a:ea typeface="+mn-ea"/>
+        <a:cs typeface="+mn-cs"/>
+      </a:defRPr>
+    </a:lvl5pPr>
+    <a:lvl6pPr marL="2286000" algn="l" defTabSz="914400" rtl="0" eaLnBrk="1" latinLnBrk="0" hangingPunct="1">
+      <a:defRPr sz="1200" kern="1200">
+        <a:solidFill>
+          <a:schemeClr val="tx1"/>
+        </a:solidFill>
+        <a:latin typeface="+mn-lt"/>
+        <a:ea typeface="+mn-ea"/>
+        <a:cs typeface="+mn-cs"/>
+      </a:defRPr>
+    </a:lvl6pPr>
+    <a:lvl7pPr marL="2743200" algn="l" defTabSz="914400" rtl="0" eaLnBrk="1" latinLnBrk="0" hangingPunct="1">
+      <a:defRPr sz="1200" kern="1200">
+        <a:solidFill>
+          <a:schemeClr val="tx1"/>
+        </a:solidFill>
+        <a:latin typeface="+mn-lt"/>
+        <a:ea typeface="+mn-ea"/>
+        <a:cs typeface="+mn-cs"/>
+      </a:defRPr>
+    </a:lvl7pPr>
+    <a:lvl8pPr marL="3200400" algn="l" defTabSz="914400" rtl="0" eaLnBrk="1" latinLnBrk="0" hangingPunct="1">
+      <a:defRPr sz="1200" kern="1200">
+        <a:solidFill>
+          <a:schemeClr val="tx1"/>
+        </a:solidFill>
+        <a:latin typeface="+mn-lt"/>
+        <a:ea typeface="+mn-ea"/>
+        <a:cs typeface="+mn-cs"/>
+      </a:defRPr>
+    </a:lvl8pPr>
+    <a:lvl9pPr marL="3657600" algn="l" defTabSz="914400" rtl="0" eaLnBrk="1" latinLnBrk="0" hangingPunct="1">
+      <a:defRPr sz="1200" kern="1200">
+        <a:solidFill>
+          <a:schemeClr val="tx1"/>
+        </a:solidFill>
+        <a:latin typeface="+mn-lt"/>
+        <a:ea typeface="+mn-ea"/>
+        <a:cs typeface="+mn-cs"/>
+      </a:defRPr>
+    </a:lvl9pPr>
+  </p:notesStyle>
+</p:notesMaster>
+</file>
+
+<file path=ppt/notesSlides/notesSlide1.xml><?xml version="1.0" encoding="utf-8"?>
+<p:notes xmlns:a="http://schemas.openxmlformats.org/drawingml/2006/main" xmlns:r="http://schemas.openxmlformats.org/officeDocument/2006/relationships" xmlns:p="http://schemas.openxmlformats.org/presentationml/2006/main">
+  <p:cSld>
+    <p:spTree>
+      <p:nvGrpSpPr>
+        <p:cNvPr id="1" name=""/>
+        <p:cNvGrpSpPr/>
+        <p:nvPr/>
+      </p:nvGrpSpPr>
+      <p:grpSpPr>
+        <a:xfrm>
+          <a:off x="0" y="0"/>
+          <a:ext cx="0" cy="0"/>
+          <a:chOff x="0" y="0"/>
+          <a:chExt cx="0" cy="0"/>
+        </a:xfrm>
+      </p:grpSpPr>
+      <p:sp>
+        <p:nvSpPr>
+          <p:cNvPr id="2" name="Slide Image Placeholder 1"/>
+          <p:cNvSpPr>
+            <a:spLocks noGrp="1" noRot="1" noChangeAspect="1"/>
+          </p:cNvSpPr>
+          <p:nvPr>
+            <p:ph type="sldImg"/>
+          </p:nvPr>
+        </p:nvSpPr>
+        <p:spPr/>
+      </p:sp>
+      <p:sp>
+        <p:nvSpPr>
+          <p:cNvPr id="3" name="Notes Placeholder 2"/>
+          <p:cNvSpPr>
+            <a:spLocks noGrp="1"/>
+          </p:cNvSpPr>
+          <p:nvPr>
+            <p:ph type="body" idx="1"/>
+          </p:nvPr>
+        </p:nvSpPr>
+        <p:spPr/>
+        <p:txBody>
+          <a:bodyPr/>
+          <a:lstStyle/>
+          <a:p>
+            <a:r>
+              <a:rPr lang="en-US" dirty="0" smtClean="0"/>
+              <a:t>plot(c(0.1512,</a:t>
+            </a:r>
+          </a:p>
+          <a:p>
+            <a:r>
+              <a:rPr lang="en-US" dirty="0" smtClean="0"/>
+              <a:t>       0.1746,</a:t>
+            </a:r>
+          </a:p>
+          <a:p>
+            <a:r>
+              <a:rPr lang="en-US" dirty="0" smtClean="0"/>
+              <a:t>       0.2008,</a:t>
+            </a:r>
+          </a:p>
+          <a:p>
+            <a:r>
+              <a:rPr lang="en-US" dirty="0" smtClean="0"/>
+              <a:t>       0.2077,</a:t>
+            </a:r>
+          </a:p>
+          <a:p>
+            <a:r>
+              <a:rPr lang="en-US" dirty="0" smtClean="0"/>
+              <a:t>       0.2287,</a:t>
+            </a:r>
+          </a:p>
+          <a:p>
+            <a:r>
+              <a:rPr lang="en-US" dirty="0" smtClean="0"/>
+              <a:t>       0.2510,</a:t>
+            </a:r>
+          </a:p>
+          <a:p>
+            <a:r>
+              <a:rPr lang="en-US" dirty="0" smtClean="0"/>
+              <a:t>       0.2585,</a:t>
+            </a:r>
+          </a:p>
+          <a:p>
+            <a:r>
+              <a:rPr lang="en-US" dirty="0" smtClean="0"/>
+              <a:t>       0.2801,</a:t>
+            </a:r>
+          </a:p>
+          <a:p>
+            <a:r>
+              <a:rPr lang="en-US" dirty="0" smtClean="0"/>
+              <a:t>       0.2984,</a:t>
+            </a:r>
+          </a:p>
+          <a:p>
+            <a:r>
+              <a:rPr lang="en-US" dirty="0" smtClean="0"/>
+              <a:t>       0.3035,</a:t>
+            </a:r>
+          </a:p>
+          <a:p>
+            <a:r>
+              <a:rPr lang="en-US" dirty="0" smtClean="0"/>
+              <a:t>       0.3624,</a:t>
+            </a:r>
+          </a:p>
+          <a:p>
+            <a:r>
+              <a:rPr lang="en-US" dirty="0" smtClean="0"/>
+              <a:t>       0.4291,</a:t>
+            </a:r>
+          </a:p>
+          <a:p>
+            <a:r>
+              <a:rPr lang="en-US" dirty="0" smtClean="0"/>
+              <a:t>       0.4898,</a:t>
+            </a:r>
+          </a:p>
+          <a:p>
+            <a:r>
+              <a:rPr lang="en-US" dirty="0" smtClean="0"/>
+              <a:t>       0.5308,</a:t>
+            </a:r>
+          </a:p>
+          <a:p>
+            <a:r>
+              <a:rPr lang="en-US" dirty="0" smtClean="0"/>
+              <a:t>       0.5780,</a:t>
+            </a:r>
+          </a:p>
+          <a:p>
+            <a:r>
+              <a:rPr lang="en-US" dirty="0" smtClean="0"/>
+              <a:t>       0.6214,</a:t>
+            </a:r>
+          </a:p>
+          <a:p>
+            <a:r>
+              <a:rPr lang="en-US" dirty="0" smtClean="0"/>
+              <a:t>       0.6538,</a:t>
+            </a:r>
+          </a:p>
+          <a:p>
+            <a:r>
+              <a:rPr lang="en-US" dirty="0" smtClean="0"/>
+              <a:t>       0.6855),</a:t>
+            </a:r>
+          </a:p>
+          <a:p>
+            <a:r>
+              <a:rPr lang="en-US" dirty="0" smtClean="0"/>
+              <a:t>     x = c(1:10, </a:t>
+            </a:r>
+            <a:r>
+              <a:rPr lang="en-US" dirty="0" err="1" smtClean="0"/>
+              <a:t>seq</a:t>
+            </a:r>
+            <a:r>
+              <a:rPr lang="en-US" dirty="0" smtClean="0"/>
+              <a:t>(15, 50, 5)),</a:t>
+            </a:r>
+          </a:p>
+          <a:p>
+            <a:r>
+              <a:rPr lang="en-US" dirty="0" smtClean="0"/>
+              <a:t>     type = 'o',</a:t>
+            </a:r>
+          </a:p>
+          <a:p>
+            <a:r>
+              <a:rPr lang="en-US" dirty="0" smtClean="0"/>
+              <a:t>     </a:t>
+            </a:r>
+            <a:r>
+              <a:rPr lang="en-US" dirty="0" err="1" smtClean="0"/>
+              <a:t>ylim</a:t>
+            </a:r>
+            <a:r>
+              <a:rPr lang="en-US" dirty="0" smtClean="0"/>
+              <a:t> = c(0,1),</a:t>
+            </a:r>
+          </a:p>
+          <a:p>
+            <a:r>
+              <a:rPr lang="en-US" dirty="0" smtClean="0"/>
+              <a:t>     </a:t>
+            </a:r>
+            <a:r>
+              <a:rPr lang="en-US" dirty="0" err="1" smtClean="0"/>
+              <a:t>xlab</a:t>
+            </a:r>
+            <a:r>
+              <a:rPr lang="en-US" dirty="0" smtClean="0"/>
+              <a:t> = "</a:t>
+            </a:r>
+            <a:r>
+              <a:rPr lang="en-US" dirty="0" err="1" smtClean="0"/>
+              <a:t>Nr</a:t>
+            </a:r>
+            <a:r>
+              <a:rPr lang="en-US" dirty="0" smtClean="0"/>
+              <a:t> of nonsignificant results",</a:t>
+            </a:r>
+          </a:p>
+          <a:p>
+            <a:r>
+              <a:rPr lang="en-US" dirty="0" smtClean="0"/>
+              <a:t>     </a:t>
+            </a:r>
+            <a:r>
+              <a:rPr lang="en-US" dirty="0" err="1" smtClean="0"/>
+              <a:t>ylab</a:t>
+            </a:r>
+            <a:r>
+              <a:rPr lang="en-US" dirty="0" smtClean="0"/>
+              <a:t> = "Power",</a:t>
+            </a:r>
+          </a:p>
+          <a:p>
+            <a:r>
+              <a:rPr lang="en-US" dirty="0" smtClean="0"/>
+              <a:t>     </a:t>
+            </a:r>
+            <a:r>
+              <a:rPr lang="en-US" dirty="0" err="1" smtClean="0"/>
+              <a:t>pch</a:t>
+            </a:r>
+            <a:r>
+              <a:rPr lang="en-US" dirty="0" smtClean="0"/>
+              <a:t> = 1,</a:t>
+            </a:r>
+          </a:p>
+          <a:p>
+            <a:r>
+              <a:rPr lang="en-US" dirty="0" smtClean="0"/>
+              <a:t>     las = 1)</a:t>
+            </a:r>
+          </a:p>
+          <a:p>
+            <a:r>
+              <a:rPr lang="en-US" dirty="0" err="1" smtClean="0"/>
+              <a:t>abline</a:t>
+            </a:r>
+            <a:r>
+              <a:rPr lang="en-US" dirty="0" smtClean="0"/>
+              <a:t>(h = .8, </a:t>
+            </a:r>
+            <a:r>
+              <a:rPr lang="en-US" dirty="0" err="1" smtClean="0"/>
+              <a:t>lty</a:t>
+            </a:r>
+            <a:r>
+              <a:rPr lang="en-US" dirty="0" smtClean="0"/>
+              <a:t> = 2)</a:t>
+            </a:r>
+          </a:p>
+          <a:p>
+            <a:endParaRPr lang="en-US" dirty="0" smtClean="0"/>
+          </a:p>
+          <a:p>
+            <a:r>
+              <a:rPr lang="en-US" dirty="0" smtClean="0"/>
+              <a:t>lines(c(0.2110,</a:t>
+            </a:r>
+          </a:p>
+          <a:p>
+            <a:r>
+              <a:rPr lang="en-US" dirty="0" smtClean="0"/>
+              <a:t>        0.2667,</a:t>
+            </a:r>
+          </a:p>
+          <a:p>
+            <a:r>
+              <a:rPr lang="en-US" dirty="0" smtClean="0"/>
+              <a:t>        0.3167,</a:t>
+            </a:r>
+          </a:p>
+          <a:p>
+            <a:r>
+              <a:rPr lang="en-US" dirty="0" smtClean="0"/>
+              <a:t>        0.352,</a:t>
+            </a:r>
+          </a:p>
+          <a:p>
+            <a:r>
+              <a:rPr lang="en-US" dirty="0" smtClean="0"/>
+              <a:t>        0.3897,</a:t>
+            </a:r>
+          </a:p>
+          <a:p>
+            <a:r>
+              <a:rPr lang="en-US" dirty="0" smtClean="0"/>
+              <a:t>        0.4336,</a:t>
+            </a:r>
+          </a:p>
+          <a:p>
+            <a:r>
+              <a:rPr lang="en-US" dirty="0" smtClean="0"/>
+              <a:t>        0.4710,</a:t>
+            </a:r>
+          </a:p>
+          <a:p>
+            <a:r>
+              <a:rPr lang="en-US" dirty="0" smtClean="0"/>
+              <a:t>        0.5136,</a:t>
+            </a:r>
+          </a:p>
+          <a:p>
+            <a:r>
+              <a:rPr lang="en-US" dirty="0" smtClean="0"/>
+              <a:t>        0.5298,</a:t>
+            </a:r>
+          </a:p>
+          <a:p>
+            <a:r>
+              <a:rPr lang="en-US" dirty="0" smtClean="0"/>
+              <a:t>        0.5702,</a:t>
+            </a:r>
+          </a:p>
+          <a:p>
+            <a:r>
+              <a:rPr lang="en-US" dirty="0" smtClean="0"/>
+              <a:t>        0.6912,</a:t>
+            </a:r>
+          </a:p>
+          <a:p>
+            <a:r>
+              <a:rPr lang="en-US" dirty="0" smtClean="0"/>
+              <a:t>        0.7804,</a:t>
+            </a:r>
+          </a:p>
+          <a:p>
+            <a:r>
+              <a:rPr lang="en-US" dirty="0" smtClean="0"/>
+              <a:t>        0.852,</a:t>
+            </a:r>
+          </a:p>
+          <a:p>
+            <a:r>
+              <a:rPr lang="en-US" dirty="0" smtClean="0"/>
+              <a:t>        0.8936,</a:t>
+            </a:r>
+          </a:p>
+          <a:p>
+            <a:r>
+              <a:rPr lang="en-US" dirty="0" smtClean="0"/>
+              <a:t>        0.9303,</a:t>
+            </a:r>
+          </a:p>
+          <a:p>
+            <a:r>
+              <a:rPr lang="en-US" dirty="0" smtClean="0"/>
+              <a:t>        0.9530,</a:t>
+            </a:r>
+          </a:p>
+          <a:p>
+            <a:r>
+              <a:rPr lang="en-US" dirty="0" smtClean="0"/>
+              <a:t>        0.9661,</a:t>
+            </a:r>
+          </a:p>
+          <a:p>
+            <a:r>
+              <a:rPr lang="en-US" dirty="0" smtClean="0"/>
+              <a:t>        0.9762), x = c(1:10, </a:t>
+            </a:r>
+            <a:r>
+              <a:rPr lang="en-US" dirty="0" err="1" smtClean="0"/>
+              <a:t>seq</a:t>
+            </a:r>
+            <a:r>
+              <a:rPr lang="en-US" dirty="0" smtClean="0"/>
+              <a:t>(15, 50, 5)), </a:t>
+            </a:r>
+            <a:r>
+              <a:rPr lang="en-US" dirty="0" err="1" smtClean="0"/>
+              <a:t>pch</a:t>
+            </a:r>
+            <a:r>
+              <a:rPr lang="en-US" dirty="0" smtClean="0"/>
+              <a:t> = 2, type = 'o')</a:t>
+            </a:r>
+          </a:p>
+          <a:p>
+            <a:endParaRPr lang="en-US" dirty="0" smtClean="0"/>
+          </a:p>
+          <a:p>
+            <a:r>
+              <a:rPr lang="en-US" dirty="0" smtClean="0"/>
+              <a:t>lines(c(0.3410,</a:t>
+            </a:r>
+          </a:p>
+          <a:p>
+            <a:r>
+              <a:rPr lang="en-US" dirty="0" smtClean="0"/>
+              <a:t>        0.4591,</a:t>
+            </a:r>
+          </a:p>
+          <a:p>
+            <a:r>
+              <a:rPr lang="en-US" dirty="0" smtClean="0"/>
+              <a:t>        0.5717,</a:t>
+            </a:r>
+          </a:p>
+          <a:p>
+            <a:r>
+              <a:rPr lang="en-US" dirty="0" smtClean="0"/>
+              <a:t>        0.6587,</a:t>
+            </a:r>
+          </a:p>
+          <a:p>
+            <a:r>
+              <a:rPr lang="en-US" dirty="0" smtClean="0"/>
+              <a:t>        0.7194,</a:t>
+            </a:r>
+          </a:p>
+          <a:p>
+            <a:r>
+              <a:rPr lang="en-US" dirty="0" smtClean="0"/>
+              <a:t>        0.7842,</a:t>
+            </a:r>
+          </a:p>
+          <a:p>
+            <a:r>
+              <a:rPr lang="en-US" dirty="0" smtClean="0"/>
+              <a:t>        0.8336,</a:t>
+            </a:r>
+          </a:p>
+          <a:p>
+            <a:r>
+              <a:rPr lang="en-US" dirty="0" smtClean="0"/>
+              <a:t>        0.8709,</a:t>
+            </a:r>
+          </a:p>
+          <a:p>
+            <a:r>
+              <a:rPr lang="en-US" dirty="0" smtClean="0"/>
+              <a:t>        0.8945,</a:t>
+            </a:r>
+          </a:p>
+          <a:p>
+            <a:r>
+              <a:rPr lang="en-US" dirty="0" smtClean="0"/>
+              <a:t>        0.9178,</a:t>
+            </a:r>
+          </a:p>
+          <a:p>
+            <a:r>
+              <a:rPr lang="en-US" dirty="0" smtClean="0"/>
+              <a:t>        0.9798,</a:t>
+            </a:r>
+          </a:p>
+          <a:p>
+            <a:r>
+              <a:rPr lang="en-US" dirty="0" smtClean="0"/>
+              <a:t>        0.9958,</a:t>
+            </a:r>
+          </a:p>
+          <a:p>
+            <a:r>
+              <a:rPr lang="en-US" dirty="0" smtClean="0"/>
+              <a:t>        0.9995,</a:t>
+            </a:r>
+          </a:p>
+          <a:p>
+            <a:r>
+              <a:rPr lang="en-US" dirty="0" smtClean="0"/>
+              <a:t>        1,</a:t>
+            </a:r>
+          </a:p>
+          <a:p>
+            <a:r>
+              <a:rPr lang="en-US" dirty="0" smtClean="0"/>
+              <a:t>        1,</a:t>
+            </a:r>
+          </a:p>
+          <a:p>
+            <a:r>
+              <a:rPr lang="en-US" dirty="0" smtClean="0"/>
+              <a:t>        1,</a:t>
+            </a:r>
+          </a:p>
+          <a:p>
+            <a:r>
+              <a:rPr lang="en-US" dirty="0" smtClean="0"/>
+              <a:t>        1,</a:t>
+            </a:r>
+          </a:p>
+          <a:p>
+            <a:r>
+              <a:rPr lang="en-US" dirty="0" smtClean="0"/>
+              <a:t>        1), x = c(1:10, </a:t>
+            </a:r>
+            <a:r>
+              <a:rPr lang="en-US" dirty="0" err="1" smtClean="0"/>
+              <a:t>seq</a:t>
+            </a:r>
+            <a:r>
+              <a:rPr lang="en-US" dirty="0" smtClean="0"/>
+              <a:t>(15, 50, 5)), </a:t>
+            </a:r>
+            <a:r>
+              <a:rPr lang="en-US" dirty="0" err="1" smtClean="0"/>
+              <a:t>pch</a:t>
+            </a:r>
+            <a:r>
+              <a:rPr lang="en-US" dirty="0" smtClean="0"/>
+              <a:t> = 3, type = 'o')</a:t>
+            </a:r>
+          </a:p>
+          <a:p>
+            <a:r>
+              <a:rPr lang="en-US" dirty="0" smtClean="0"/>
+              <a:t>lines(c(0.5752,</a:t>
+            </a:r>
+          </a:p>
+          <a:p>
+            <a:r>
+              <a:rPr lang="en-US" dirty="0" smtClean="0"/>
+              <a:t>        0.7793,</a:t>
+            </a:r>
+          </a:p>
+          <a:p>
+            <a:r>
+              <a:rPr lang="en-US" dirty="0" smtClean="0"/>
+              <a:t>        0.8935,</a:t>
+            </a:r>
+          </a:p>
+          <a:p>
+            <a:r>
+              <a:rPr lang="en-US" dirty="0" smtClean="0"/>
+              <a:t>        0.9482,</a:t>
+            </a:r>
+          </a:p>
+          <a:p>
+            <a:r>
+              <a:rPr lang="en-US" dirty="0" smtClean="0"/>
+              <a:t>        0.9748,</a:t>
+            </a:r>
+          </a:p>
+          <a:p>
+            <a:r>
+              <a:rPr lang="en-US" dirty="0" smtClean="0"/>
+              <a:t>        0.9899,</a:t>
+            </a:r>
+          </a:p>
+          <a:p>
+            <a:r>
+              <a:rPr lang="en-US" dirty="0" smtClean="0"/>
+              <a:t>        0.9953,</a:t>
+            </a:r>
+          </a:p>
+          <a:p>
+            <a:r>
+              <a:rPr lang="en-US" dirty="0" smtClean="0"/>
+              <a:t>        0.9979,</a:t>
+            </a:r>
+          </a:p>
+          <a:p>
+            <a:r>
+              <a:rPr lang="en-US" dirty="0" smtClean="0"/>
+              <a:t>        1,</a:t>
+            </a:r>
+          </a:p>
+          <a:p>
+            <a:r>
+              <a:rPr lang="en-US" dirty="0" smtClean="0"/>
+              <a:t>        1,</a:t>
+            </a:r>
+          </a:p>
+          <a:p>
+            <a:r>
+              <a:rPr lang="en-US" dirty="0" smtClean="0"/>
+              <a:t>        1,</a:t>
+            </a:r>
+          </a:p>
+          <a:p>
+            <a:r>
+              <a:rPr lang="en-US" dirty="0" smtClean="0"/>
+              <a:t>        1,</a:t>
+            </a:r>
+          </a:p>
+          <a:p>
+            <a:r>
+              <a:rPr lang="en-US" dirty="0" smtClean="0"/>
+              <a:t>        1,</a:t>
+            </a:r>
+          </a:p>
+          <a:p>
+            <a:r>
+              <a:rPr lang="en-US" dirty="0" smtClean="0"/>
+              <a:t>        1,</a:t>
+            </a:r>
+          </a:p>
+          <a:p>
+            <a:r>
+              <a:rPr lang="en-US" dirty="0" smtClean="0"/>
+              <a:t>        1,</a:t>
+            </a:r>
+          </a:p>
+          <a:p>
+            <a:r>
+              <a:rPr lang="en-US" dirty="0" smtClean="0"/>
+              <a:t>        1,</a:t>
+            </a:r>
+          </a:p>
+          <a:p>
+            <a:r>
+              <a:rPr lang="en-US" dirty="0" smtClean="0"/>
+              <a:t>        1,</a:t>
+            </a:r>
+          </a:p>
+          <a:p>
+            <a:r>
+              <a:rPr lang="en-US" dirty="0" smtClean="0"/>
+              <a:t>        1), x = c(1:10, </a:t>
+            </a:r>
+            <a:r>
+              <a:rPr lang="en-US" dirty="0" err="1" smtClean="0"/>
+              <a:t>seq</a:t>
+            </a:r>
+            <a:r>
+              <a:rPr lang="en-US" dirty="0" smtClean="0"/>
+              <a:t>(15, 50, 5)), </a:t>
+            </a:r>
+            <a:r>
+              <a:rPr lang="en-US" dirty="0" err="1" smtClean="0"/>
+              <a:t>pch</a:t>
+            </a:r>
+            <a:r>
+              <a:rPr lang="en-US" dirty="0" smtClean="0"/>
+              <a:t> = 1, type = 'o', col = "grey")</a:t>
+            </a:r>
+          </a:p>
+          <a:p>
+            <a:r>
+              <a:rPr lang="en-US" dirty="0" smtClean="0"/>
+              <a:t>lines(c(0.8516,</a:t>
+            </a:r>
+          </a:p>
+          <a:p>
+            <a:r>
+              <a:rPr lang="en-US" dirty="0" smtClean="0"/>
+              <a:t>        0.9778,</a:t>
+            </a:r>
+          </a:p>
+          <a:p>
+            <a:r>
+              <a:rPr lang="en-US" dirty="0" smtClean="0"/>
+              <a:t>        1,</a:t>
+            </a:r>
+          </a:p>
+          <a:p>
+            <a:r>
+              <a:rPr lang="en-US" dirty="0" smtClean="0"/>
+              <a:t>        1,</a:t>
+            </a:r>
+          </a:p>
+          <a:p>
+            <a:r>
+              <a:rPr lang="en-US" dirty="0" smtClean="0"/>
+              <a:t>        1,</a:t>
+            </a:r>
+          </a:p>
+          <a:p>
+            <a:r>
+              <a:rPr lang="en-US" dirty="0" smtClean="0"/>
+              <a:t>        1,</a:t>
+            </a:r>
+          </a:p>
+          <a:p>
+            <a:r>
+              <a:rPr lang="en-US" dirty="0" smtClean="0"/>
+              <a:t>        1,</a:t>
+            </a:r>
+          </a:p>
+          <a:p>
+            <a:r>
+              <a:rPr lang="en-US" dirty="0" smtClean="0"/>
+              <a:t>        1,</a:t>
+            </a:r>
+          </a:p>
+          <a:p>
+            <a:r>
+              <a:rPr lang="en-US" dirty="0" smtClean="0"/>
+              <a:t>        1,</a:t>
+            </a:r>
+          </a:p>
+          <a:p>
+            <a:r>
+              <a:rPr lang="en-US" dirty="0" smtClean="0"/>
+              <a:t>        1,</a:t>
+            </a:r>
+          </a:p>
+          <a:p>
+            <a:r>
+              <a:rPr lang="en-US" dirty="0" smtClean="0"/>
+              <a:t>        1,</a:t>
+            </a:r>
+          </a:p>
+          <a:p>
+            <a:r>
+              <a:rPr lang="en-US" dirty="0" smtClean="0"/>
+              <a:t>        1,</a:t>
+            </a:r>
+          </a:p>
+          <a:p>
+            <a:r>
+              <a:rPr lang="en-US" dirty="0" smtClean="0"/>
+              <a:t>        1,</a:t>
+            </a:r>
+          </a:p>
+          <a:p>
+            <a:r>
+              <a:rPr lang="en-US" dirty="0" smtClean="0"/>
+              <a:t>        1,</a:t>
+            </a:r>
+          </a:p>
+          <a:p>
+            <a:r>
+              <a:rPr lang="en-US" dirty="0" smtClean="0"/>
+              <a:t>        1,</a:t>
+            </a:r>
+          </a:p>
+          <a:p>
+            <a:r>
+              <a:rPr lang="en-US" dirty="0" smtClean="0"/>
+              <a:t>        1,</a:t>
+            </a:r>
+          </a:p>
+          <a:p>
+            <a:r>
+              <a:rPr lang="en-US" dirty="0" smtClean="0"/>
+              <a:t>        1,</a:t>
+            </a:r>
+          </a:p>
+          <a:p>
+            <a:r>
+              <a:rPr lang="en-US" dirty="0" smtClean="0"/>
+              <a:t>        1), x = c(1:10, </a:t>
+            </a:r>
+            <a:r>
+              <a:rPr lang="en-US" dirty="0" err="1" smtClean="0"/>
+              <a:t>seq</a:t>
+            </a:r>
+            <a:r>
+              <a:rPr lang="en-US" dirty="0" smtClean="0"/>
+              <a:t>(15, 50, 5)), </a:t>
+            </a:r>
+            <a:r>
+              <a:rPr lang="en-US" dirty="0" err="1" smtClean="0"/>
+              <a:t>pch</a:t>
+            </a:r>
+            <a:r>
+              <a:rPr lang="en-US" dirty="0" smtClean="0"/>
+              <a:t> = 2, type = 'o', col = "grey")</a:t>
+            </a:r>
+          </a:p>
+          <a:p>
+            <a:r>
+              <a:rPr lang="en-US" dirty="0" smtClean="0"/>
+              <a:t>lines(c(0.9833,</a:t>
+            </a:r>
+          </a:p>
+          <a:p>
+            <a:r>
+              <a:rPr lang="en-US" dirty="0" smtClean="0"/>
+              <a:t>        1,</a:t>
+            </a:r>
+          </a:p>
+          <a:p>
+            <a:r>
+              <a:rPr lang="en-US" dirty="0" smtClean="0"/>
+              <a:t>        1,</a:t>
+            </a:r>
+          </a:p>
+          <a:p>
+            <a:r>
+              <a:rPr lang="en-US" dirty="0" smtClean="0"/>
+              <a:t>        1,</a:t>
+            </a:r>
+          </a:p>
+          <a:p>
+            <a:r>
+              <a:rPr lang="en-US" dirty="0" smtClean="0"/>
+              <a:t>        1,</a:t>
+            </a:r>
+          </a:p>
+          <a:p>
+            <a:r>
+              <a:rPr lang="en-US" dirty="0" smtClean="0"/>
+              <a:t>        1,</a:t>
+            </a:r>
+          </a:p>
+          <a:p>
+            <a:r>
+              <a:rPr lang="en-US" dirty="0" smtClean="0"/>
+              <a:t>        1,</a:t>
+            </a:r>
+          </a:p>
+          <a:p>
+            <a:r>
+              <a:rPr lang="en-US" dirty="0" smtClean="0"/>
+              <a:t>        1,</a:t>
+            </a:r>
+          </a:p>
+          <a:p>
+            <a:r>
+              <a:rPr lang="en-US" dirty="0" smtClean="0"/>
+              <a:t>        1,</a:t>
+            </a:r>
+          </a:p>
+          <a:p>
+            <a:r>
+              <a:rPr lang="en-US" dirty="0" smtClean="0"/>
+              <a:t>        1,</a:t>
+            </a:r>
+          </a:p>
+          <a:p>
+            <a:r>
+              <a:rPr lang="en-US" dirty="0" smtClean="0"/>
+              <a:t>        1,</a:t>
+            </a:r>
+          </a:p>
+          <a:p>
+            <a:r>
+              <a:rPr lang="en-US" dirty="0" smtClean="0"/>
+              <a:t>        1,</a:t>
+            </a:r>
+          </a:p>
+          <a:p>
+            <a:r>
+              <a:rPr lang="en-US" dirty="0" smtClean="0"/>
+              <a:t>        1,</a:t>
+            </a:r>
+          </a:p>
+          <a:p>
+            <a:r>
+              <a:rPr lang="en-US" dirty="0" smtClean="0"/>
+              <a:t>        1,</a:t>
+            </a:r>
+          </a:p>
+          <a:p>
+            <a:r>
+              <a:rPr lang="en-US" dirty="0" smtClean="0"/>
+              <a:t>        1,</a:t>
+            </a:r>
+          </a:p>
+          <a:p>
+            <a:r>
+              <a:rPr lang="en-US" dirty="0" smtClean="0"/>
+              <a:t>        1,</a:t>
+            </a:r>
+          </a:p>
+          <a:p>
+            <a:r>
+              <a:rPr lang="en-US" dirty="0" smtClean="0"/>
+              <a:t>        1,</a:t>
+            </a:r>
+          </a:p>
+          <a:p>
+            <a:r>
+              <a:rPr lang="en-US" dirty="0" smtClean="0"/>
+              <a:t>        1), x = c(1:10, </a:t>
+            </a:r>
+            <a:r>
+              <a:rPr lang="en-US" dirty="0" err="1" smtClean="0"/>
+              <a:t>seq</a:t>
+            </a:r>
+            <a:r>
+              <a:rPr lang="en-US" dirty="0" smtClean="0"/>
+              <a:t>(15, 50, 5)), </a:t>
+            </a:r>
+            <a:r>
+              <a:rPr lang="en-US" dirty="0" err="1" smtClean="0"/>
+              <a:t>pch</a:t>
+            </a:r>
+            <a:r>
+              <a:rPr lang="en-US" dirty="0" smtClean="0"/>
+              <a:t> = 3, type = 'o', col = "grey")</a:t>
+            </a:r>
+          </a:p>
+          <a:p>
+            <a:endParaRPr lang="en-US" dirty="0" smtClean="0"/>
+          </a:p>
+          <a:p>
+            <a:r>
+              <a:rPr lang="en-US" dirty="0" smtClean="0"/>
+              <a:t>legend(x = 30, y = .4,</a:t>
+            </a:r>
+          </a:p>
+          <a:p>
+            <a:r>
+              <a:rPr lang="en-US" dirty="0" smtClean="0"/>
+              <a:t>       legend = c("r = .1, N = 33",</a:t>
+            </a:r>
+          </a:p>
+          <a:p>
+            <a:r>
+              <a:rPr lang="en-US" dirty="0" smtClean="0"/>
+              <a:t>                  "r = .1, N = 62",</a:t>
+            </a:r>
+          </a:p>
+          <a:p>
+            <a:r>
+              <a:rPr lang="en-US" dirty="0" smtClean="0"/>
+              <a:t>                  "r = .1, N = 119",</a:t>
+            </a:r>
+          </a:p>
+          <a:p>
+            <a:r>
+              <a:rPr lang="en-US" dirty="0" smtClean="0"/>
+              <a:t>                  "r = .25, N = 33",</a:t>
+            </a:r>
+          </a:p>
+          <a:p>
+            <a:r>
+              <a:rPr lang="en-US" dirty="0" smtClean="0"/>
+              <a:t>                  "r = .25, N = 62",</a:t>
+            </a:r>
+          </a:p>
+          <a:p>
+            <a:r>
+              <a:rPr lang="en-US" dirty="0" smtClean="0"/>
+              <a:t>                  "r = .25, N = 119"), </a:t>
+            </a:r>
+            <a:r>
+              <a:rPr lang="en-US" dirty="0" err="1" smtClean="0"/>
+              <a:t>pch</a:t>
+            </a:r>
+            <a:r>
+              <a:rPr lang="en-US" dirty="0" smtClean="0"/>
+              <a:t> = c(1, 2, 3, 1, 2, 3),</a:t>
+            </a:r>
+          </a:p>
+          <a:p>
+            <a:r>
+              <a:rPr lang="en-US" dirty="0" smtClean="0"/>
+              <a:t>       col = c(rep("black", 3), rep("grey", 3)), )</a:t>
+            </a:r>
+          </a:p>
+        </p:txBody>
+      </p:sp>
+      <p:sp>
+        <p:nvSpPr>
+          <p:cNvPr id="4" name="Slide Number Placeholder 3"/>
+          <p:cNvSpPr>
+            <a:spLocks noGrp="1"/>
+          </p:cNvSpPr>
+          <p:nvPr>
+            <p:ph type="sldNum" sz="quarter" idx="10"/>
+          </p:nvPr>
+        </p:nvSpPr>
+        <p:spPr/>
+        <p:txBody>
+          <a:bodyPr/>
+          <a:lstStyle/>
+          <a:p>
+            <a:fld id="{0F56ACC2-2784-40C3-ACA0-C65F99C64CE9}" type="slidenum">
+              <a:rPr lang="en-US" smtClean="0"/>
+              <a:t>1</a:t>
+            </a:fld>
+            <a:endParaRPr lang="en-US"/>
+          </a:p>
+        </p:txBody>
+      </p:sp>
+    </p:spTree>
+    <p:extLst>
+      <p:ext uri="{BB962C8B-B14F-4D97-AF65-F5344CB8AC3E}">
+        <p14:creationId xmlns:p14="http://schemas.microsoft.com/office/powerpoint/2010/main" val="3128577894"/>
+      </p:ext>
+    </p:extLst>
+  </p:cSld>
+  <p:clrMapOvr>
+    <a:masterClrMapping/>
+  </p:clrMapOvr>
+</p:notes>
 </file>
 
 <file path=ppt/slideLayouts/slideLayout1.xml><?xml version="1.0" encoding="utf-8"?>
@@ -293,7 +1633,7 @@
           <a:p>
             <a:fld id="{4AAD347D-5ACD-4C99-B74B-A9C85AD731AF}" type="datetimeFigureOut">
               <a:rPr lang="en-US" smtClean="0"/>
-              <a:t>11/5/2015</a:t>
+              <a:t>11/25/2015</a:t>
             </a:fld>
             <a:endParaRPr lang="en-US" dirty="0"/>
           </a:p>
@@ -568,7 +1908,7 @@
           <a:p>
             <a:fld id="{4509A250-FF31-4206-8172-F9D3106AACB1}" type="datetimeFigureOut">
               <a:rPr lang="en-US" smtClean="0"/>
-              <a:t>11/5/2015</a:t>
+              <a:t>11/25/2015</a:t>
             </a:fld>
             <a:endParaRPr lang="en-US" dirty="0"/>
           </a:p>
@@ -762,7 +2102,7 @@
           <a:p>
             <a:fld id="{4509A250-FF31-4206-8172-F9D3106AACB1}" type="datetimeFigureOut">
               <a:rPr lang="en-US" smtClean="0"/>
-              <a:t>11/5/2015</a:t>
+              <a:t>11/25/2015</a:t>
             </a:fld>
             <a:endParaRPr lang="en-US" dirty="0"/>
           </a:p>
@@ -1035,7 +2375,7 @@
           <a:p>
             <a:fld id="{4509A250-FF31-4206-8172-F9D3106AACB1}" type="datetimeFigureOut">
               <a:rPr lang="en-US" smtClean="0"/>
-              <a:t>11/5/2015</a:t>
+              <a:t>11/25/2015</a:t>
             </a:fld>
             <a:endParaRPr lang="en-US" dirty="0"/>
           </a:p>
@@ -1376,7 +2716,7 @@
           <a:p>
             <a:fld id="{4509A250-FF31-4206-8172-F9D3106AACB1}" type="datetimeFigureOut">
               <a:rPr lang="en-US" smtClean="0"/>
-              <a:t>11/5/2015</a:t>
+              <a:t>11/25/2015</a:t>
             </a:fld>
             <a:endParaRPr lang="en-US" dirty="0"/>
           </a:p>
@@ -1999,7 +3339,7 @@
           <a:p>
             <a:fld id="{4509A250-FF31-4206-8172-F9D3106AACB1}" type="datetimeFigureOut">
               <a:rPr lang="en-US" smtClean="0"/>
-              <a:t>11/5/2015</a:t>
+              <a:t>11/25/2015</a:t>
             </a:fld>
             <a:endParaRPr lang="en-US" dirty="0"/>
           </a:p>
@@ -2859,7 +4199,7 @@
           <a:p>
             <a:fld id="{4509A250-FF31-4206-8172-F9D3106AACB1}" type="datetimeFigureOut">
               <a:rPr lang="en-US" smtClean="0"/>
-              <a:t>11/5/2015</a:t>
+              <a:t>11/25/2015</a:t>
             </a:fld>
             <a:endParaRPr lang="en-US" dirty="0"/>
           </a:p>
@@ -3029,7 +4369,7 @@
           <a:p>
             <a:fld id="{4509A250-FF31-4206-8172-F9D3106AACB1}" type="datetimeFigureOut">
               <a:rPr lang="en-US" smtClean="0"/>
-              <a:t>11/5/2015</a:t>
+              <a:t>11/25/2015</a:t>
             </a:fld>
             <a:endParaRPr lang="en-US" dirty="0"/>
           </a:p>
@@ -3209,7 +4549,7 @@
           <a:p>
             <a:fld id="{4509A250-FF31-4206-8172-F9D3106AACB1}" type="datetimeFigureOut">
               <a:rPr lang="en-US" smtClean="0"/>
-              <a:t>11/5/2015</a:t>
+              <a:t>11/25/2015</a:t>
             </a:fld>
             <a:endParaRPr lang="en-US" dirty="0"/>
           </a:p>
@@ -3379,7 +4719,7 @@
           <a:p>
             <a:fld id="{4509A250-FF31-4206-8172-F9D3106AACB1}" type="datetimeFigureOut">
               <a:rPr lang="en-US" smtClean="0"/>
-              <a:t>11/5/2015</a:t>
+              <a:t>11/25/2015</a:t>
             </a:fld>
             <a:endParaRPr lang="en-US" dirty="0"/>
           </a:p>
@@ -3626,7 +4966,7 @@
           <a:p>
             <a:fld id="{9796027F-7875-4030-9381-8BD8C4F21935}" type="datetimeFigureOut">
               <a:rPr lang="en-US" smtClean="0"/>
-              <a:t>11/5/2015</a:t>
+              <a:t>11/25/2015</a:t>
             </a:fld>
             <a:endParaRPr lang="en-US" dirty="0"/>
           </a:p>
@@ -3918,7 +5258,7 @@
           <a:p>
             <a:fld id="{9796027F-7875-4030-9381-8BD8C4F21935}" type="datetimeFigureOut">
               <a:rPr lang="en-US" smtClean="0"/>
-              <a:t>11/5/2015</a:t>
+              <a:t>11/25/2015</a:t>
             </a:fld>
             <a:endParaRPr lang="en-US" dirty="0"/>
           </a:p>
@@ -4362,7 +5702,7 @@
           <a:p>
             <a:fld id="{9796027F-7875-4030-9381-8BD8C4F21935}" type="datetimeFigureOut">
               <a:rPr lang="en-US" smtClean="0"/>
-              <a:t>11/5/2015</a:t>
+              <a:t>11/25/2015</a:t>
             </a:fld>
             <a:endParaRPr lang="en-US" dirty="0"/>
           </a:p>
@@ -4480,7 +5820,7 @@
           <a:p>
             <a:fld id="{4509A250-FF31-4206-8172-F9D3106AACB1}" type="datetimeFigureOut">
               <a:rPr lang="en-US" smtClean="0"/>
-              <a:t>11/5/2015</a:t>
+              <a:t>11/25/2015</a:t>
             </a:fld>
             <a:endParaRPr lang="en-US" dirty="0"/>
           </a:p>
@@ -4575,7 +5915,7 @@
           <a:p>
             <a:fld id="{4509A250-FF31-4206-8172-F9D3106AACB1}" type="datetimeFigureOut">
               <a:rPr lang="en-US" smtClean="0"/>
-              <a:t>11/5/2015</a:t>
+              <a:t>11/25/2015</a:t>
             </a:fld>
             <a:endParaRPr lang="en-US" dirty="0"/>
           </a:p>
@@ -4854,7 +6194,7 @@
           <a:p>
             <a:fld id="{4509A250-FF31-4206-8172-F9D3106AACB1}" type="datetimeFigureOut">
               <a:rPr lang="en-US" smtClean="0"/>
-              <a:t>11/5/2015</a:t>
+              <a:t>11/25/2015</a:t>
             </a:fld>
             <a:endParaRPr lang="en-US" dirty="0"/>
           </a:p>
@@ -5129,7 +6469,7 @@
           <a:p>
             <a:fld id="{4509A250-FF31-4206-8172-F9D3106AACB1}" type="datetimeFigureOut">
               <a:rPr lang="en-US" smtClean="0"/>
-              <a:t>11/5/2015</a:t>
+              <a:t>11/25/2015</a:t>
             </a:fld>
             <a:endParaRPr lang="en-US" dirty="0"/>
           </a:p>
@@ -5694,7 +7034,7 @@
           <a:p>
             <a:fld id="{4AAD347D-5ACD-4C99-B74B-A9C85AD731AF}" type="datetimeFigureOut">
               <a:rPr lang="en-US" smtClean="0"/>
-              <a:t>11/5/2015</a:t>
+              <a:t>11/25/2015</a:t>
             </a:fld>
             <a:endParaRPr lang="en-US" dirty="0"/>
           </a:p>
@@ -6225,6 +7565,54 @@
       </p:grpSpPr>
       <p:sp>
         <p:nvSpPr>
+          <p:cNvPr id="11" name="Rectangle 10"/>
+          <p:cNvSpPr/>
+          <p:nvPr/>
+        </p:nvSpPr>
+        <p:spPr>
+          <a:xfrm>
+            <a:off x="0" y="38345806"/>
+            <a:ext cx="30376814" cy="4457957"/>
+          </a:xfrm>
+          <a:prstGeom prst="rect">
+            <a:avLst/>
+          </a:prstGeom>
+          <a:solidFill>
+            <a:schemeClr val="tx1"/>
+          </a:solidFill>
+          <a:ln>
+            <a:solidFill>
+              <a:schemeClr val="tx1"/>
+            </a:solidFill>
+          </a:ln>
+        </p:spPr>
+        <p:style>
+          <a:lnRef idx="2">
+            <a:schemeClr val="accent1">
+              <a:shade val="50000"/>
+            </a:schemeClr>
+          </a:lnRef>
+          <a:fillRef idx="1">
+            <a:schemeClr val="accent1"/>
+          </a:fillRef>
+          <a:effectRef idx="0">
+            <a:schemeClr val="accent1"/>
+          </a:effectRef>
+          <a:fontRef idx="minor">
+            <a:schemeClr val="lt1"/>
+          </a:fontRef>
+        </p:style>
+        <p:txBody>
+          <a:bodyPr rtlCol="0" anchor="ctr"/>
+          <a:lstStyle/>
+          <a:p>
+            <a:pPr algn="ctr"/>
+            <a:endParaRPr lang="en-US"/>
+          </a:p>
+        </p:txBody>
+      </p:sp>
+      <p:sp>
+        <p:nvSpPr>
           <p:cNvPr id="2" name="Title 1"/>
           <p:cNvSpPr>
             <a:spLocks noGrp="1"/>
@@ -6283,19 +7671,31 @@
               <a:rPr lang="en-US" sz="5600" dirty="0" smtClean="0">
                 <a:latin typeface="Gill Sans MT" panose="020B0502020104020203" pitchFamily="34" charset="0"/>
               </a:rPr>
-              <a:t>Chris HJ Hartgerink, Marcel ALM van </a:t>
-            </a:r>
-            <a:r>
-              <a:rPr lang="en-US" sz="5600" dirty="0" err="1" smtClean="0">
+              <a:t>Chris HJ Hartgerink</a:t>
+            </a:r>
+            <a:r>
+              <a:rPr lang="en-US" sz="5600" dirty="0" smtClean="0">
+                <a:latin typeface="Gill Sans MT" panose="020B0502020104020203" pitchFamily="34" charset="0"/>
+              </a:rPr>
+              <a:t>, </a:t>
+            </a:r>
+            <a:r>
+              <a:rPr lang="en-US" sz="5600" dirty="0" smtClean="0">
+                <a:latin typeface="Gill Sans MT" panose="020B0502020104020203" pitchFamily="34" charset="0"/>
+              </a:rPr>
+              <a:t>Jelte M </a:t>
+            </a:r>
+            <a:r>
+              <a:rPr lang="en-US" sz="5600" dirty="0">
+                <a:latin typeface="Gill Sans MT" panose="020B0502020104020203" pitchFamily="34" charset="0"/>
+              </a:rPr>
+              <a:t>Wicherts, Marcel ALM van </a:t>
+            </a:r>
+            <a:r>
+              <a:rPr lang="en-US" sz="5600" dirty="0" err="1">
                 <a:latin typeface="Gill Sans MT" panose="020B0502020104020203" pitchFamily="34" charset="0"/>
               </a:rPr>
               <a:t>Assen</a:t>
-            </a:r>
-            <a:r>
-              <a:rPr lang="en-US" sz="5600" dirty="0" smtClean="0">
-                <a:latin typeface="Gill Sans MT" panose="020B0502020104020203" pitchFamily="34" charset="0"/>
-              </a:rPr>
-              <a:t>, Jelte M Wicherts</a:t>
             </a:r>
             <a:endParaRPr lang="en-US" sz="5600" dirty="0">
               <a:latin typeface="Gill Sans MT" panose="020B0502020104020203" pitchFamily="34" charset="0"/>
@@ -6346,8 +7746,8 @@
         </p:nvSpPr>
         <p:spPr>
           <a:xfrm>
-            <a:off x="955639" y="3610732"/>
-            <a:ext cx="10725084" cy="8402300"/>
+            <a:off x="955638" y="3610732"/>
+            <a:ext cx="11720539" cy="9017853"/>
           </a:xfrm>
           <a:prstGeom prst="rect">
             <a:avLst/>
@@ -6380,19 +7780,25 @@
               <a:rPr lang="en-US" sz="4000" dirty="0" smtClean="0">
                 <a:latin typeface="Gill Sans MT" panose="020B0502020104020203" pitchFamily="34" charset="0"/>
               </a:rPr>
-              <a:t>More nonsignificant </a:t>
+              <a:t>Relatively more </a:t>
+            </a:r>
+            <a:r>
+              <a:rPr lang="en-US" sz="4000" dirty="0" smtClean="0">
+                <a:latin typeface="Gill Sans MT" panose="020B0502020104020203" pitchFamily="34" charset="0"/>
+              </a:rPr>
+              <a:t>nonsignificant </a:t>
             </a:r>
             <a:r>
               <a:rPr lang="en-US" sz="4000" dirty="0">
                 <a:latin typeface="Gill Sans MT" panose="020B0502020104020203" pitchFamily="34" charset="0"/>
               </a:rPr>
-              <a:t>results are reported in psychology papers now than ever </a:t>
+              <a:t>results are reported in psychology papers now than </a:t>
             </a:r>
             <a:r>
               <a:rPr lang="en-US" sz="4000" dirty="0" smtClean="0">
                 <a:latin typeface="Gill Sans MT" panose="020B0502020104020203" pitchFamily="34" charset="0"/>
               </a:rPr>
-              <a:t>before</a:t>
+              <a:t>in 1985</a:t>
             </a:r>
             <a:endParaRPr lang="en-US" sz="4000" dirty="0">
               <a:latin typeface="Gill Sans MT" panose="020B0502020104020203" pitchFamily="34" charset="0"/>
@@ -6449,8 +7855,17 @@
               <a:rPr lang="en-US" sz="4000" dirty="0" smtClean="0">
                 <a:latin typeface="Gill Sans MT" panose="020B0502020104020203" pitchFamily="34" charset="0"/>
               </a:rPr>
-              <a:t>Evidence for false negatives in eight psychology journals</a:t>
-            </a:r>
+              <a:t>Evidence for false negatives in eight psychology </a:t>
+            </a:r>
+            <a:r>
+              <a:rPr lang="en-US" sz="4000" dirty="0" smtClean="0">
+                <a:latin typeface="Gill Sans MT" panose="020B0502020104020203" pitchFamily="34" charset="0"/>
+              </a:rPr>
+              <a:t>journals, providing empirical evidence that nonsignificant results should not be discarded by psychology researchers.</a:t>
+            </a:r>
+            <a:endParaRPr lang="en-US" sz="4000" dirty="0" smtClean="0">
+              <a:latin typeface="Gill Sans MT" panose="020B0502020104020203" pitchFamily="34" charset="0"/>
+            </a:endParaRPr>
           </a:p>
           <a:p>
             <a:pPr marL="1143000" indent="-1143000" algn="just">
@@ -6485,7 +7900,7 @@
             </p:nvSpPr>
             <p:spPr>
               <a:xfrm>
-                <a:off x="2443083" y="13354736"/>
+                <a:off x="2785983" y="13621436"/>
                 <a:ext cx="7710765" cy="3276731"/>
               </a:xfrm>
               <a:prstGeom prst="rect">
@@ -6510,6 +7925,7 @@
                 </a:endParaRPr>
               </a:p>
               <a:p>
+                <a:pPr/>
                 <a14:m>
                   <m:oMathPara xmlns:m="http://schemas.openxmlformats.org/officeDocument/2006/math">
                     <m:oMathParaPr>
@@ -6519,7 +7935,7 @@
                       <m:sSubSup>
                         <m:sSubSupPr>
                           <m:ctrlPr>
-                            <a:rPr lang="en-US" sz="5400">
+                            <a:rPr lang="en-US" sz="5400" i="1">
                               <a:latin typeface="Cambria Math" panose="02040503050406030204" pitchFamily="18" charset="0"/>
                             </a:rPr>
                           </m:ctrlPr>
@@ -6710,16 +8126,16 @@
             </p:nvSpPr>
             <p:spPr>
               <a:xfrm>
-                <a:off x="2443083" y="13354736"/>
+                <a:off x="2785983" y="13621436"/>
                 <a:ext cx="7710765" cy="3276731"/>
               </a:xfrm>
               <a:prstGeom prst="rect">
                 <a:avLst/>
               </a:prstGeom>
               <a:blipFill rotWithShape="0">
-                <a:blip r:embed="rId2"/>
+                <a:blip r:embed="rId3"/>
                 <a:stretch>
-                  <a:fillRect t="-5214"/>
+                  <a:fillRect t="-5204"/>
                 </a:stretch>
               </a:blipFill>
             </p:spPr>
@@ -6746,7 +8162,7 @@
         </p:nvSpPr>
         <p:spPr>
           <a:xfrm>
-            <a:off x="955639" y="17204111"/>
+            <a:off x="1298539" y="17470811"/>
             <a:ext cx="11079950" cy="1323439"/>
           </a:xfrm>
           <a:prstGeom prst="rect">
@@ -6788,7 +8204,13 @@
               <a:rPr lang="en-US" sz="4000" dirty="0" smtClean="0">
                 <a:latin typeface="Gill Sans MT" panose="020B0502020104020203" pitchFamily="34" charset="0"/>
               </a:rPr>
-              <a:t>-values are uniformly distributed (i.e., no effect)</a:t>
+              <a:t>-values </a:t>
+            </a:r>
+            <a:r>
+              <a:rPr lang="en-US" sz="4000" dirty="0" smtClean="0">
+                <a:latin typeface="Gill Sans MT" panose="020B0502020104020203" pitchFamily="34" charset="0"/>
+              </a:rPr>
+              <a:t>are uniformly distributed (i.e., no effect)</a:t>
             </a:r>
           </a:p>
           <a:p>
@@ -6836,7 +8258,7 @@
         </p:nvSpPr>
         <p:spPr>
           <a:xfrm>
-            <a:off x="561343" y="12264199"/>
+            <a:off x="904243" y="12416599"/>
             <a:ext cx="11474246" cy="1015663"/>
           </a:xfrm>
           <a:prstGeom prst="rect">
@@ -6855,7 +8277,19 @@
               <a:rPr lang="en-US" sz="6000" dirty="0" smtClean="0">
                 <a:latin typeface="Gill Sans MT" panose="020B0502020104020203" pitchFamily="34" charset="0"/>
               </a:rPr>
-              <a:t>Method to test for false negative</a:t>
+              <a:t>Testing for </a:t>
+            </a:r>
+            <a:r>
+              <a:rPr lang="en-US" sz="6000" dirty="0" smtClean="0">
+                <a:latin typeface="Gill Sans MT" panose="020B0502020104020203" pitchFamily="34" charset="0"/>
+              </a:rPr>
+              <a:t>false </a:t>
+            </a:r>
+            <a:r>
+              <a:rPr lang="en-US" sz="6000" dirty="0" smtClean="0">
+                <a:latin typeface="Gill Sans MT" panose="020B0502020104020203" pitchFamily="34" charset="0"/>
+              </a:rPr>
+              <a:t>negatives</a:t>
             </a:r>
             <a:endParaRPr lang="en-US" sz="4800" dirty="0">
               <a:latin typeface="Gill Sans MT" panose="020B0502020104020203" pitchFamily="34" charset="0"/>
@@ -6907,7 +8341,7 @@
         <p:spPr>
           <a:xfrm>
             <a:off x="15375823" y="4524893"/>
-            <a:ext cx="12755424" cy="3477875"/>
+            <a:ext cx="12755424" cy="25637788"/>
           </a:xfrm>
           <a:prstGeom prst="rect">
             <a:avLst/>
@@ -6943,6 +8377,12 @@
               <a:t>Data collected with </a:t>
             </a:r>
             <a:r>
+              <a:rPr lang="en-US" sz="4000" dirty="0" smtClean="0">
+                <a:latin typeface="Gill Sans MT" panose="020B0502020104020203" pitchFamily="34" charset="0"/>
+              </a:rPr>
+              <a:t>`</a:t>
+            </a:r>
+            <a:r>
               <a:rPr lang="en-US" sz="4000" dirty="0" err="1" smtClean="0">
                 <a:latin typeface="Gill Sans MT" panose="020B0502020104020203" pitchFamily="34" charset="0"/>
               </a:rPr>
@@ -6952,20 +8392,320 @@
               <a:rPr lang="en-US" sz="4000" dirty="0" smtClean="0">
                 <a:latin typeface="Gill Sans MT" panose="020B0502020104020203" pitchFamily="34" charset="0"/>
               </a:rPr>
-              <a:t> for papers in eight psychology papers from 1985-2013 (data also used in </a:t>
+              <a:t>` </a:t>
+            </a:r>
+            <a:r>
+              <a:rPr lang="en-US" sz="4000" dirty="0" smtClean="0">
+                <a:latin typeface="Gill Sans MT" panose="020B0502020104020203" pitchFamily="34" charset="0"/>
+              </a:rPr>
+              <a:t>for </a:t>
+            </a:r>
+            <a:r>
+              <a:rPr lang="en-US" sz="4000" dirty="0" smtClean="0">
+                <a:latin typeface="Gill Sans MT" panose="020B0502020104020203" pitchFamily="34" charset="0"/>
+              </a:rPr>
+              <a:t>~30,000 papers </a:t>
+            </a:r>
+            <a:r>
+              <a:rPr lang="en-US" sz="4000" dirty="0" smtClean="0">
+                <a:latin typeface="Gill Sans MT" panose="020B0502020104020203" pitchFamily="34" charset="0"/>
+              </a:rPr>
+              <a:t>in eight psychology papers from 1985-2013 (data also used in Nuijten et al. 2015</a:t>
+            </a:r>
+            <a:r>
+              <a:rPr lang="en-US" sz="4000" dirty="0" smtClean="0">
+                <a:latin typeface="Gill Sans MT" panose="020B0502020104020203" pitchFamily="34" charset="0"/>
+              </a:rPr>
+              <a:t>)</a:t>
+            </a:r>
+          </a:p>
+          <a:p>
+            <a:pPr marL="857250" indent="-857250" algn="just">
+              <a:buFont typeface="Arial" panose="020B0604020202020204" pitchFamily="34" charset="0"/>
+              <a:buChar char="•"/>
+            </a:pPr>
+            <a:r>
+              <a:rPr lang="en-US" sz="4000" dirty="0" smtClean="0">
+                <a:latin typeface="Gill Sans MT" panose="020B0502020104020203" pitchFamily="34" charset="0"/>
+              </a:rPr>
+              <a:t>Extracted 54,595 </a:t>
             </a:r>
             <a:r>
               <a:rPr lang="en-US" sz="4000" dirty="0" err="1" smtClean="0">
                 <a:latin typeface="Gill Sans MT" panose="020B0502020104020203" pitchFamily="34" charset="0"/>
               </a:rPr>
-              <a:t>Nuijten</a:t>
+              <a:t>nonsiginificant</a:t>
             </a:r>
             <a:r>
               <a:rPr lang="en-US" sz="4000" dirty="0" smtClean="0">
                 <a:latin typeface="Gill Sans MT" panose="020B0502020104020203" pitchFamily="34" charset="0"/>
               </a:rPr>
-              <a:t> et al. 2015)</a:t>
-            </a:r>
+              <a:t> results across 14,759 papers</a:t>
+            </a:r>
+          </a:p>
+          <a:p>
+            <a:pPr marL="857250" indent="-857250" algn="just">
+              <a:buFont typeface="Arial" panose="020B0604020202020204" pitchFamily="34" charset="0"/>
+              <a:buChar char="•"/>
+            </a:pPr>
+            <a:r>
+              <a:rPr lang="en-US" sz="4000" dirty="0" smtClean="0">
+                <a:latin typeface="Gill Sans MT" panose="020B0502020104020203" pitchFamily="34" charset="0"/>
+              </a:rPr>
+              <a:t>6,951 of these 14,759 papers reporting nonsignificant results show evidence for at least one false negative (66.7%)</a:t>
+            </a:r>
+          </a:p>
+          <a:p>
+            <a:pPr marL="857250" indent="-857250" algn="just">
+              <a:buFont typeface="Arial" panose="020B0604020202020204" pitchFamily="34" charset="0"/>
+              <a:buChar char="•"/>
+            </a:pPr>
+            <a:r>
+              <a:rPr lang="en-US" sz="4000" dirty="0" smtClean="0">
+                <a:latin typeface="Gill Sans MT" panose="020B0502020104020203" pitchFamily="34" charset="0"/>
+              </a:rPr>
+              <a:t>Percentage of papers with evidence for false negatives varies across journals, from 49.4% (</a:t>
+            </a:r>
+            <a:r>
+              <a:rPr lang="en-US" sz="4000" i="1" dirty="0" smtClean="0">
+                <a:latin typeface="Gill Sans MT" panose="020B0502020104020203" pitchFamily="34" charset="0"/>
+              </a:rPr>
+              <a:t>Journal of Applied Psychology</a:t>
+            </a:r>
+            <a:r>
+              <a:rPr lang="en-US" sz="4000" dirty="0" smtClean="0">
+                <a:latin typeface="Gill Sans MT" panose="020B0502020104020203" pitchFamily="34" charset="0"/>
+              </a:rPr>
+              <a:t>) to 81.3% (</a:t>
+            </a:r>
+            <a:r>
+              <a:rPr lang="en-US" sz="4000" i="1" dirty="0" smtClean="0">
+                <a:latin typeface="Gill Sans MT" panose="020B0502020104020203" pitchFamily="34" charset="0"/>
+              </a:rPr>
+              <a:t>Journal of Personality and Social Psychology</a:t>
+            </a:r>
+            <a:r>
+              <a:rPr lang="en-US" sz="4000" dirty="0" smtClean="0">
+                <a:latin typeface="Gill Sans MT" panose="020B0502020104020203" pitchFamily="34" charset="0"/>
+              </a:rPr>
+              <a:t>)</a:t>
+            </a:r>
+          </a:p>
+          <a:p>
+            <a:pPr marL="857250" indent="-857250" algn="just">
+              <a:buFont typeface="Arial" panose="020B0604020202020204" pitchFamily="34" charset="0"/>
+              <a:buChar char="•"/>
+            </a:pPr>
+            <a:r>
+              <a:rPr lang="en-US" sz="4000" dirty="0" smtClean="0">
+                <a:latin typeface="Gill Sans MT" panose="020B0502020104020203" pitchFamily="34" charset="0"/>
+              </a:rPr>
+              <a:t>Correlation between median number of nonsignificant results strongly correlates with evidence of at least one false negative (</a:t>
+            </a:r>
+            <a:r>
+              <a:rPr lang="en-US" sz="4000" i="1" dirty="0" smtClean="0">
+                <a:latin typeface="Gill Sans MT" panose="020B0502020104020203" pitchFamily="34" charset="0"/>
+              </a:rPr>
+              <a:t>r</a:t>
+            </a:r>
+            <a:r>
+              <a:rPr lang="en-US" sz="4000" dirty="0" smtClean="0">
+                <a:latin typeface="Gill Sans MT" panose="020B0502020104020203" pitchFamily="34" charset="0"/>
+              </a:rPr>
+              <a:t> = .617)</a:t>
+            </a:r>
+          </a:p>
+          <a:p>
+            <a:pPr marL="857250" indent="-857250" algn="just">
+              <a:buFont typeface="Arial" panose="020B0604020202020204" pitchFamily="34" charset="0"/>
+              <a:buChar char="•"/>
+            </a:pPr>
+            <a:r>
+              <a:rPr lang="en-US" sz="4000" dirty="0" smtClean="0">
+                <a:latin typeface="Gill Sans MT" panose="020B0502020104020203" pitchFamily="34" charset="0"/>
+              </a:rPr>
+              <a:t>Sample sizes in psychology highly stable throughout thirty years</a:t>
+            </a:r>
+          </a:p>
+          <a:p>
+            <a:pPr marL="857250" indent="-857250" algn="just">
+              <a:buFont typeface="Arial" panose="020B0604020202020204" pitchFamily="34" charset="0"/>
+              <a:buChar char="•"/>
+            </a:pPr>
+            <a:endParaRPr lang="en-US" sz="4000" dirty="0">
+              <a:latin typeface="Gill Sans MT" panose="020B0502020104020203" pitchFamily="34" charset="0"/>
+            </a:endParaRPr>
+          </a:p>
+          <a:p>
+            <a:pPr marL="857250" indent="-857250" algn="just">
+              <a:buFont typeface="Arial" panose="020B0604020202020204" pitchFamily="34" charset="0"/>
+              <a:buChar char="•"/>
+            </a:pPr>
+            <a:endParaRPr lang="en-US" sz="4000" dirty="0" smtClean="0">
+              <a:latin typeface="Gill Sans MT" panose="020B0502020104020203" pitchFamily="34" charset="0"/>
+            </a:endParaRPr>
+          </a:p>
+          <a:p>
+            <a:pPr marL="857250" indent="-857250" algn="just">
+              <a:buFont typeface="Arial" panose="020B0604020202020204" pitchFamily="34" charset="0"/>
+              <a:buChar char="•"/>
+            </a:pPr>
+            <a:endParaRPr lang="en-US" sz="4000" dirty="0">
+              <a:latin typeface="Gill Sans MT" panose="020B0502020104020203" pitchFamily="34" charset="0"/>
+            </a:endParaRPr>
+          </a:p>
+          <a:p>
+            <a:pPr marL="857250" indent="-857250" algn="just">
+              <a:buFont typeface="Arial" panose="020B0604020202020204" pitchFamily="34" charset="0"/>
+              <a:buChar char="•"/>
+            </a:pPr>
+            <a:endParaRPr lang="en-US" sz="4000" dirty="0" smtClean="0">
+              <a:latin typeface="Gill Sans MT" panose="020B0502020104020203" pitchFamily="34" charset="0"/>
+            </a:endParaRPr>
+          </a:p>
+          <a:p>
+            <a:pPr marL="857250" indent="-857250" algn="just">
+              <a:buFont typeface="Arial" panose="020B0604020202020204" pitchFamily="34" charset="0"/>
+              <a:buChar char="•"/>
+            </a:pPr>
+            <a:endParaRPr lang="en-US" sz="4000" dirty="0">
+              <a:latin typeface="Gill Sans MT" panose="020B0502020104020203" pitchFamily="34" charset="0"/>
+            </a:endParaRPr>
+          </a:p>
+          <a:p>
+            <a:pPr marL="857250" indent="-857250" algn="just">
+              <a:buFont typeface="Arial" panose="020B0604020202020204" pitchFamily="34" charset="0"/>
+              <a:buChar char="•"/>
+            </a:pPr>
+            <a:endParaRPr lang="en-US" sz="4000" dirty="0" smtClean="0">
+              <a:latin typeface="Gill Sans MT" panose="020B0502020104020203" pitchFamily="34" charset="0"/>
+            </a:endParaRPr>
+          </a:p>
+          <a:p>
+            <a:pPr marL="857250" indent="-857250" algn="just">
+              <a:buFont typeface="Arial" panose="020B0604020202020204" pitchFamily="34" charset="0"/>
+              <a:buChar char="•"/>
+            </a:pPr>
+            <a:endParaRPr lang="en-US" sz="4000" dirty="0">
+              <a:latin typeface="Gill Sans MT" panose="020B0502020104020203" pitchFamily="34" charset="0"/>
+            </a:endParaRPr>
+          </a:p>
+          <a:p>
+            <a:pPr marL="857250" indent="-857250" algn="just">
+              <a:buFont typeface="Arial" panose="020B0604020202020204" pitchFamily="34" charset="0"/>
+              <a:buChar char="•"/>
+            </a:pPr>
+            <a:endParaRPr lang="en-US" sz="4000" dirty="0" smtClean="0">
+              <a:latin typeface="Gill Sans MT" panose="020B0502020104020203" pitchFamily="34" charset="0"/>
+            </a:endParaRPr>
+          </a:p>
+          <a:p>
+            <a:pPr marL="857250" indent="-857250" algn="just">
+              <a:buFont typeface="Arial" panose="020B0604020202020204" pitchFamily="34" charset="0"/>
+              <a:buChar char="•"/>
+            </a:pPr>
+            <a:endParaRPr lang="en-US" sz="4000" dirty="0">
+              <a:latin typeface="Gill Sans MT" panose="020B0502020104020203" pitchFamily="34" charset="0"/>
+            </a:endParaRPr>
+          </a:p>
+          <a:p>
+            <a:pPr marL="857250" indent="-857250" algn="just">
+              <a:buFont typeface="Arial" panose="020B0604020202020204" pitchFamily="34" charset="0"/>
+              <a:buChar char="•"/>
+            </a:pPr>
+            <a:endParaRPr lang="en-US" sz="4000" dirty="0" smtClean="0">
+              <a:latin typeface="Gill Sans MT" panose="020B0502020104020203" pitchFamily="34" charset="0"/>
+            </a:endParaRPr>
+          </a:p>
+          <a:p>
+            <a:pPr marL="857250" indent="-857250" algn="just">
+              <a:buFont typeface="Arial" panose="020B0604020202020204" pitchFamily="34" charset="0"/>
+              <a:buChar char="•"/>
+            </a:pPr>
+            <a:endParaRPr lang="en-US" sz="4000" dirty="0">
+              <a:latin typeface="Gill Sans MT" panose="020B0502020104020203" pitchFamily="34" charset="0"/>
+            </a:endParaRPr>
+          </a:p>
+          <a:p>
+            <a:pPr marL="857250" indent="-857250" algn="just">
+              <a:buFont typeface="Arial" panose="020B0604020202020204" pitchFamily="34" charset="0"/>
+              <a:buChar char="•"/>
+            </a:pPr>
+            <a:endParaRPr lang="en-US" sz="4000" dirty="0" smtClean="0">
+              <a:latin typeface="Gill Sans MT" panose="020B0502020104020203" pitchFamily="34" charset="0"/>
+            </a:endParaRPr>
+          </a:p>
+          <a:p>
+            <a:pPr marL="857250" indent="-857250" algn="just">
+              <a:buFont typeface="Arial" panose="020B0604020202020204" pitchFamily="34" charset="0"/>
+              <a:buChar char="•"/>
+            </a:pPr>
+            <a:endParaRPr lang="en-US" sz="4000" dirty="0">
+              <a:latin typeface="Gill Sans MT" panose="020B0502020104020203" pitchFamily="34" charset="0"/>
+            </a:endParaRPr>
+          </a:p>
+          <a:p>
+            <a:pPr marL="857250" indent="-857250" algn="just">
+              <a:buFont typeface="Arial" panose="020B0604020202020204" pitchFamily="34" charset="0"/>
+              <a:buChar char="•"/>
+            </a:pPr>
+            <a:endParaRPr lang="en-US" sz="4000" dirty="0" smtClean="0">
+              <a:latin typeface="Gill Sans MT" panose="020B0502020104020203" pitchFamily="34" charset="0"/>
+            </a:endParaRPr>
+          </a:p>
+          <a:p>
+            <a:pPr marL="857250" indent="-857250" algn="just">
+              <a:buFont typeface="Arial" panose="020B0604020202020204" pitchFamily="34" charset="0"/>
+              <a:buChar char="•"/>
+            </a:pPr>
+            <a:endParaRPr lang="en-US" sz="4000" dirty="0">
+              <a:latin typeface="Gill Sans MT" panose="020B0502020104020203" pitchFamily="34" charset="0"/>
+            </a:endParaRPr>
+          </a:p>
+          <a:p>
+            <a:pPr marL="857250" indent="-857250" algn="just">
+              <a:buFont typeface="Arial" panose="020B0604020202020204" pitchFamily="34" charset="0"/>
+              <a:buChar char="•"/>
+            </a:pPr>
+            <a:endParaRPr lang="en-US" sz="4000" dirty="0" smtClean="0">
+              <a:latin typeface="Gill Sans MT" panose="020B0502020104020203" pitchFamily="34" charset="0"/>
+            </a:endParaRPr>
+          </a:p>
+          <a:p>
+            <a:pPr marL="857250" indent="-857250" algn="just">
+              <a:buFont typeface="Arial" panose="020B0604020202020204" pitchFamily="34" charset="0"/>
+              <a:buChar char="•"/>
+            </a:pPr>
+            <a:endParaRPr lang="en-US" sz="4000" dirty="0">
+              <a:latin typeface="Gill Sans MT" panose="020B0502020104020203" pitchFamily="34" charset="0"/>
+            </a:endParaRPr>
+          </a:p>
+          <a:p>
+            <a:pPr marL="857250" indent="-857250" algn="just">
+              <a:buFont typeface="Arial" panose="020B0604020202020204" pitchFamily="34" charset="0"/>
+              <a:buChar char="•"/>
+            </a:pPr>
+            <a:r>
+              <a:rPr lang="en-US" sz="4000" dirty="0" smtClean="0">
+                <a:latin typeface="Gill Sans MT" panose="020B0502020104020203" pitchFamily="34" charset="0"/>
+              </a:rPr>
+              <a:t>More nonsignificant results reported throughout the years, but less evidence for false negatives. Data indicate more smaller effects are reported over time.</a:t>
+            </a:r>
+          </a:p>
+          <a:p>
+            <a:pPr marL="857250" indent="-857250" algn="just">
+              <a:buFont typeface="Arial" panose="020B0604020202020204" pitchFamily="34" charset="0"/>
+              <a:buChar char="•"/>
+            </a:pPr>
+            <a:endParaRPr lang="en-US" sz="4000" dirty="0" smtClean="0">
+              <a:latin typeface="Gill Sans MT" panose="020B0502020104020203" pitchFamily="34" charset="0"/>
+            </a:endParaRPr>
+          </a:p>
+          <a:p>
+            <a:pPr marL="857250" indent="-857250" algn="just">
+              <a:buFont typeface="Arial" panose="020B0604020202020204" pitchFamily="34" charset="0"/>
+              <a:buChar char="•"/>
+            </a:pPr>
             <a:endParaRPr lang="en-US" sz="4000" dirty="0">
               <a:latin typeface="Gill Sans MT" panose="020B0502020104020203" pitchFamily="34" charset="0"/>
             </a:endParaRPr>
@@ -6989,7 +8729,7 @@
         </p:nvSpPr>
         <p:spPr>
           <a:xfrm>
-            <a:off x="206477" y="19540053"/>
+            <a:off x="955638" y="19756558"/>
             <a:ext cx="11474246" cy="1015663"/>
           </a:xfrm>
           <a:prstGeom prst="rect">
@@ -7016,6 +8756,349 @@
           </a:p>
         </p:txBody>
       </p:sp>
+      <p:sp>
+        <p:nvSpPr>
+          <p:cNvPr id="17" name="TextBox 16"/>
+          <p:cNvSpPr txBox="1"/>
+          <p:nvPr/>
+        </p:nvSpPr>
+        <p:spPr>
+          <a:xfrm>
+            <a:off x="1275932" y="21072809"/>
+            <a:ext cx="11079950" cy="5632311"/>
+          </a:xfrm>
+          <a:prstGeom prst="rect">
+            <a:avLst/>
+          </a:prstGeom>
+          <a:noFill/>
+        </p:spPr>
+        <p:txBody>
+          <a:bodyPr wrap="square" rtlCol="0">
+            <a:spAutoFit/>
+          </a:bodyPr>
+          <a:lstStyle/>
+          <a:p>
+            <a:r>
+              <a:rPr lang="en-US" sz="4000" i="1" dirty="0" smtClean="0">
+                <a:latin typeface="Gill Sans MT" panose="020B0502020104020203" pitchFamily="34" charset="0"/>
+              </a:rPr>
+              <a:t>What is the power to detect a false negative among a set of nonsignificant </a:t>
+            </a:r>
+            <a:r>
+              <a:rPr lang="en-US" sz="4000" dirty="0" smtClean="0">
+                <a:latin typeface="Gill Sans MT" panose="020B0502020104020203" pitchFamily="34" charset="0"/>
+              </a:rPr>
+              <a:t>p</a:t>
+            </a:r>
+            <a:r>
+              <a:rPr lang="en-US" sz="4000" i="1" dirty="0" smtClean="0">
+                <a:latin typeface="Gill Sans MT" panose="020B0502020104020203" pitchFamily="34" charset="0"/>
+              </a:rPr>
+              <a:t>-values?</a:t>
+            </a:r>
+          </a:p>
+          <a:p>
+            <a:endParaRPr lang="en-US" sz="4000" i="1" dirty="0">
+              <a:latin typeface="Gill Sans MT" panose="020B0502020104020203" pitchFamily="34" charset="0"/>
+            </a:endParaRPr>
+          </a:p>
+          <a:p>
+            <a:r>
+              <a:rPr lang="en-US" sz="4000" dirty="0" smtClean="0">
+                <a:latin typeface="Gill Sans MT" panose="020B0502020104020203" pitchFamily="34" charset="0"/>
+              </a:rPr>
+              <a:t>Simulation design:</a:t>
+            </a:r>
+          </a:p>
+          <a:p>
+            <a:pPr marL="742950" indent="-742950">
+              <a:buAutoNum type="arabicPeriod"/>
+            </a:pPr>
+            <a:r>
+              <a:rPr lang="en-US" sz="4000" dirty="0" smtClean="0">
+                <a:latin typeface="Gill Sans MT" panose="020B0502020104020203" pitchFamily="34" charset="0"/>
+              </a:rPr>
+              <a:t>Sample size single study (N = 33, 62, 119)</a:t>
+            </a:r>
+          </a:p>
+          <a:p>
+            <a:pPr marL="742950" indent="-742950">
+              <a:buAutoNum type="arabicPeriod"/>
+            </a:pPr>
+            <a:r>
+              <a:rPr lang="en-US" sz="4000" dirty="0" smtClean="0">
+                <a:latin typeface="Gill Sans MT" panose="020B0502020104020203" pitchFamily="34" charset="0"/>
+              </a:rPr>
+              <a:t>Number of nonsignificant studies (k = 1, 2, .. 10, 15, 20, ..., 50)</a:t>
+            </a:r>
+          </a:p>
+          <a:p>
+            <a:pPr marL="742950" indent="-742950">
+              <a:buAutoNum type="arabicPeriod"/>
+            </a:pPr>
+            <a:r>
+              <a:rPr lang="en-US" sz="4000" dirty="0" smtClean="0">
+                <a:latin typeface="Gill Sans MT" panose="020B0502020104020203" pitchFamily="34" charset="0"/>
+              </a:rPr>
+              <a:t>Underlying effect size </a:t>
+            </a:r>
+            <a:r>
+              <a:rPr lang="en-US" sz="4000" dirty="0" smtClean="0">
+                <a:latin typeface="Gill Sans MT" panose="020B0502020104020203" pitchFamily="34" charset="0"/>
+              </a:rPr>
+              <a:t>(r = .00, .01, .02, ..., .99)</a:t>
+            </a:r>
+            <a:endParaRPr lang="en-US" sz="4000" dirty="0">
+              <a:latin typeface="Gill Sans MT" panose="020B0502020104020203" pitchFamily="34" charset="0"/>
+            </a:endParaRPr>
+          </a:p>
+          <a:p>
+            <a:pPr marL="742950" indent="-742950">
+              <a:buAutoNum type="arabicPeriod"/>
+            </a:pPr>
+            <a:endParaRPr lang="en-US" sz="4000" dirty="0">
+              <a:latin typeface="Gill Sans MT" panose="020B0502020104020203" pitchFamily="34" charset="0"/>
+            </a:endParaRPr>
+          </a:p>
+        </p:txBody>
+      </p:sp>
+      <p:pic>
+        <p:nvPicPr>
+          <p:cNvPr id="1027" name="Picture 3" descr="http://nanc.nesochina.org/images/stories/tilburglogo.jpg"/>
+          <p:cNvPicPr>
+            <a:picLocks noChangeAspect="1" noChangeArrowheads="1"/>
+          </p:cNvPicPr>
+          <p:nvPr/>
+        </p:nvPicPr>
+        <p:blipFill>
+          <a:blip r:embed="rId4">
+            <a:extLst>
+              <a:ext uri="{28A0092B-C50C-407E-A947-70E740481C1C}">
+                <a14:useLocalDpi xmlns:a14="http://schemas.microsoft.com/office/drawing/2010/main" val="0"/>
+              </a:ext>
+            </a:extLst>
+          </a:blip>
+          <a:srcRect/>
+          <a:stretch>
+            <a:fillRect/>
+          </a:stretch>
+        </p:blipFill>
+        <p:spPr bwMode="auto">
+          <a:xfrm>
+            <a:off x="10380454" y="39059379"/>
+            <a:ext cx="8924925" cy="3324226"/>
+          </a:xfrm>
+          <a:prstGeom prst="rect">
+            <a:avLst/>
+          </a:prstGeom>
+          <a:noFill/>
+          <a:extLst>
+            <a:ext uri="{909E8E84-426E-40DD-AFC4-6F175D3DCCD1}">
+              <a14:hiddenFill xmlns:a14="http://schemas.microsoft.com/office/drawing/2010/main">
+                <a:solidFill>
+                  <a:srgbClr val="FFFFFF"/>
+                </a:solidFill>
+              </a14:hiddenFill>
+            </a:ext>
+          </a:extLst>
+        </p:spPr>
+      </p:pic>
+      <p:pic>
+        <p:nvPicPr>
+          <p:cNvPr id="1029" name="Picture 5" descr="https://lh5.googleusercontent.com/cO2382a-KHfn6CRg9te84FF3vur8wP3eNGUbM4QBOj6ICaSeLoHn3P1DtQTNL6nRx_zpDjl1xYCbCgnOOodJgfNyMAYOfXuRmX3jShnVIO-YeiOa6X5X5N3I5R2LT7wn-rB7Fb_JyxAUKRJM"/>
+          <p:cNvPicPr>
+            <a:picLocks noChangeAspect="1" noChangeArrowheads="1"/>
+          </p:cNvPicPr>
+          <p:nvPr/>
+        </p:nvPicPr>
+        <p:blipFill>
+          <a:blip r:embed="rId5">
+            <a:extLst>
+              <a:ext uri="{28A0092B-C50C-407E-A947-70E740481C1C}">
+                <a14:useLocalDpi xmlns:a14="http://schemas.microsoft.com/office/drawing/2010/main" val="0"/>
+              </a:ext>
+            </a:extLst>
+          </a:blip>
+          <a:srcRect/>
+          <a:stretch>
+            <a:fillRect/>
+          </a:stretch>
+        </p:blipFill>
+        <p:spPr bwMode="auto">
+          <a:xfrm>
+            <a:off x="17308959" y="16111024"/>
+            <a:ext cx="9328183" cy="7995585"/>
+          </a:xfrm>
+          <a:prstGeom prst="rect">
+            <a:avLst/>
+          </a:prstGeom>
+          <a:noFill/>
+          <a:extLst>
+            <a:ext uri="{909E8E84-426E-40DD-AFC4-6F175D3DCCD1}">
+              <a14:hiddenFill xmlns:a14="http://schemas.microsoft.com/office/drawing/2010/main">
+                <a:solidFill>
+                  <a:srgbClr val="FFFFFF"/>
+                </a:solidFill>
+              </a14:hiddenFill>
+            </a:ext>
+          </a:extLst>
+        </p:spPr>
+      </p:pic>
+      <p:sp>
+        <p:nvSpPr>
+          <p:cNvPr id="14" name="TextBox 13"/>
+          <p:cNvSpPr txBox="1"/>
+          <p:nvPr/>
+        </p:nvSpPr>
+        <p:spPr>
+          <a:xfrm>
+            <a:off x="15375823" y="24106609"/>
+            <a:ext cx="13748669" cy="1569660"/>
+          </a:xfrm>
+          <a:prstGeom prst="rect">
+            <a:avLst/>
+          </a:prstGeom>
+          <a:noFill/>
+        </p:spPr>
+        <p:txBody>
+          <a:bodyPr wrap="square" rtlCol="0">
+            <a:spAutoFit/>
+          </a:bodyPr>
+          <a:lstStyle/>
+          <a:p>
+            <a:r>
+              <a:rPr lang="en-US" sz="3200" i="1" dirty="0"/>
+              <a:t>Figure </a:t>
+            </a:r>
+            <a:r>
+              <a:rPr lang="en-US" sz="3200" i="1" dirty="0"/>
+              <a:t>2</a:t>
+            </a:r>
+            <a:r>
+              <a:rPr lang="en-US" sz="3200" i="1" dirty="0" smtClean="0"/>
+              <a:t>. </a:t>
+            </a:r>
+            <a:r>
+              <a:rPr lang="en-US" sz="3200" dirty="0"/>
+              <a:t>Sample size development throughout 1985-2013, based on degrees of freedom across 258,050 test results. P25 = 25th percentile. P50 = 50th percentile (i.e., median). P75 = 75th </a:t>
+            </a:r>
+            <a:r>
+              <a:rPr lang="en-US" sz="3200" dirty="0" smtClean="0"/>
+              <a:t>percentile.</a:t>
+            </a:r>
+            <a:endParaRPr lang="en-US" sz="3200" dirty="0"/>
+          </a:p>
+        </p:txBody>
+      </p:sp>
+      <p:pic>
+        <p:nvPicPr>
+          <p:cNvPr id="1033" name="Picture 9" descr="https://lh4.googleusercontent.com/lyAAKFHH3ihnDF9HtNnoRkdy4_zWHZkd82iNs5M7Z5_oH7r4JPUrF-eCqtEz6VJeVhHJK7daghiY1AgPL5PsYgC1dnBFBvGAauasdD9V8pU4um3v2oBeWy27AJjGzHUzijAqeEioxAeUy2O7"/>
+          <p:cNvPicPr>
+            <a:picLocks noChangeAspect="1" noChangeArrowheads="1"/>
+          </p:cNvPicPr>
+          <p:nvPr/>
+        </p:nvPicPr>
+        <p:blipFill>
+          <a:blip r:embed="rId6">
+            <a:extLst>
+              <a:ext uri="{28A0092B-C50C-407E-A947-70E740481C1C}">
+                <a14:useLocalDpi xmlns:a14="http://schemas.microsoft.com/office/drawing/2010/main" val="0"/>
+              </a:ext>
+            </a:extLst>
+          </a:blip>
+          <a:srcRect/>
+          <a:stretch>
+            <a:fillRect/>
+          </a:stretch>
+        </p:blipFill>
+        <p:spPr bwMode="auto">
+          <a:xfrm>
+            <a:off x="17308959" y="28164377"/>
+            <a:ext cx="9634349" cy="6882538"/>
+          </a:xfrm>
+          <a:prstGeom prst="rect">
+            <a:avLst/>
+          </a:prstGeom>
+          <a:noFill/>
+          <a:extLst>
+            <a:ext uri="{909E8E84-426E-40DD-AFC4-6F175D3DCCD1}">
+              <a14:hiddenFill xmlns:a14="http://schemas.microsoft.com/office/drawing/2010/main">
+                <a:solidFill>
+                  <a:srgbClr val="FFFFFF"/>
+                </a:solidFill>
+              </a14:hiddenFill>
+            </a:ext>
+          </a:extLst>
+        </p:spPr>
+      </p:pic>
+      <p:sp>
+        <p:nvSpPr>
+          <p:cNvPr id="23" name="TextBox 22"/>
+          <p:cNvSpPr txBox="1"/>
+          <p:nvPr/>
+        </p:nvSpPr>
+        <p:spPr>
+          <a:xfrm>
+            <a:off x="15642523" y="35541869"/>
+            <a:ext cx="13748669" cy="2062103"/>
+          </a:xfrm>
+          <a:prstGeom prst="rect">
+            <a:avLst/>
+          </a:prstGeom>
+          <a:noFill/>
+        </p:spPr>
+        <p:txBody>
+          <a:bodyPr wrap="square" rtlCol="0">
+            <a:spAutoFit/>
+          </a:bodyPr>
+          <a:lstStyle/>
+          <a:p>
+            <a:r>
+              <a:rPr lang="en-US" sz="3200" i="1" dirty="0"/>
+              <a:t>Figure </a:t>
+            </a:r>
+            <a:r>
+              <a:rPr lang="en-US" sz="3200" i="1" dirty="0" smtClean="0"/>
+              <a:t>3. </a:t>
+            </a:r>
+            <a:r>
+              <a:rPr lang="en-US" sz="3200" dirty="0"/>
+              <a:t>Proportion of papers reporting nonsignificant results in a given year, showing evidence for false negative results. Larger point size indicates a higher mean number of nonsignificant results reported in that year.</a:t>
+            </a:r>
+            <a:endParaRPr lang="en-US" sz="3200" dirty="0"/>
+          </a:p>
+        </p:txBody>
+      </p:sp>
+      <p:pic>
+        <p:nvPicPr>
+          <p:cNvPr id="19" name="Picture 18"/>
+          <p:cNvPicPr>
+            <a:picLocks noChangeAspect="1"/>
+          </p:cNvPicPr>
+          <p:nvPr/>
+        </p:nvPicPr>
+        <p:blipFill>
+          <a:blip r:embed="rId7">
+            <a:extLst>
+              <a:ext uri="{28A0092B-C50C-407E-A947-70E740481C1C}">
+                <a14:useLocalDpi xmlns:a14="http://schemas.microsoft.com/office/drawing/2010/main" val="0"/>
+              </a:ext>
+            </a:extLst>
+          </a:blip>
+          <a:stretch>
+            <a:fillRect/>
+          </a:stretch>
+        </p:blipFill>
+        <p:spPr>
+          <a:xfrm>
+            <a:off x="1712755" y="26221103"/>
+            <a:ext cx="9960011" cy="11382869"/>
+          </a:xfrm>
+          <a:prstGeom prst="rect">
+            <a:avLst/>
+          </a:prstGeom>
+        </p:spPr>
+      </p:pic>
     </p:spTree>
     <p:extLst>
       <p:ext uri="{BB962C8B-B14F-4D97-AF65-F5344CB8AC3E}">
@@ -7293,4 +9376,265 @@
     </a:ext>
   </a:extLst>
 </a:theme>
+</file>
+
+<file path=ppt/theme/theme2.xml><?xml version="1.0" encoding="utf-8"?>
+<a:theme xmlns:a="http://schemas.openxmlformats.org/drawingml/2006/main" name="Office Theme">
+  <a:themeElements>
+    <a:clrScheme name="Office">
+      <a:dk1>
+        <a:sysClr val="windowText" lastClr="000000"/>
+      </a:dk1>
+      <a:lt1>
+        <a:sysClr val="window" lastClr="FFFFFF"/>
+      </a:lt1>
+      <a:dk2>
+        <a:srgbClr val="44546A"/>
+      </a:dk2>
+      <a:lt2>
+        <a:srgbClr val="E7E6E6"/>
+      </a:lt2>
+      <a:accent1>
+        <a:srgbClr val="5B9BD5"/>
+      </a:accent1>
+      <a:accent2>
+        <a:srgbClr val="ED7D31"/>
+      </a:accent2>
+      <a:accent3>
+        <a:srgbClr val="A5A5A5"/>
+      </a:accent3>
+      <a:accent4>
+        <a:srgbClr val="FFC000"/>
+      </a:accent4>
+      <a:accent5>
+        <a:srgbClr val="4472C4"/>
+      </a:accent5>
+      <a:accent6>
+        <a:srgbClr val="70AD47"/>
+      </a:accent6>
+      <a:hlink>
+        <a:srgbClr val="0563C1"/>
+      </a:hlink>
+      <a:folHlink>
+        <a:srgbClr val="954F72"/>
+      </a:folHlink>
+    </a:clrScheme>
+    <a:fontScheme name="Office">
+      <a:majorFont>
+        <a:latin typeface="Calibri Light" panose="020F0302020204030204"/>
+        <a:ea typeface=""/>
+        <a:cs typeface=""/>
+        <a:font script="Jpan" typeface="ＭＳ Ｐゴシック"/>
+        <a:font script="Hang" typeface="맑은 고딕"/>
+        <a:font script="Hans" typeface="宋体"/>
+        <a:font script="Hant" typeface="新細明體"/>
+        <a:font script="Arab" typeface="Times New Roman"/>
+        <a:font script="Hebr" typeface="Times New Roman"/>
+        <a:font script="Thai" typeface="Angsana New"/>
+        <a:font script="Ethi" typeface="Nyala"/>
+        <a:font script="Beng" typeface="Vrinda"/>
+        <a:font script="Gujr" typeface="Shruti"/>
+        <a:font script="Khmr" typeface="MoolBoran"/>
+        <a:font script="Knda" typeface="Tunga"/>
+        <a:font script="Guru" typeface="Raavi"/>
+        <a:font script="Cans" typeface="Euphemia"/>
+        <a:font script="Cher" typeface="Plantagenet Cherokee"/>
+        <a:font script="Yiii" typeface="Microsoft Yi Baiti"/>
+        <a:font script="Tibt" typeface="Microsoft Himalaya"/>
+        <a:font script="Thaa" typeface="MV Boli"/>
+        <a:font script="Deva" typeface="Mangal"/>
+        <a:font script="Telu" typeface="Gautami"/>
+        <a:font script="Taml" typeface="Latha"/>
+        <a:font script="Syrc" typeface="Estrangelo Edessa"/>
+        <a:font script="Orya" typeface="Kalinga"/>
+        <a:font script="Mlym" typeface="Kartika"/>
+        <a:font script="Laoo" typeface="DokChampa"/>
+        <a:font script="Sinh" typeface="Iskoola Pota"/>
+        <a:font script="Mong" typeface="Mongolian Baiti"/>
+        <a:font script="Viet" typeface="Times New Roman"/>
+        <a:font script="Uigh" typeface="Microsoft Uighur"/>
+        <a:font script="Geor" typeface="Sylfaen"/>
+      </a:majorFont>
+      <a:minorFont>
+        <a:latin typeface="Calibri" panose="020F0502020204030204"/>
+        <a:ea typeface=""/>
+        <a:cs typeface=""/>
+        <a:font script="Jpan" typeface="ＭＳ Ｐゴシック"/>
+        <a:font script="Hang" typeface="맑은 고딕"/>
+        <a:font script="Hans" typeface="宋体"/>
+        <a:font script="Hant" typeface="新細明體"/>
+        <a:font script="Arab" typeface="Arial"/>
+        <a:font script="Hebr" typeface="Arial"/>
+        <a:font script="Thai" typeface="Cordia New"/>
+        <a:font script="Ethi" typeface="Nyala"/>
+        <a:font script="Beng" typeface="Vrinda"/>
+        <a:font script="Gujr" typeface="Shruti"/>
+        <a:font script="Khmr" typeface="DaunPenh"/>
+        <a:font script="Knda" typeface="Tunga"/>
+        <a:font script="Guru" typeface="Raavi"/>
+        <a:font script="Cans" typeface="Euphemia"/>
+        <a:font script="Cher" typeface="Plantagenet Cherokee"/>
+        <a:font script="Yiii" typeface="Microsoft Yi Baiti"/>
+        <a:font script="Tibt" typeface="Microsoft Himalaya"/>
+        <a:font script="Thaa" typeface="MV Boli"/>
+        <a:font script="Deva" typeface="Mangal"/>
+        <a:font script="Telu" typeface="Gautami"/>
+        <a:font script="Taml" typeface="Latha"/>
+        <a:font script="Syrc" typeface="Estrangelo Edessa"/>
+        <a:font script="Orya" typeface="Kalinga"/>
+        <a:font script="Mlym" typeface="Kartika"/>
+        <a:font script="Laoo" typeface="DokChampa"/>
+        <a:font script="Sinh" typeface="Iskoola Pota"/>
+        <a:font script="Mong" typeface="Mongolian Baiti"/>
+        <a:font script="Viet" typeface="Arial"/>
+        <a:font script="Uigh" typeface="Microsoft Uighur"/>
+        <a:font script="Geor" typeface="Sylfaen"/>
+      </a:minorFont>
+    </a:fontScheme>
+    <a:fmtScheme name="Office">
+      <a:fillStyleLst>
+        <a:solidFill>
+          <a:schemeClr val="phClr"/>
+        </a:solidFill>
+        <a:gradFill rotWithShape="1">
+          <a:gsLst>
+            <a:gs pos="0">
+              <a:schemeClr val="phClr">
+                <a:lumMod val="110000"/>
+                <a:satMod val="105000"/>
+                <a:tint val="67000"/>
+              </a:schemeClr>
+            </a:gs>
+            <a:gs pos="50000">
+              <a:schemeClr val="phClr">
+                <a:lumMod val="105000"/>
+                <a:satMod val="103000"/>
+                <a:tint val="73000"/>
+              </a:schemeClr>
+            </a:gs>
+            <a:gs pos="100000">
+              <a:schemeClr val="phClr">
+                <a:lumMod val="105000"/>
+                <a:satMod val="109000"/>
+                <a:tint val="81000"/>
+              </a:schemeClr>
+            </a:gs>
+          </a:gsLst>
+          <a:lin ang="5400000" scaled="0"/>
+        </a:gradFill>
+        <a:gradFill rotWithShape="1">
+          <a:gsLst>
+            <a:gs pos="0">
+              <a:schemeClr val="phClr">
+                <a:satMod val="103000"/>
+                <a:lumMod val="102000"/>
+                <a:tint val="94000"/>
+              </a:schemeClr>
+            </a:gs>
+            <a:gs pos="50000">
+              <a:schemeClr val="phClr">
+                <a:satMod val="110000"/>
+                <a:lumMod val="100000"/>
+                <a:shade val="100000"/>
+              </a:schemeClr>
+            </a:gs>
+            <a:gs pos="100000">
+              <a:schemeClr val="phClr">
+                <a:lumMod val="99000"/>
+                <a:satMod val="120000"/>
+                <a:shade val="78000"/>
+              </a:schemeClr>
+            </a:gs>
+          </a:gsLst>
+          <a:lin ang="5400000" scaled="0"/>
+        </a:gradFill>
+      </a:fillStyleLst>
+      <a:lnStyleLst>
+        <a:ln w="6350" cap="flat" cmpd="sng" algn="ctr">
+          <a:solidFill>
+            <a:schemeClr val="phClr"/>
+          </a:solidFill>
+          <a:prstDash val="solid"/>
+          <a:miter lim="800000"/>
+        </a:ln>
+        <a:ln w="12700" cap="flat" cmpd="sng" algn="ctr">
+          <a:solidFill>
+            <a:schemeClr val="phClr"/>
+          </a:solidFill>
+          <a:prstDash val="solid"/>
+          <a:miter lim="800000"/>
+        </a:ln>
+        <a:ln w="19050" cap="flat" cmpd="sng" algn="ctr">
+          <a:solidFill>
+            <a:schemeClr val="phClr"/>
+          </a:solidFill>
+          <a:prstDash val="solid"/>
+          <a:miter lim="800000"/>
+        </a:ln>
+      </a:lnStyleLst>
+      <a:effectStyleLst>
+        <a:effectStyle>
+          <a:effectLst/>
+        </a:effectStyle>
+        <a:effectStyle>
+          <a:effectLst/>
+        </a:effectStyle>
+        <a:effectStyle>
+          <a:effectLst>
+            <a:outerShdw blurRad="57150" dist="19050" dir="5400000" algn="ctr" rotWithShape="0">
+              <a:srgbClr val="000000">
+                <a:alpha val="63000"/>
+              </a:srgbClr>
+            </a:outerShdw>
+          </a:effectLst>
+        </a:effectStyle>
+      </a:effectStyleLst>
+      <a:bgFillStyleLst>
+        <a:solidFill>
+          <a:schemeClr val="phClr"/>
+        </a:solidFill>
+        <a:solidFill>
+          <a:schemeClr val="phClr">
+            <a:tint val="95000"/>
+            <a:satMod val="170000"/>
+          </a:schemeClr>
+        </a:solidFill>
+        <a:gradFill rotWithShape="1">
+          <a:gsLst>
+            <a:gs pos="0">
+              <a:schemeClr val="phClr">
+                <a:tint val="93000"/>
+                <a:satMod val="150000"/>
+                <a:shade val="98000"/>
+                <a:lumMod val="102000"/>
+              </a:schemeClr>
+            </a:gs>
+            <a:gs pos="50000">
+              <a:schemeClr val="phClr">
+                <a:tint val="98000"/>
+                <a:satMod val="130000"/>
+                <a:shade val="90000"/>
+                <a:lumMod val="103000"/>
+              </a:schemeClr>
+            </a:gs>
+            <a:gs pos="100000">
+              <a:schemeClr val="phClr">
+                <a:shade val="63000"/>
+                <a:satMod val="120000"/>
+              </a:schemeClr>
+            </a:gs>
+          </a:gsLst>
+          <a:lin ang="5400000" scaled="0"/>
+        </a:gradFill>
+      </a:bgFillStyleLst>
+    </a:fmtScheme>
+  </a:themeElements>
+  <a:objectDefaults/>
+  <a:extraClrSchemeLst/>
+  <a:extLst>
+    <a:ext uri="{05A4C25C-085E-4340-85A3-A5531E510DB2}">
+      <thm15:themeFamily xmlns:thm15="http://schemas.microsoft.com/office/thememl/2012/main" name="Office Theme" id="{62F939B6-93AF-4DB8-9C6B-D6C7DFDC589F}" vid="{4A3C46E8-61CC-4603-A589-7422A47A8E4A}"/>
+    </a:ext>
+  </a:extLst>
+</a:theme>
 </file>
--- a/2015_2016/20151210 iops winter conference/tgtbf poster.pptx
+++ b/2015_2016/20151210 iops winter conference/tgtbf poster.pptx
@@ -197,7 +197,7 @@
           <a:p>
             <a:fld id="{52C5248B-B6AF-4661-95D0-95E56E789FE3}" type="datetimeFigureOut">
               <a:rPr lang="en-US" smtClean="0"/>
-              <a:t>11/25/2015</a:t>
+              <a:t>12/1/2015</a:t>
             </a:fld>
             <a:endParaRPr lang="en-US"/>
           </a:p>
@@ -1633,7 +1633,7 @@
           <a:p>
             <a:fld id="{4AAD347D-5ACD-4C99-B74B-A9C85AD731AF}" type="datetimeFigureOut">
               <a:rPr lang="en-US" smtClean="0"/>
-              <a:t>11/25/2015</a:t>
+              <a:t>12/1/2015</a:t>
             </a:fld>
             <a:endParaRPr lang="en-US" dirty="0"/>
           </a:p>
@@ -1908,7 +1908,7 @@
           <a:p>
             <a:fld id="{4509A250-FF31-4206-8172-F9D3106AACB1}" type="datetimeFigureOut">
               <a:rPr lang="en-US" smtClean="0"/>
-              <a:t>11/25/2015</a:t>
+              <a:t>12/1/2015</a:t>
             </a:fld>
             <a:endParaRPr lang="en-US" dirty="0"/>
           </a:p>
@@ -2102,7 +2102,7 @@
           <a:p>
             <a:fld id="{4509A250-FF31-4206-8172-F9D3106AACB1}" type="datetimeFigureOut">
               <a:rPr lang="en-US" smtClean="0"/>
-              <a:t>11/25/2015</a:t>
+              <a:t>12/1/2015</a:t>
             </a:fld>
             <a:endParaRPr lang="en-US" dirty="0"/>
           </a:p>
@@ -2375,7 +2375,7 @@
           <a:p>
             <a:fld id="{4509A250-FF31-4206-8172-F9D3106AACB1}" type="datetimeFigureOut">
               <a:rPr lang="en-US" smtClean="0"/>
-              <a:t>11/25/2015</a:t>
+              <a:t>12/1/2015</a:t>
             </a:fld>
             <a:endParaRPr lang="en-US" dirty="0"/>
           </a:p>
@@ -2716,7 +2716,7 @@
           <a:p>
             <a:fld id="{4509A250-FF31-4206-8172-F9D3106AACB1}" type="datetimeFigureOut">
               <a:rPr lang="en-US" smtClean="0"/>
-              <a:t>11/25/2015</a:t>
+              <a:t>12/1/2015</a:t>
             </a:fld>
             <a:endParaRPr lang="en-US" dirty="0"/>
           </a:p>
@@ -3339,7 +3339,7 @@
           <a:p>
             <a:fld id="{4509A250-FF31-4206-8172-F9D3106AACB1}" type="datetimeFigureOut">
               <a:rPr lang="en-US" smtClean="0"/>
-              <a:t>11/25/2015</a:t>
+              <a:t>12/1/2015</a:t>
             </a:fld>
             <a:endParaRPr lang="en-US" dirty="0"/>
           </a:p>
@@ -4199,7 +4199,7 @@
           <a:p>
             <a:fld id="{4509A250-FF31-4206-8172-F9D3106AACB1}" type="datetimeFigureOut">
               <a:rPr lang="en-US" smtClean="0"/>
-              <a:t>11/25/2015</a:t>
+              <a:t>12/1/2015</a:t>
             </a:fld>
             <a:endParaRPr lang="en-US" dirty="0"/>
           </a:p>
@@ -4369,7 +4369,7 @@
           <a:p>
             <a:fld id="{4509A250-FF31-4206-8172-F9D3106AACB1}" type="datetimeFigureOut">
               <a:rPr lang="en-US" smtClean="0"/>
-              <a:t>11/25/2015</a:t>
+              <a:t>12/1/2015</a:t>
             </a:fld>
             <a:endParaRPr lang="en-US" dirty="0"/>
           </a:p>
@@ -4549,7 +4549,7 @@
           <a:p>
             <a:fld id="{4509A250-FF31-4206-8172-F9D3106AACB1}" type="datetimeFigureOut">
               <a:rPr lang="en-US" smtClean="0"/>
-              <a:t>11/25/2015</a:t>
+              <a:t>12/1/2015</a:t>
             </a:fld>
             <a:endParaRPr lang="en-US" dirty="0"/>
           </a:p>
@@ -4719,7 +4719,7 @@
           <a:p>
             <a:fld id="{4509A250-FF31-4206-8172-F9D3106AACB1}" type="datetimeFigureOut">
               <a:rPr lang="en-US" smtClean="0"/>
-              <a:t>11/25/2015</a:t>
+              <a:t>12/1/2015</a:t>
             </a:fld>
             <a:endParaRPr lang="en-US" dirty="0"/>
           </a:p>
@@ -4966,7 +4966,7 @@
           <a:p>
             <a:fld id="{9796027F-7875-4030-9381-8BD8C4F21935}" type="datetimeFigureOut">
               <a:rPr lang="en-US" smtClean="0"/>
-              <a:t>11/25/2015</a:t>
+              <a:t>12/1/2015</a:t>
             </a:fld>
             <a:endParaRPr lang="en-US" dirty="0"/>
           </a:p>
@@ -5258,7 +5258,7 @@
           <a:p>
             <a:fld id="{9796027F-7875-4030-9381-8BD8C4F21935}" type="datetimeFigureOut">
               <a:rPr lang="en-US" smtClean="0"/>
-              <a:t>11/25/2015</a:t>
+              <a:t>12/1/2015</a:t>
             </a:fld>
             <a:endParaRPr lang="en-US" dirty="0"/>
           </a:p>
@@ -5702,7 +5702,7 @@
           <a:p>
             <a:fld id="{9796027F-7875-4030-9381-8BD8C4F21935}" type="datetimeFigureOut">
               <a:rPr lang="en-US" smtClean="0"/>
-              <a:t>11/25/2015</a:t>
+              <a:t>12/1/2015</a:t>
             </a:fld>
             <a:endParaRPr lang="en-US" dirty="0"/>
           </a:p>
@@ -5820,7 +5820,7 @@
           <a:p>
             <a:fld id="{4509A250-FF31-4206-8172-F9D3106AACB1}" type="datetimeFigureOut">
               <a:rPr lang="en-US" smtClean="0"/>
-              <a:t>11/25/2015</a:t>
+              <a:t>12/1/2015</a:t>
             </a:fld>
             <a:endParaRPr lang="en-US" dirty="0"/>
           </a:p>
@@ -5915,7 +5915,7 @@
           <a:p>
             <a:fld id="{4509A250-FF31-4206-8172-F9D3106AACB1}" type="datetimeFigureOut">
               <a:rPr lang="en-US" smtClean="0"/>
-              <a:t>11/25/2015</a:t>
+              <a:t>12/1/2015</a:t>
             </a:fld>
             <a:endParaRPr lang="en-US" dirty="0"/>
           </a:p>
@@ -6194,7 +6194,7 @@
           <a:p>
             <a:fld id="{4509A250-FF31-4206-8172-F9D3106AACB1}" type="datetimeFigureOut">
               <a:rPr lang="en-US" smtClean="0"/>
-              <a:t>11/25/2015</a:t>
+              <a:t>12/1/2015</a:t>
             </a:fld>
             <a:endParaRPr lang="en-US" dirty="0"/>
           </a:p>
@@ -6469,7 +6469,7 @@
           <a:p>
             <a:fld id="{4509A250-FF31-4206-8172-F9D3106AACB1}" type="datetimeFigureOut">
               <a:rPr lang="en-US" smtClean="0"/>
-              <a:t>11/25/2015</a:t>
+              <a:t>12/1/2015</a:t>
             </a:fld>
             <a:endParaRPr lang="en-US" dirty="0"/>
           </a:p>
@@ -7034,7 +7034,7 @@
           <a:p>
             <a:fld id="{4AAD347D-5ACD-4C99-B74B-A9C85AD731AF}" type="datetimeFigureOut">
               <a:rPr lang="en-US" smtClean="0"/>
-              <a:t>11/25/2015</a:t>
+              <a:t>12/1/2015</a:t>
             </a:fld>
             <a:endParaRPr lang="en-US" dirty="0"/>
           </a:p>
@@ -7571,8 +7571,8 @@
         </p:nvSpPr>
         <p:spPr>
           <a:xfrm>
-            <a:off x="0" y="38345806"/>
-            <a:ext cx="30376814" cy="4457957"/>
+            <a:off x="0" y="38823900"/>
+            <a:ext cx="30376814" cy="3979863"/>
           </a:xfrm>
           <a:prstGeom prst="rect">
             <a:avLst/>
@@ -7671,19 +7671,7 @@
               <a:rPr lang="en-US" sz="5600" dirty="0" smtClean="0">
                 <a:latin typeface="Gill Sans MT" panose="020B0502020104020203" pitchFamily="34" charset="0"/>
               </a:rPr>
-              <a:t>Chris HJ Hartgerink</a:t>
-            </a:r>
-            <a:r>
-              <a:rPr lang="en-US" sz="5600" dirty="0" smtClean="0">
-                <a:latin typeface="Gill Sans MT" panose="020B0502020104020203" pitchFamily="34" charset="0"/>
-              </a:rPr>
-              <a:t>, </a:t>
-            </a:r>
-            <a:r>
-              <a:rPr lang="en-US" sz="5600" dirty="0" smtClean="0">
-                <a:latin typeface="Gill Sans MT" panose="020B0502020104020203" pitchFamily="34" charset="0"/>
-              </a:rPr>
-              <a:t>Jelte M </a:t>
+              <a:t>Chris HJ Hartgerink, Jelte M </a:t>
             </a:r>
             <a:r>
               <a:rPr lang="en-US" sz="5600" dirty="0">
@@ -7746,16 +7734,23 @@
         </p:nvSpPr>
         <p:spPr>
           <a:xfrm>
-            <a:off x="955638" y="3610732"/>
-            <a:ext cx="11720539" cy="9017853"/>
+            <a:off x="881058" y="3669166"/>
+            <a:ext cx="13779596" cy="17646503"/>
           </a:xfrm>
           <a:prstGeom prst="rect">
             <a:avLst/>
           </a:prstGeom>
-          <a:noFill/>
+          <a:solidFill>
+            <a:schemeClr val="tx1"/>
+          </a:solidFill>
+          <a:ln>
+            <a:solidFill>
+              <a:schemeClr val="bg1"/>
+            </a:solidFill>
+          </a:ln>
         </p:spPr>
         <p:txBody>
-          <a:bodyPr wrap="square" rtlCol="0">
+          <a:bodyPr wrap="square" lIns="108000" tIns="396000" rIns="1080000" bIns="72000" numCol="1" rtlCol="0">
             <a:spAutoFit/>
           </a:bodyPr>
           <a:lstStyle/>
@@ -7763,135 +7758,282 @@
             <a:pPr algn="ctr"/>
             <a:r>
               <a:rPr lang="en-US" sz="6000" dirty="0" smtClean="0">
+                <a:solidFill>
+                  <a:schemeClr val="bg1"/>
+                </a:solidFill>
                 <a:latin typeface="Gill Sans MT" panose="020B0502020104020203" pitchFamily="34" charset="0"/>
               </a:rPr>
               <a:t>Highlights</a:t>
             </a:r>
             <a:endParaRPr lang="en-US" sz="3600" dirty="0">
+              <a:solidFill>
+                <a:schemeClr val="bg1"/>
+              </a:solidFill>
               <a:latin typeface="Gill Sans MT" panose="020B0502020104020203" pitchFamily="34" charset="0"/>
             </a:endParaRPr>
           </a:p>
           <a:p>
-            <a:pPr marL="1143000" indent="-1143000" algn="just">
+            <a:pPr marL="990600" indent="-457200" algn="just">
               <a:buFont typeface="Arial" panose="020B0604020202020204" pitchFamily="34" charset="0"/>
               <a:buChar char="•"/>
             </a:pPr>
             <a:r>
-              <a:rPr lang="en-US" sz="4000" dirty="0" smtClean="0">
+              <a:rPr lang="en-US" sz="4800" dirty="0" smtClean="0">
+                <a:solidFill>
+                  <a:schemeClr val="bg1"/>
+                </a:solidFill>
                 <a:latin typeface="Gill Sans MT" panose="020B0502020104020203" pitchFamily="34" charset="0"/>
               </a:rPr>
-              <a:t>Relatively more </a:t>
-            </a:r>
-            <a:r>
-              <a:rPr lang="en-US" sz="4000" dirty="0" smtClean="0">
-                <a:latin typeface="Gill Sans MT" panose="020B0502020104020203" pitchFamily="34" charset="0"/>
-              </a:rPr>
-              <a:t>nonsignificant </a:t>
-            </a:r>
-            <a:r>
-              <a:rPr lang="en-US" sz="4000" dirty="0">
+              <a:t>Relatively more nonsignificant </a:t>
+            </a:r>
+            <a:r>
+              <a:rPr lang="en-US" sz="4800" dirty="0">
+                <a:solidFill>
+                  <a:schemeClr val="bg1"/>
+                </a:solidFill>
                 <a:latin typeface="Gill Sans MT" panose="020B0502020104020203" pitchFamily="34" charset="0"/>
               </a:rPr>
               <a:t>results are reported in psychology papers now than </a:t>
             </a:r>
             <a:r>
-              <a:rPr lang="en-US" sz="4000" dirty="0" smtClean="0">
+              <a:rPr lang="en-US" sz="4800" dirty="0" smtClean="0">
+                <a:solidFill>
+                  <a:schemeClr val="bg1"/>
+                </a:solidFill>
                 <a:latin typeface="Gill Sans MT" panose="020B0502020104020203" pitchFamily="34" charset="0"/>
               </a:rPr>
               <a:t>in 1985</a:t>
             </a:r>
-            <a:endParaRPr lang="en-US" sz="4000" dirty="0">
+            <a:endParaRPr lang="en-US" sz="4800" dirty="0">
+              <a:solidFill>
+                <a:schemeClr val="bg1"/>
+              </a:solidFill>
               <a:latin typeface="Gill Sans MT" panose="020B0502020104020203" pitchFamily="34" charset="0"/>
             </a:endParaRPr>
           </a:p>
           <a:p>
-            <a:pPr marL="1143000" indent="-1143000" algn="just">
+            <a:pPr marL="990600" indent="-457200" algn="just" defTabSz="179388">
               <a:buFont typeface="Arial" panose="020B0604020202020204" pitchFamily="34" charset="0"/>
               <a:buChar char="•"/>
             </a:pPr>
             <a:r>
-              <a:rPr lang="en-US" sz="4000" dirty="0" smtClean="0">
+              <a:rPr lang="en-US" sz="4800" dirty="0" smtClean="0">
+                <a:solidFill>
+                  <a:schemeClr val="bg1"/>
+                </a:solidFill>
                 <a:latin typeface="Gill Sans MT" panose="020B0502020104020203" pitchFamily="34" charset="0"/>
               </a:rPr>
-              <a:t>Fisher test is a powerful method to detect presence of false negatives among nonsignificant </a:t>
-            </a:r>
-            <a:r>
-              <a:rPr lang="en-US" sz="4000" i="1" dirty="0" smtClean="0">
+              <a:t>How many papers reporting nonsignificant results contain evidence for ≥1 false negative?</a:t>
+            </a:r>
+          </a:p>
+          <a:p>
+            <a:pPr marL="990600" indent="-457200" algn="just" defTabSz="179388">
+              <a:buFont typeface="Arial" panose="020B0604020202020204" pitchFamily="34" charset="0"/>
+              <a:buChar char="•"/>
+            </a:pPr>
+            <a:r>
+              <a:rPr lang="en-US" sz="4800" dirty="0" smtClean="0">
+                <a:solidFill>
+                  <a:schemeClr val="bg1"/>
+                </a:solidFill>
+                <a:latin typeface="Gill Sans MT" panose="020B0502020104020203" pitchFamily="34" charset="0"/>
+              </a:rPr>
+              <a:t>Applied the Fisher method, which is a powerful method to detect presence of false negatives among nonsignificant </a:t>
+            </a:r>
+            <a:r>
+              <a:rPr lang="en-US" sz="4800" i="1" dirty="0" smtClean="0">
+                <a:solidFill>
+                  <a:schemeClr val="bg1"/>
+                </a:solidFill>
                 <a:latin typeface="Gill Sans MT" panose="020B0502020104020203" pitchFamily="34" charset="0"/>
               </a:rPr>
               <a:t>p</a:t>
             </a:r>
             <a:r>
-              <a:rPr lang="en-US" sz="4000" dirty="0" smtClean="0">
+              <a:rPr lang="en-US" sz="4800" dirty="0" smtClean="0">
+                <a:solidFill>
+                  <a:schemeClr val="bg1"/>
+                </a:solidFill>
                 <a:latin typeface="Gill Sans MT" panose="020B0502020104020203" pitchFamily="34" charset="0"/>
               </a:rPr>
               <a:t>-values (3 </a:t>
             </a:r>
             <a:r>
-              <a:rPr lang="en-US" sz="4000" i="1" dirty="0" err="1" smtClean="0">
+              <a:rPr lang="en-US" sz="4800" i="1" dirty="0" err="1" smtClean="0">
+                <a:solidFill>
+                  <a:schemeClr val="bg1"/>
+                </a:solidFill>
                 <a:latin typeface="Gill Sans MT" panose="020B0502020104020203" pitchFamily="34" charset="0"/>
               </a:rPr>
               <a:t>p</a:t>
             </a:r>
             <a:r>
-              <a:rPr lang="en-US" sz="4000" dirty="0" err="1" smtClean="0">
+              <a:rPr lang="en-US" sz="4800" dirty="0" err="1" smtClean="0">
+                <a:solidFill>
+                  <a:schemeClr val="bg1"/>
+                </a:solidFill>
                 <a:latin typeface="Gill Sans MT" panose="020B0502020104020203" pitchFamily="34" charset="0"/>
               </a:rPr>
               <a:t>s</a:t>
             </a:r>
             <a:r>
-              <a:rPr lang="en-US" sz="4000" dirty="0" smtClean="0">
+              <a:rPr lang="en-US" sz="4800" dirty="0" smtClean="0">
+                <a:solidFill>
+                  <a:schemeClr val="bg1"/>
+                </a:solidFill>
                 <a:latin typeface="Gill Sans MT" panose="020B0502020104020203" pitchFamily="34" charset="0"/>
               </a:rPr>
               <a:t> when medium population effect)</a:t>
             </a:r>
           </a:p>
           <a:p>
-            <a:pPr marL="1143000" indent="-1143000" algn="just">
+            <a:pPr marL="990600" indent="-457200" algn="just" defTabSz="179388">
               <a:buFont typeface="Arial" panose="020B0604020202020204" pitchFamily="34" charset="0"/>
               <a:buChar char="•"/>
             </a:pPr>
             <a:r>
-              <a:rPr lang="en-US" sz="4000" dirty="0" smtClean="0">
+              <a:rPr lang="en-US" sz="4800" dirty="0">
+                <a:solidFill>
+                  <a:schemeClr val="bg1"/>
+                </a:solidFill>
                 <a:latin typeface="Gill Sans MT" panose="020B0502020104020203" pitchFamily="34" charset="0"/>
               </a:rPr>
-              <a:t>Evidence for false negatives in eight psychology </a:t>
-            </a:r>
-            <a:r>
-              <a:rPr lang="en-US" sz="4000" dirty="0" smtClean="0">
+              <a:t>Using distributions of </a:t>
+            </a:r>
+            <a:r>
+              <a:rPr lang="en-US" sz="4800" i="1" dirty="0">
+                <a:solidFill>
+                  <a:schemeClr val="bg1"/>
+                </a:solidFill>
                 <a:latin typeface="Gill Sans MT" panose="020B0502020104020203" pitchFamily="34" charset="0"/>
               </a:rPr>
-              <a:t>journals, providing empirical evidence that nonsignificant results should not be discarded by psychology researchers.</a:t>
-            </a:r>
-            <a:endParaRPr lang="en-US" sz="4000" dirty="0" smtClean="0">
-              <a:latin typeface="Gill Sans MT" panose="020B0502020104020203" pitchFamily="34" charset="0"/>
-            </a:endParaRPr>
-          </a:p>
-          <a:p>
-            <a:pPr marL="1143000" indent="-1143000" algn="just">
+              <a:t>p</a:t>
+            </a:r>
+            <a:r>
+              <a:rPr lang="en-US" sz="4800" dirty="0">
+                <a:solidFill>
+                  <a:schemeClr val="bg1"/>
+                </a:solidFill>
+                <a:latin typeface="Gill Sans MT" panose="020B0502020104020203" pitchFamily="34" charset="0"/>
+              </a:rPr>
+              <a:t>-values is great! See also </a:t>
+            </a:r>
+            <a:r>
+              <a:rPr lang="en-US" sz="4800" i="1" dirty="0">
+                <a:solidFill>
+                  <a:schemeClr val="bg1"/>
+                </a:solidFill>
+                <a:latin typeface="Gill Sans MT" panose="020B0502020104020203" pitchFamily="34" charset="0"/>
+              </a:rPr>
+              <a:t>p</a:t>
+            </a:r>
+            <a:r>
+              <a:rPr lang="en-US" sz="4800" dirty="0">
+                <a:solidFill>
+                  <a:schemeClr val="bg1"/>
+                </a:solidFill>
+                <a:latin typeface="Gill Sans MT" panose="020B0502020104020203" pitchFamily="34" charset="0"/>
+              </a:rPr>
+              <a:t>-uniform (Van </a:t>
+            </a:r>
+            <a:r>
+              <a:rPr lang="en-US" sz="4800" dirty="0" err="1">
+                <a:solidFill>
+                  <a:schemeClr val="bg1"/>
+                </a:solidFill>
+                <a:latin typeface="Gill Sans MT" panose="020B0502020104020203" pitchFamily="34" charset="0"/>
+              </a:rPr>
+              <a:t>Assen</a:t>
+            </a:r>
+            <a:r>
+              <a:rPr lang="en-US" sz="4800" dirty="0">
+                <a:solidFill>
+                  <a:schemeClr val="bg1"/>
+                </a:solidFill>
+                <a:latin typeface="Gill Sans MT" panose="020B0502020104020203" pitchFamily="34" charset="0"/>
+              </a:rPr>
+              <a:t> et al., 2015)</a:t>
+            </a:r>
+          </a:p>
+          <a:p>
+            <a:pPr marL="990600" indent="-457200" algn="just">
               <a:buFont typeface="Arial" panose="020B0604020202020204" pitchFamily="34" charset="0"/>
               <a:buChar char="•"/>
             </a:pPr>
             <a:r>
-              <a:rPr lang="en-US" sz="4000" dirty="0" smtClean="0">
+              <a:rPr lang="en-US" sz="4800" dirty="0" smtClean="0">
+                <a:solidFill>
+                  <a:schemeClr val="bg1"/>
+                </a:solidFill>
                 <a:latin typeface="Gill Sans MT" panose="020B0502020104020203" pitchFamily="34" charset="0"/>
               </a:rPr>
-              <a:t>2 out of 3 psychology papers has sufficient evidence for at least one false negative nonsignificant result</a:t>
-            </a:r>
-          </a:p>
-          <a:p>
-            <a:pPr marL="1143000" indent="-1143000" algn="just">
-              <a:buFont typeface="+mj-lt"/>
-              <a:buAutoNum type="arabicPeriod"/>
+              <a:t>2 out of 3 psychology papers has sufficient evidence for at least one false negative nonsignificant result.</a:t>
+            </a:r>
+          </a:p>
+          <a:p>
+            <a:pPr marL="990600" indent="-457200" algn="just">
+              <a:buFont typeface="Arial" panose="020B0604020202020204" pitchFamily="34" charset="0"/>
+              <a:buChar char="•"/>
             </a:pPr>
-            <a:endParaRPr lang="en-US" sz="4000" dirty="0">
+            <a:r>
+              <a:rPr lang="en-US" sz="4800" dirty="0" smtClean="0">
+                <a:solidFill>
+                  <a:schemeClr val="bg1"/>
+                </a:solidFill>
+                <a:latin typeface="Gill Sans MT" panose="020B0502020104020203" pitchFamily="34" charset="0"/>
+              </a:rPr>
+              <a:t>False negatives problematic, just like false positives; can solve both by increasing the sample </a:t>
+            </a:r>
+            <a:r>
+              <a:rPr lang="en-US" sz="4800" dirty="0" smtClean="0">
+                <a:solidFill>
+                  <a:schemeClr val="bg1"/>
+                </a:solidFill>
+                <a:latin typeface="Gill Sans MT" panose="020B0502020104020203" pitchFamily="34" charset="0"/>
+              </a:rPr>
+              <a:t>size.</a:t>
+            </a:r>
+            <a:endParaRPr lang="en-US" sz="4800" dirty="0" smtClean="0">
+              <a:solidFill>
+                <a:schemeClr val="bg1"/>
+              </a:solidFill>
               <a:latin typeface="Gill Sans MT" panose="020B0502020104020203" pitchFamily="34" charset="0"/>
             </a:endParaRPr>
           </a:p>
-        </p:txBody>
-      </p:sp>
-      <mc:AlternateContent xmlns:mc="http://schemas.openxmlformats.org/markup-compatibility/2006">
-        <mc:Choice xmlns:a14="http://schemas.microsoft.com/office/drawing/2010/main" Requires="a14">
+          <a:p>
+            <a:pPr marL="990600" indent="-457200" algn="just">
+              <a:buFont typeface="Arial" panose="020B0604020202020204" pitchFamily="34" charset="0"/>
+              <a:buChar char="•"/>
+            </a:pPr>
+            <a:r>
+              <a:rPr lang="en-US" sz="4800" dirty="0" smtClean="0">
+                <a:solidFill>
+                  <a:schemeClr val="bg1"/>
+                </a:solidFill>
+                <a:latin typeface="Gill Sans MT" panose="020B0502020104020203" pitchFamily="34" charset="0"/>
+              </a:rPr>
+              <a:t>Sample sizes have hardly changed in psychology since 1985.</a:t>
+            </a:r>
+          </a:p>
+          <a:p>
+            <a:pPr marL="990600" indent="-457200" algn="just">
+              <a:buFont typeface="Arial" panose="020B0604020202020204" pitchFamily="34" charset="0"/>
+              <a:buChar char="•"/>
+            </a:pPr>
+            <a:r>
+              <a:rPr lang="en-US" sz="4800" dirty="0" smtClean="0">
+                <a:solidFill>
+                  <a:schemeClr val="bg1"/>
+                </a:solidFill>
+                <a:latin typeface="Gill Sans MT" panose="020B0502020104020203" pitchFamily="34" charset="0"/>
+              </a:rPr>
+              <a:t>Nonsignificant replications in Reproducibility Project: Psychology (RPP) do not allow strong conclusions about true underlying effect.</a:t>
+            </a:r>
+          </a:p>
+        </p:txBody>
+      </p:sp>
+      <mc:AlternateContent xmlns:mc="http://schemas.openxmlformats.org/markup-compatibility/2006" xmlns:a14="http://schemas.microsoft.com/office/drawing/2010/main">
+        <mc:Choice Requires="a14">
           <p:sp>
             <p:nvSpPr>
               <p:cNvPr id="10" name="Rectangle 9"/>
@@ -7900,8 +8042,8 @@
             </p:nvSpPr>
             <p:spPr>
               <a:xfrm>
-                <a:off x="2785983" y="13621436"/>
-                <a:ext cx="7710765" cy="3276731"/>
+                <a:off x="3682459" y="22904325"/>
+                <a:ext cx="7636001" cy="3276731"/>
               </a:xfrm>
               <a:prstGeom prst="rect">
                 <a:avLst/>
@@ -7956,10 +8098,10 @@
                             <m:t>2</m:t>
                           </m:r>
                           <m:r>
-                            <a:rPr lang="en-US" sz="5400" i="1">
+                            <a:rPr lang="en-US" sz="5400" b="0" i="1" smtClean="0">
                               <a:latin typeface="Cambria Math" panose="02040503050406030204" pitchFamily="18" charset="0"/>
                             </a:rPr>
-                            <m:t>𝑘</m:t>
+                            <m:t>𝐾</m:t>
                           </m:r>
                         </m:sub>
                         <m:sup>
@@ -8003,10 +8145,10 @@
                         </m:sub>
                         <m:sup>
                           <m:r>
-                            <a:rPr lang="en-US" sz="5400" i="1">
+                            <a:rPr lang="en-US" sz="5400" b="0" i="1" smtClean="0">
                               <a:latin typeface="Cambria Math" panose="02040503050406030204" pitchFamily="18" charset="0"/>
                             </a:rPr>
-                            <m:t>𝑘</m:t>
+                            <m:t>𝐾</m:t>
                           </m:r>
                         </m:sup>
                         <m:e>
@@ -8115,7 +8257,7 @@
             </p:txBody>
           </p:sp>
         </mc:Choice>
-        <mc:Fallback>
+        <mc:Fallback xmlns="">
           <p:sp>
             <p:nvSpPr>
               <p:cNvPr id="10" name="Rectangle 9"/>
@@ -8126,8 +8268,8 @@
             </p:nvSpPr>
             <p:spPr>
               <a:xfrm>
-                <a:off x="2785983" y="13621436"/>
-                <a:ext cx="7710765" cy="3276731"/>
+                <a:off x="3682459" y="22904325"/>
+                <a:ext cx="7636001" cy="3276731"/>
               </a:xfrm>
               <a:prstGeom prst="rect">
                 <a:avLst/>
@@ -8162,8 +8304,8 @@
         </p:nvSpPr>
         <p:spPr>
           <a:xfrm>
-            <a:off x="1298539" y="17470811"/>
-            <a:ext cx="11079950" cy="1323439"/>
+            <a:off x="2157633" y="26601300"/>
+            <a:ext cx="11079950" cy="2554545"/>
           </a:xfrm>
           <a:prstGeom prst="rect">
             <a:avLst/>
@@ -8204,13 +8346,7 @@
               <a:rPr lang="en-US" sz="4000" dirty="0" smtClean="0">
                 <a:latin typeface="Gill Sans MT" panose="020B0502020104020203" pitchFamily="34" charset="0"/>
               </a:rPr>
-              <a:t>-values </a:t>
-            </a:r>
-            <a:r>
-              <a:rPr lang="en-US" sz="4000" dirty="0" smtClean="0">
-                <a:latin typeface="Gill Sans MT" panose="020B0502020104020203" pitchFamily="34" charset="0"/>
-              </a:rPr>
-              <a:t>are uniformly distributed (i.e., no effect)</a:t>
+              <a:t>-values are uniformly distributed (i.e., no effect)</a:t>
             </a:r>
           </a:p>
           <a:p>
@@ -8244,10 +8380,29 @@
               </a:rPr>
               <a:t>values are right-skew distributed (i.e., an effect)</a:t>
             </a:r>
+          </a:p>
+          <a:p>
             <a:endParaRPr lang="en-US" sz="4000" i="1" dirty="0">
               <a:latin typeface="Gill Sans MT" panose="020B0502020104020203" pitchFamily="34" charset="0"/>
             </a:endParaRPr>
           </a:p>
+          <a:p>
+            <a:r>
+              <a:rPr lang="en-US" sz="4000" i="1" dirty="0" smtClean="0">
+                <a:latin typeface="Gill Sans MT" panose="020B0502020104020203" pitchFamily="34" charset="0"/>
+              </a:rPr>
+              <a:t>K</a:t>
+            </a:r>
+            <a:r>
+              <a:rPr lang="en-US" sz="4000" dirty="0" smtClean="0">
+                <a:latin typeface="Gill Sans MT" panose="020B0502020104020203" pitchFamily="34" charset="0"/>
+              </a:rPr>
+              <a:t> = the number of nonsignificant results</a:t>
+            </a:r>
+            <a:endParaRPr lang="en-US" sz="4000" i="1" dirty="0">
+              <a:latin typeface="Gill Sans MT" panose="020B0502020104020203" pitchFamily="34" charset="0"/>
+            </a:endParaRPr>
+          </a:p>
         </p:txBody>
       </p:sp>
       <p:sp>
@@ -8258,7 +8413,7 @@
         </p:nvSpPr>
         <p:spPr>
           <a:xfrm>
-            <a:off x="904243" y="12416599"/>
+            <a:off x="1763337" y="21699488"/>
             <a:ext cx="11474246" cy="1015663"/>
           </a:xfrm>
           <a:prstGeom prst="rect">
@@ -8277,19 +8432,46 @@
               <a:rPr lang="en-US" sz="6000" dirty="0" smtClean="0">
                 <a:latin typeface="Gill Sans MT" panose="020B0502020104020203" pitchFamily="34" charset="0"/>
               </a:rPr>
-              <a:t>Testing for </a:t>
-            </a:r>
+              <a:t>Testing for false negatives</a:t>
+            </a:r>
+            <a:endParaRPr lang="en-US" sz="4800" dirty="0">
+              <a:latin typeface="Gill Sans MT" panose="020B0502020104020203" pitchFamily="34" charset="0"/>
+            </a:endParaRPr>
+          </a:p>
+        </p:txBody>
+      </p:sp>
+      <p:sp>
+        <p:nvSpPr>
+          <p:cNvPr id="16" name="TextBox 15"/>
+          <p:cNvSpPr txBox="1"/>
+          <p:nvPr/>
+        </p:nvSpPr>
+        <p:spPr>
+          <a:xfrm>
+            <a:off x="16411287" y="3571336"/>
+            <a:ext cx="11474246" cy="1107996"/>
+          </a:xfrm>
+          <a:prstGeom prst="rect">
+            <a:avLst/>
+          </a:prstGeom>
+          <a:noFill/>
+        </p:spPr>
+        <p:txBody>
+          <a:bodyPr wrap="square" rtlCol="0">
+            <a:spAutoFit/>
+          </a:bodyPr>
+          <a:lstStyle/>
+          <a:p>
+            <a:pPr algn="ctr"/>
             <a:r>
               <a:rPr lang="en-US" sz="6000" dirty="0" smtClean="0">
                 <a:latin typeface="Gill Sans MT" panose="020B0502020104020203" pitchFamily="34" charset="0"/>
               </a:rPr>
-              <a:t>false </a:t>
-            </a:r>
-            <a:r>
-              <a:rPr lang="en-US" sz="6000" dirty="0" smtClean="0">
-                <a:latin typeface="Gill Sans MT" panose="020B0502020104020203" pitchFamily="34" charset="0"/>
-              </a:rPr>
-              <a:t>negatives</a:t>
+              <a:t>Application 1 – false negatives in </a:t>
+            </a:r>
+            <a:r>
+              <a:rPr lang="en-US" sz="6600" dirty="0"/>
+              <a:t>ψ</a:t>
             </a:r>
             <a:endParaRPr lang="en-US" sz="4800" dirty="0">
               <a:latin typeface="Gill Sans MT" panose="020B0502020104020203" pitchFamily="34" charset="0"/>
@@ -8299,13 +8481,123 @@
       </p:sp>
       <p:sp>
         <p:nvSpPr>
-          <p:cNvPr id="16" name="TextBox 15"/>
+          <p:cNvPr id="13" name="TextBox 12"/>
           <p:cNvSpPr txBox="1"/>
           <p:nvPr/>
         </p:nvSpPr>
         <p:spPr>
           <a:xfrm>
-            <a:off x="16016412" y="3610732"/>
+            <a:off x="15375823" y="4753493"/>
+            <a:ext cx="12755424" cy="8402300"/>
+          </a:xfrm>
+          <a:prstGeom prst="rect">
+            <a:avLst/>
+          </a:prstGeom>
+          <a:noFill/>
+        </p:spPr>
+        <p:txBody>
+          <a:bodyPr wrap="square" rtlCol="0">
+            <a:spAutoFit/>
+          </a:bodyPr>
+          <a:lstStyle/>
+          <a:p>
+            <a:pPr marL="857250" indent="-857250" algn="just">
+              <a:buFont typeface="Arial" panose="020B0604020202020204" pitchFamily="34" charset="0"/>
+              <a:buChar char="•"/>
+            </a:pPr>
+            <a:r>
+              <a:rPr lang="en-US" sz="4000" dirty="0" smtClean="0">
+                <a:latin typeface="Gill Sans MT" panose="020B0502020104020203" pitchFamily="34" charset="0"/>
+              </a:rPr>
+              <a:t>54,595 nonsignificant </a:t>
+            </a:r>
+            <a:r>
+              <a:rPr lang="en-US" sz="4000" i="1" dirty="0" smtClean="0">
+                <a:latin typeface="Gill Sans MT" panose="020B0502020104020203" pitchFamily="34" charset="0"/>
+              </a:rPr>
+              <a:t>p</a:t>
+            </a:r>
+            <a:r>
+              <a:rPr lang="en-US" sz="4000" dirty="0" smtClean="0">
+                <a:latin typeface="Gill Sans MT" panose="020B0502020104020203" pitchFamily="34" charset="0"/>
+              </a:rPr>
+              <a:t>-values extracted from 6,591 papers in 8 well-known psychology journals (data from Nuijten et al., 2015)</a:t>
+            </a:r>
+          </a:p>
+          <a:p>
+            <a:pPr marL="857250" indent="-857250" algn="just">
+              <a:buFont typeface="Arial" panose="020B0604020202020204" pitchFamily="34" charset="0"/>
+              <a:buChar char="•"/>
+            </a:pPr>
+            <a:r>
+              <a:rPr lang="en-US" sz="4000" dirty="0" smtClean="0">
+                <a:latin typeface="Gill Sans MT" panose="020B0502020104020203" pitchFamily="34" charset="0"/>
+              </a:rPr>
+              <a:t>66.7% of the 6,951 papers show evidence for at least one false negative, varying across journals (49.4%-81.3%), and dependent on the number of nonsignificant results reported (</a:t>
+            </a:r>
+            <a:r>
+              <a:rPr lang="en-US" sz="4000" i="1" dirty="0" smtClean="0">
+                <a:latin typeface="Gill Sans MT" panose="020B0502020104020203" pitchFamily="34" charset="0"/>
+              </a:rPr>
+              <a:t>r</a:t>
+            </a:r>
+            <a:r>
+              <a:rPr lang="en-US" sz="4000" dirty="0" smtClean="0">
+                <a:latin typeface="Gill Sans MT" panose="020B0502020104020203" pitchFamily="34" charset="0"/>
+              </a:rPr>
+              <a:t> = .617)</a:t>
+            </a:r>
+          </a:p>
+          <a:p>
+            <a:pPr marL="857250" indent="-857250" algn="just">
+              <a:buFont typeface="Arial" panose="020B0604020202020204" pitchFamily="34" charset="0"/>
+              <a:buChar char="•"/>
+            </a:pPr>
+            <a:r>
+              <a:rPr lang="en-US" sz="4000" dirty="0" smtClean="0">
+                <a:latin typeface="Gill Sans MT" panose="020B0502020104020203" pitchFamily="34" charset="0"/>
+              </a:rPr>
+              <a:t>More nonsignificant results reported throughout the years, but less evidence for false negatives. Data indicate more smaller effects are reported over time.</a:t>
+            </a:r>
+          </a:p>
+          <a:p>
+            <a:pPr marL="857250" indent="-857250" algn="just">
+              <a:buFont typeface="Arial" panose="020B0604020202020204" pitchFamily="34" charset="0"/>
+              <a:buChar char="•"/>
+            </a:pPr>
+            <a:endParaRPr lang="en-US" sz="4000" dirty="0" smtClean="0">
+              <a:latin typeface="Gill Sans MT" panose="020B0502020104020203" pitchFamily="34" charset="0"/>
+            </a:endParaRPr>
+          </a:p>
+          <a:p>
+            <a:pPr marL="857250" indent="-857250" algn="just">
+              <a:buFont typeface="Arial" panose="020B0604020202020204" pitchFamily="34" charset="0"/>
+              <a:buChar char="•"/>
+            </a:pPr>
+            <a:endParaRPr lang="en-US" sz="4000" dirty="0">
+              <a:latin typeface="Gill Sans MT" panose="020B0502020104020203" pitchFamily="34" charset="0"/>
+            </a:endParaRPr>
+          </a:p>
+          <a:p>
+            <a:pPr marL="857250" indent="-857250" algn="just">
+              <a:buFont typeface="Arial" panose="020B0604020202020204" pitchFamily="34" charset="0"/>
+              <a:buChar char="•"/>
+            </a:pPr>
+            <a:endParaRPr lang="en-US" sz="6000" dirty="0">
+              <a:latin typeface="Gill Sans MT" panose="020B0502020104020203" pitchFamily="34" charset="0"/>
+            </a:endParaRPr>
+          </a:p>
+        </p:txBody>
+      </p:sp>
+      <p:sp>
+        <p:nvSpPr>
+          <p:cNvPr id="22" name="TextBox 21"/>
+          <p:cNvSpPr txBox="1"/>
+          <p:nvPr/>
+        </p:nvSpPr>
+        <p:spPr>
+          <a:xfrm>
+            <a:off x="1662332" y="29769327"/>
             <a:ext cx="11474246" cy="1015663"/>
           </a:xfrm>
           <a:prstGeom prst="rect">
@@ -8324,7 +8616,7 @@
               <a:rPr lang="en-US" sz="6000" dirty="0" smtClean="0">
                 <a:latin typeface="Gill Sans MT" panose="020B0502020104020203" pitchFamily="34" charset="0"/>
               </a:rPr>
-              <a:t>Application</a:t>
+              <a:t>Simulation study</a:t>
             </a:r>
             <a:endParaRPr lang="en-US" sz="4800" dirty="0">
               <a:latin typeface="Gill Sans MT" panose="020B0502020104020203" pitchFamily="34" charset="0"/>
@@ -8334,14 +8626,14 @@
       </p:sp>
       <p:sp>
         <p:nvSpPr>
-          <p:cNvPr id="13" name="TextBox 12"/>
+          <p:cNvPr id="17" name="TextBox 16"/>
           <p:cNvSpPr txBox="1"/>
           <p:nvPr/>
         </p:nvSpPr>
         <p:spPr>
           <a:xfrm>
-            <a:off x="15375823" y="4524893"/>
-            <a:ext cx="12755424" cy="25637788"/>
+            <a:off x="1960484" y="31015054"/>
+            <a:ext cx="11079950" cy="1938992"/>
           </a:xfrm>
           <a:prstGeom prst="rect">
             <a:avLst/>
@@ -8354,435 +8646,11 @@
           </a:bodyPr>
           <a:lstStyle/>
           <a:p>
-            <a:pPr marL="857250" indent="-857250" algn="just">
-              <a:buFont typeface="Arial" panose="020B0604020202020204" pitchFamily="34" charset="0"/>
-              <a:buChar char="•"/>
-            </a:pPr>
-            <a:r>
-              <a:rPr lang="en-US" sz="4000" dirty="0" smtClean="0">
-                <a:latin typeface="Gill Sans MT" panose="020B0502020104020203" pitchFamily="34" charset="0"/>
-              </a:rPr>
-              <a:t>Use 54,595 nonsignificant results over 6,591 papers</a:t>
-            </a:r>
-          </a:p>
-          <a:p>
-            <a:pPr marL="857250" indent="-857250" algn="just">
-              <a:buFont typeface="Arial" panose="020B0604020202020204" pitchFamily="34" charset="0"/>
-              <a:buChar char="•"/>
-            </a:pPr>
-            <a:r>
-              <a:rPr lang="en-US" sz="4000" dirty="0" smtClean="0">
-                <a:latin typeface="Gill Sans MT" panose="020B0502020104020203" pitchFamily="34" charset="0"/>
-              </a:rPr>
-              <a:t>Data collected with </a:t>
-            </a:r>
-            <a:r>
-              <a:rPr lang="en-US" sz="4000" dirty="0" smtClean="0">
-                <a:latin typeface="Gill Sans MT" panose="020B0502020104020203" pitchFamily="34" charset="0"/>
-              </a:rPr>
-              <a:t>`</a:t>
-            </a:r>
-            <a:r>
-              <a:rPr lang="en-US" sz="4000" dirty="0" err="1" smtClean="0">
-                <a:latin typeface="Gill Sans MT" panose="020B0502020104020203" pitchFamily="34" charset="0"/>
-              </a:rPr>
-              <a:t>statcheck</a:t>
-            </a:r>
-            <a:r>
-              <a:rPr lang="en-US" sz="4000" dirty="0" smtClean="0">
-                <a:latin typeface="Gill Sans MT" panose="020B0502020104020203" pitchFamily="34" charset="0"/>
-              </a:rPr>
-              <a:t>` </a:t>
-            </a:r>
-            <a:r>
-              <a:rPr lang="en-US" sz="4000" dirty="0" smtClean="0">
-                <a:latin typeface="Gill Sans MT" panose="020B0502020104020203" pitchFamily="34" charset="0"/>
-              </a:rPr>
-              <a:t>for </a:t>
-            </a:r>
-            <a:r>
-              <a:rPr lang="en-US" sz="4000" dirty="0" smtClean="0">
-                <a:latin typeface="Gill Sans MT" panose="020B0502020104020203" pitchFamily="34" charset="0"/>
-              </a:rPr>
-              <a:t>~30,000 papers </a:t>
-            </a:r>
-            <a:r>
-              <a:rPr lang="en-US" sz="4000" dirty="0" smtClean="0">
-                <a:latin typeface="Gill Sans MT" panose="020B0502020104020203" pitchFamily="34" charset="0"/>
-              </a:rPr>
-              <a:t>in eight psychology papers from 1985-2013 (data also used in Nuijten et al. 2015</a:t>
-            </a:r>
-            <a:r>
-              <a:rPr lang="en-US" sz="4000" dirty="0" smtClean="0">
-                <a:latin typeface="Gill Sans MT" panose="020B0502020104020203" pitchFamily="34" charset="0"/>
-              </a:rPr>
-              <a:t>)</a:t>
-            </a:r>
-          </a:p>
-          <a:p>
-            <a:pPr marL="857250" indent="-857250" algn="just">
-              <a:buFont typeface="Arial" panose="020B0604020202020204" pitchFamily="34" charset="0"/>
-              <a:buChar char="•"/>
-            </a:pPr>
-            <a:r>
-              <a:rPr lang="en-US" sz="4000" dirty="0" smtClean="0">
-                <a:latin typeface="Gill Sans MT" panose="020B0502020104020203" pitchFamily="34" charset="0"/>
-              </a:rPr>
-              <a:t>Extracted 54,595 </a:t>
-            </a:r>
-            <a:r>
-              <a:rPr lang="en-US" sz="4000" dirty="0" err="1" smtClean="0">
-                <a:latin typeface="Gill Sans MT" panose="020B0502020104020203" pitchFamily="34" charset="0"/>
-              </a:rPr>
-              <a:t>nonsiginificant</a:t>
-            </a:r>
-            <a:r>
-              <a:rPr lang="en-US" sz="4000" dirty="0" smtClean="0">
-                <a:latin typeface="Gill Sans MT" panose="020B0502020104020203" pitchFamily="34" charset="0"/>
-              </a:rPr>
-              <a:t> results across 14,759 papers</a:t>
-            </a:r>
-          </a:p>
-          <a:p>
-            <a:pPr marL="857250" indent="-857250" algn="just">
-              <a:buFont typeface="Arial" panose="020B0604020202020204" pitchFamily="34" charset="0"/>
-              <a:buChar char="•"/>
-            </a:pPr>
-            <a:r>
-              <a:rPr lang="en-US" sz="4000" dirty="0" smtClean="0">
-                <a:latin typeface="Gill Sans MT" panose="020B0502020104020203" pitchFamily="34" charset="0"/>
-              </a:rPr>
-              <a:t>6,951 of these 14,759 papers reporting nonsignificant results show evidence for at least one false negative (66.7%)</a:t>
-            </a:r>
-          </a:p>
-          <a:p>
-            <a:pPr marL="857250" indent="-857250" algn="just">
-              <a:buFont typeface="Arial" panose="020B0604020202020204" pitchFamily="34" charset="0"/>
-              <a:buChar char="•"/>
-            </a:pPr>
-            <a:r>
-              <a:rPr lang="en-US" sz="4000" dirty="0" smtClean="0">
-                <a:latin typeface="Gill Sans MT" panose="020B0502020104020203" pitchFamily="34" charset="0"/>
-              </a:rPr>
-              <a:t>Percentage of papers with evidence for false negatives varies across journals, from 49.4% (</a:t>
-            </a:r>
             <a:r>
               <a:rPr lang="en-US" sz="4000" i="1" dirty="0" smtClean="0">
                 <a:latin typeface="Gill Sans MT" panose="020B0502020104020203" pitchFamily="34" charset="0"/>
               </a:rPr>
-              <a:t>Journal of Applied Psychology</a:t>
-            </a:r>
-            <a:r>
-              <a:rPr lang="en-US" sz="4000" dirty="0" smtClean="0">
-                <a:latin typeface="Gill Sans MT" panose="020B0502020104020203" pitchFamily="34" charset="0"/>
-              </a:rPr>
-              <a:t>) to 81.3% (</a:t>
-            </a:r>
-            <a:r>
-              <a:rPr lang="en-US" sz="4000" i="1" dirty="0" smtClean="0">
-                <a:latin typeface="Gill Sans MT" panose="020B0502020104020203" pitchFamily="34" charset="0"/>
-              </a:rPr>
-              <a:t>Journal of Personality and Social Psychology</a:t>
-            </a:r>
-            <a:r>
-              <a:rPr lang="en-US" sz="4000" dirty="0" smtClean="0">
-                <a:latin typeface="Gill Sans MT" panose="020B0502020104020203" pitchFamily="34" charset="0"/>
-              </a:rPr>
-              <a:t>)</a:t>
-            </a:r>
-          </a:p>
-          <a:p>
-            <a:pPr marL="857250" indent="-857250" algn="just">
-              <a:buFont typeface="Arial" panose="020B0604020202020204" pitchFamily="34" charset="0"/>
-              <a:buChar char="•"/>
-            </a:pPr>
-            <a:r>
-              <a:rPr lang="en-US" sz="4000" dirty="0" smtClean="0">
-                <a:latin typeface="Gill Sans MT" panose="020B0502020104020203" pitchFamily="34" charset="0"/>
-              </a:rPr>
-              <a:t>Correlation between median number of nonsignificant results strongly correlates with evidence of at least one false negative (</a:t>
-            </a:r>
-            <a:r>
-              <a:rPr lang="en-US" sz="4000" i="1" dirty="0" smtClean="0">
-                <a:latin typeface="Gill Sans MT" panose="020B0502020104020203" pitchFamily="34" charset="0"/>
-              </a:rPr>
-              <a:t>r</a:t>
-            </a:r>
-            <a:r>
-              <a:rPr lang="en-US" sz="4000" dirty="0" smtClean="0">
-                <a:latin typeface="Gill Sans MT" panose="020B0502020104020203" pitchFamily="34" charset="0"/>
-              </a:rPr>
-              <a:t> = .617)</a:t>
-            </a:r>
-          </a:p>
-          <a:p>
-            <a:pPr marL="857250" indent="-857250" algn="just">
-              <a:buFont typeface="Arial" panose="020B0604020202020204" pitchFamily="34" charset="0"/>
-              <a:buChar char="•"/>
-            </a:pPr>
-            <a:r>
-              <a:rPr lang="en-US" sz="4000" dirty="0" smtClean="0">
-                <a:latin typeface="Gill Sans MT" panose="020B0502020104020203" pitchFamily="34" charset="0"/>
-              </a:rPr>
-              <a:t>Sample sizes in psychology highly stable throughout thirty years</a:t>
-            </a:r>
-          </a:p>
-          <a:p>
-            <a:pPr marL="857250" indent="-857250" algn="just">
-              <a:buFont typeface="Arial" panose="020B0604020202020204" pitchFamily="34" charset="0"/>
-              <a:buChar char="•"/>
-            </a:pPr>
-            <a:endParaRPr lang="en-US" sz="4000" dirty="0">
-              <a:latin typeface="Gill Sans MT" panose="020B0502020104020203" pitchFamily="34" charset="0"/>
-            </a:endParaRPr>
-          </a:p>
-          <a:p>
-            <a:pPr marL="857250" indent="-857250" algn="just">
-              <a:buFont typeface="Arial" panose="020B0604020202020204" pitchFamily="34" charset="0"/>
-              <a:buChar char="•"/>
-            </a:pPr>
-            <a:endParaRPr lang="en-US" sz="4000" dirty="0" smtClean="0">
-              <a:latin typeface="Gill Sans MT" panose="020B0502020104020203" pitchFamily="34" charset="0"/>
-            </a:endParaRPr>
-          </a:p>
-          <a:p>
-            <a:pPr marL="857250" indent="-857250" algn="just">
-              <a:buFont typeface="Arial" panose="020B0604020202020204" pitchFamily="34" charset="0"/>
-              <a:buChar char="•"/>
-            </a:pPr>
-            <a:endParaRPr lang="en-US" sz="4000" dirty="0">
-              <a:latin typeface="Gill Sans MT" panose="020B0502020104020203" pitchFamily="34" charset="0"/>
-            </a:endParaRPr>
-          </a:p>
-          <a:p>
-            <a:pPr marL="857250" indent="-857250" algn="just">
-              <a:buFont typeface="Arial" panose="020B0604020202020204" pitchFamily="34" charset="0"/>
-              <a:buChar char="•"/>
-            </a:pPr>
-            <a:endParaRPr lang="en-US" sz="4000" dirty="0" smtClean="0">
-              <a:latin typeface="Gill Sans MT" panose="020B0502020104020203" pitchFamily="34" charset="0"/>
-            </a:endParaRPr>
-          </a:p>
-          <a:p>
-            <a:pPr marL="857250" indent="-857250" algn="just">
-              <a:buFont typeface="Arial" panose="020B0604020202020204" pitchFamily="34" charset="0"/>
-              <a:buChar char="•"/>
-            </a:pPr>
-            <a:endParaRPr lang="en-US" sz="4000" dirty="0">
-              <a:latin typeface="Gill Sans MT" panose="020B0502020104020203" pitchFamily="34" charset="0"/>
-            </a:endParaRPr>
-          </a:p>
-          <a:p>
-            <a:pPr marL="857250" indent="-857250" algn="just">
-              <a:buFont typeface="Arial" panose="020B0604020202020204" pitchFamily="34" charset="0"/>
-              <a:buChar char="•"/>
-            </a:pPr>
-            <a:endParaRPr lang="en-US" sz="4000" dirty="0" smtClean="0">
-              <a:latin typeface="Gill Sans MT" panose="020B0502020104020203" pitchFamily="34" charset="0"/>
-            </a:endParaRPr>
-          </a:p>
-          <a:p>
-            <a:pPr marL="857250" indent="-857250" algn="just">
-              <a:buFont typeface="Arial" panose="020B0604020202020204" pitchFamily="34" charset="0"/>
-              <a:buChar char="•"/>
-            </a:pPr>
-            <a:endParaRPr lang="en-US" sz="4000" dirty="0">
-              <a:latin typeface="Gill Sans MT" panose="020B0502020104020203" pitchFamily="34" charset="0"/>
-            </a:endParaRPr>
-          </a:p>
-          <a:p>
-            <a:pPr marL="857250" indent="-857250" algn="just">
-              <a:buFont typeface="Arial" panose="020B0604020202020204" pitchFamily="34" charset="0"/>
-              <a:buChar char="•"/>
-            </a:pPr>
-            <a:endParaRPr lang="en-US" sz="4000" dirty="0" smtClean="0">
-              <a:latin typeface="Gill Sans MT" panose="020B0502020104020203" pitchFamily="34" charset="0"/>
-            </a:endParaRPr>
-          </a:p>
-          <a:p>
-            <a:pPr marL="857250" indent="-857250" algn="just">
-              <a:buFont typeface="Arial" panose="020B0604020202020204" pitchFamily="34" charset="0"/>
-              <a:buChar char="•"/>
-            </a:pPr>
-            <a:endParaRPr lang="en-US" sz="4000" dirty="0">
-              <a:latin typeface="Gill Sans MT" panose="020B0502020104020203" pitchFamily="34" charset="0"/>
-            </a:endParaRPr>
-          </a:p>
-          <a:p>
-            <a:pPr marL="857250" indent="-857250" algn="just">
-              <a:buFont typeface="Arial" panose="020B0604020202020204" pitchFamily="34" charset="0"/>
-              <a:buChar char="•"/>
-            </a:pPr>
-            <a:endParaRPr lang="en-US" sz="4000" dirty="0" smtClean="0">
-              <a:latin typeface="Gill Sans MT" panose="020B0502020104020203" pitchFamily="34" charset="0"/>
-            </a:endParaRPr>
-          </a:p>
-          <a:p>
-            <a:pPr marL="857250" indent="-857250" algn="just">
-              <a:buFont typeface="Arial" panose="020B0604020202020204" pitchFamily="34" charset="0"/>
-              <a:buChar char="•"/>
-            </a:pPr>
-            <a:endParaRPr lang="en-US" sz="4000" dirty="0">
-              <a:latin typeface="Gill Sans MT" panose="020B0502020104020203" pitchFamily="34" charset="0"/>
-            </a:endParaRPr>
-          </a:p>
-          <a:p>
-            <a:pPr marL="857250" indent="-857250" algn="just">
-              <a:buFont typeface="Arial" panose="020B0604020202020204" pitchFamily="34" charset="0"/>
-              <a:buChar char="•"/>
-            </a:pPr>
-            <a:endParaRPr lang="en-US" sz="4000" dirty="0" smtClean="0">
-              <a:latin typeface="Gill Sans MT" panose="020B0502020104020203" pitchFamily="34" charset="0"/>
-            </a:endParaRPr>
-          </a:p>
-          <a:p>
-            <a:pPr marL="857250" indent="-857250" algn="just">
-              <a:buFont typeface="Arial" panose="020B0604020202020204" pitchFamily="34" charset="0"/>
-              <a:buChar char="•"/>
-            </a:pPr>
-            <a:endParaRPr lang="en-US" sz="4000" dirty="0">
-              <a:latin typeface="Gill Sans MT" panose="020B0502020104020203" pitchFamily="34" charset="0"/>
-            </a:endParaRPr>
-          </a:p>
-          <a:p>
-            <a:pPr marL="857250" indent="-857250" algn="just">
-              <a:buFont typeface="Arial" panose="020B0604020202020204" pitchFamily="34" charset="0"/>
-              <a:buChar char="•"/>
-            </a:pPr>
-            <a:endParaRPr lang="en-US" sz="4000" dirty="0" smtClean="0">
-              <a:latin typeface="Gill Sans MT" panose="020B0502020104020203" pitchFamily="34" charset="0"/>
-            </a:endParaRPr>
-          </a:p>
-          <a:p>
-            <a:pPr marL="857250" indent="-857250" algn="just">
-              <a:buFont typeface="Arial" panose="020B0604020202020204" pitchFamily="34" charset="0"/>
-              <a:buChar char="•"/>
-            </a:pPr>
-            <a:endParaRPr lang="en-US" sz="4000" dirty="0">
-              <a:latin typeface="Gill Sans MT" panose="020B0502020104020203" pitchFamily="34" charset="0"/>
-            </a:endParaRPr>
-          </a:p>
-          <a:p>
-            <a:pPr marL="857250" indent="-857250" algn="just">
-              <a:buFont typeface="Arial" panose="020B0604020202020204" pitchFamily="34" charset="0"/>
-              <a:buChar char="•"/>
-            </a:pPr>
-            <a:endParaRPr lang="en-US" sz="4000" dirty="0" smtClean="0">
-              <a:latin typeface="Gill Sans MT" panose="020B0502020104020203" pitchFamily="34" charset="0"/>
-            </a:endParaRPr>
-          </a:p>
-          <a:p>
-            <a:pPr marL="857250" indent="-857250" algn="just">
-              <a:buFont typeface="Arial" panose="020B0604020202020204" pitchFamily="34" charset="0"/>
-              <a:buChar char="•"/>
-            </a:pPr>
-            <a:endParaRPr lang="en-US" sz="4000" dirty="0">
-              <a:latin typeface="Gill Sans MT" panose="020B0502020104020203" pitchFamily="34" charset="0"/>
-            </a:endParaRPr>
-          </a:p>
-          <a:p>
-            <a:pPr marL="857250" indent="-857250" algn="just">
-              <a:buFont typeface="Arial" panose="020B0604020202020204" pitchFamily="34" charset="0"/>
-              <a:buChar char="•"/>
-            </a:pPr>
-            <a:r>
-              <a:rPr lang="en-US" sz="4000" dirty="0" smtClean="0">
-                <a:latin typeface="Gill Sans MT" panose="020B0502020104020203" pitchFamily="34" charset="0"/>
-              </a:rPr>
-              <a:t>More nonsignificant results reported throughout the years, but less evidence for false negatives. Data indicate more smaller effects are reported over time.</a:t>
-            </a:r>
-          </a:p>
-          <a:p>
-            <a:pPr marL="857250" indent="-857250" algn="just">
-              <a:buFont typeface="Arial" panose="020B0604020202020204" pitchFamily="34" charset="0"/>
-              <a:buChar char="•"/>
-            </a:pPr>
-            <a:endParaRPr lang="en-US" sz="4000" dirty="0" smtClean="0">
-              <a:latin typeface="Gill Sans MT" panose="020B0502020104020203" pitchFamily="34" charset="0"/>
-            </a:endParaRPr>
-          </a:p>
-          <a:p>
-            <a:pPr marL="857250" indent="-857250" algn="just">
-              <a:buFont typeface="Arial" panose="020B0604020202020204" pitchFamily="34" charset="0"/>
-              <a:buChar char="•"/>
-            </a:pPr>
-            <a:endParaRPr lang="en-US" sz="4000" dirty="0">
-              <a:latin typeface="Gill Sans MT" panose="020B0502020104020203" pitchFamily="34" charset="0"/>
-            </a:endParaRPr>
-          </a:p>
-          <a:p>
-            <a:pPr marL="857250" indent="-857250" algn="just">
-              <a:buFont typeface="Arial" panose="020B0604020202020204" pitchFamily="34" charset="0"/>
-              <a:buChar char="•"/>
-            </a:pPr>
-            <a:endParaRPr lang="en-US" sz="6000" dirty="0">
-              <a:latin typeface="Gill Sans MT" panose="020B0502020104020203" pitchFamily="34" charset="0"/>
-            </a:endParaRPr>
-          </a:p>
-        </p:txBody>
-      </p:sp>
-      <p:sp>
-        <p:nvSpPr>
-          <p:cNvPr id="22" name="TextBox 21"/>
-          <p:cNvSpPr txBox="1"/>
-          <p:nvPr/>
-        </p:nvSpPr>
-        <p:spPr>
-          <a:xfrm>
-            <a:off x="955638" y="19756558"/>
-            <a:ext cx="11474246" cy="1015663"/>
-          </a:xfrm>
-          <a:prstGeom prst="rect">
-            <a:avLst/>
-          </a:prstGeom>
-          <a:noFill/>
-        </p:spPr>
-        <p:txBody>
-          <a:bodyPr wrap="square" rtlCol="0">
-            <a:spAutoFit/>
-          </a:bodyPr>
-          <a:lstStyle/>
-          <a:p>
-            <a:pPr algn="ctr"/>
-            <a:r>
-              <a:rPr lang="en-US" sz="6000" dirty="0" smtClean="0">
-                <a:latin typeface="Gill Sans MT" panose="020B0502020104020203" pitchFamily="34" charset="0"/>
-              </a:rPr>
-              <a:t>Simulation study</a:t>
-            </a:r>
-            <a:endParaRPr lang="en-US" sz="4800" dirty="0">
-              <a:latin typeface="Gill Sans MT" panose="020B0502020104020203" pitchFamily="34" charset="0"/>
-            </a:endParaRPr>
-          </a:p>
-        </p:txBody>
-      </p:sp>
-      <p:sp>
-        <p:nvSpPr>
-          <p:cNvPr id="17" name="TextBox 16"/>
-          <p:cNvSpPr txBox="1"/>
-          <p:nvPr/>
-        </p:nvSpPr>
-        <p:spPr>
-          <a:xfrm>
-            <a:off x="1275932" y="21072809"/>
-            <a:ext cx="11079950" cy="5632311"/>
-          </a:xfrm>
-          <a:prstGeom prst="rect">
-            <a:avLst/>
-          </a:prstGeom>
-          <a:noFill/>
-        </p:spPr>
-        <p:txBody>
-          <a:bodyPr wrap="square" rtlCol="0">
-            <a:spAutoFit/>
-          </a:bodyPr>
-          <a:lstStyle/>
-          <a:p>
-            <a:r>
-              <a:rPr lang="en-US" sz="4000" i="1" dirty="0" smtClean="0">
-                <a:latin typeface="Gill Sans MT" panose="020B0502020104020203" pitchFamily="34" charset="0"/>
-              </a:rPr>
-              <a:t>What is the power to detect a false negative among a set of nonsignificant </a:t>
+              <a:t>How many nonsignificant results needed to get &gt; .8 power to detect a false negative among a set of nonsignificant </a:t>
             </a:r>
             <a:r>
               <a:rPr lang="en-US" sz="4000" dirty="0" smtClean="0">
@@ -8796,69 +8664,6 @@
               </a:rPr>
               <a:t>-values?</a:t>
             </a:r>
-          </a:p>
-          <a:p>
-            <a:endParaRPr lang="en-US" sz="4000" i="1" dirty="0">
-              <a:latin typeface="Gill Sans MT" panose="020B0502020104020203" pitchFamily="34" charset="0"/>
-            </a:endParaRPr>
-          </a:p>
-          <a:p>
-            <a:r>
-              <a:rPr lang="en-US" sz="4000" dirty="0" smtClean="0">
-                <a:latin typeface="Gill Sans MT" panose="020B0502020104020203" pitchFamily="34" charset="0"/>
-              </a:rPr>
-              <a:t>Simulation design:</a:t>
-            </a:r>
-          </a:p>
-          <a:p>
-            <a:pPr marL="742950" indent="-742950">
-              <a:buAutoNum type="arabicPeriod"/>
-            </a:pPr>
-            <a:r>
-              <a:rPr lang="en-US" sz="4000" dirty="0" smtClean="0">
-                <a:latin typeface="Gill Sans MT" panose="020B0502020104020203" pitchFamily="34" charset="0"/>
-              </a:rPr>
-              <a:t>Sample size single study (N = 33, 62, 119)</a:t>
-            </a:r>
-          </a:p>
-          <a:p>
-            <a:pPr marL="742950" indent="-742950">
-              <a:buAutoNum type="arabicPeriod"/>
-            </a:pPr>
-            <a:r>
-              <a:rPr lang="en-US" sz="4000" dirty="0" smtClean="0">
-                <a:latin typeface="Gill Sans MT" panose="020B0502020104020203" pitchFamily="34" charset="0"/>
-              </a:rPr>
-              <a:t>Number of nonsignificant studies (k = 1, 2, .. 10, 15, 20, ..., 50)</a:t>
-            </a:r>
-          </a:p>
-          <a:p>
-            <a:pPr marL="742950" indent="-742950">
-              <a:buAutoNum type="arabicPeriod"/>
-            </a:pPr>
-            <a:r>
-              <a:rPr lang="en-US" sz="4000" dirty="0" smtClean="0">
-                <a:latin typeface="Gill Sans MT" panose="020B0502020104020203" pitchFamily="34" charset="0"/>
-              </a:rPr>
-              <a:t>Underlying effect size </a:t>
-            </a:r>
-            <a:r>
-              <a:rPr lang="en-US" sz="4000" dirty="0" smtClean="0">
-                <a:latin typeface="Gill Sans MT" panose="020B0502020104020203" pitchFamily="34" charset="0"/>
-              </a:rPr>
-              <a:t>(r = .00, .01, .02, ..., .99)</a:t>
-            </a:r>
-            <a:endParaRPr lang="en-US" sz="4000" dirty="0">
-              <a:latin typeface="Gill Sans MT" panose="020B0502020104020203" pitchFamily="34" charset="0"/>
-            </a:endParaRPr>
-          </a:p>
-          <a:p>
-            <a:pPr marL="742950" indent="-742950">
-              <a:buAutoNum type="arabicPeriod"/>
-            </a:pPr>
-            <a:endParaRPr lang="en-US" sz="4000" dirty="0">
-              <a:latin typeface="Gill Sans MT" panose="020B0502020104020203" pitchFamily="34" charset="0"/>
-            </a:endParaRPr>
           </a:p>
         </p:txBody>
       </p:sp>
@@ -8885,7 +8690,7 @@
         </p:blipFill>
         <p:spPr bwMode="auto">
           <a:xfrm>
-            <a:off x="10380454" y="39059379"/>
+            <a:off x="10380454" y="39211779"/>
             <a:ext cx="8924925" cy="3324226"/>
           </a:xfrm>
           <a:prstGeom prst="rect">
@@ -8905,7 +8710,7 @@
       </p:pic>
       <p:pic>
         <p:nvPicPr>
-          <p:cNvPr id="1029" name="Picture 5" descr="https://lh5.googleusercontent.com/cO2382a-KHfn6CRg9te84FF3vur8wP3eNGUbM4QBOj6ICaSeLoHn3P1DtQTNL6nRx_zpDjl1xYCbCgnOOodJgfNyMAYOfXuRmX3jShnVIO-YeiOa6X5X5N3I5R2LT7wn-rB7Fb_JyxAUKRJM"/>
+          <p:cNvPr id="1033" name="Picture 9" descr="https://lh4.googleusercontent.com/lyAAKFHH3ihnDF9HtNnoRkdy4_zWHZkd82iNs5M7Z5_oH7r4JPUrF-eCqtEz6VJeVhHJK7daghiY1AgPL5PsYgC1dnBFBvGAauasdD9V8pU4um3v2oBeWy27AJjGzHUzijAqeEioxAeUy2O7"/>
           <p:cNvPicPr>
             <a:picLocks noChangeAspect="1" noChangeArrowheads="1"/>
           </p:cNvPicPr>
@@ -8926,8 +8731,8 @@
         </p:blipFill>
         <p:spPr bwMode="auto">
           <a:xfrm>
-            <a:off x="17308959" y="16111024"/>
-            <a:ext cx="9328183" cy="7995585"/>
+            <a:off x="16806162" y="11181639"/>
+            <a:ext cx="10684496" cy="7632737"/>
           </a:xfrm>
           <a:prstGeom prst="rect">
             <a:avLst/>
@@ -8946,100 +8751,13 @@
       </p:pic>
       <p:sp>
         <p:nvSpPr>
-          <p:cNvPr id="14" name="TextBox 13"/>
-          <p:cNvSpPr txBox="1"/>
-          <p:nvPr/>
-        </p:nvSpPr>
-        <p:spPr>
-          <a:xfrm>
-            <a:off x="15375823" y="24106609"/>
-            <a:ext cx="13748669" cy="1569660"/>
-          </a:xfrm>
-          <a:prstGeom prst="rect">
-            <a:avLst/>
-          </a:prstGeom>
-          <a:noFill/>
-        </p:spPr>
-        <p:txBody>
-          <a:bodyPr wrap="square" rtlCol="0">
-            <a:spAutoFit/>
-          </a:bodyPr>
-          <a:lstStyle/>
-          <a:p>
-            <a:r>
-              <a:rPr lang="en-US" sz="3200" i="1" dirty="0"/>
-              <a:t>Figure </a:t>
-            </a:r>
-            <a:r>
-              <a:rPr lang="en-US" sz="3200" i="1" dirty="0"/>
-              <a:t>2</a:t>
-            </a:r>
-            <a:r>
-              <a:rPr lang="en-US" sz="3200" i="1" dirty="0" smtClean="0"/>
-              <a:t>. </a:t>
-            </a:r>
-            <a:r>
-              <a:rPr lang="en-US" sz="3200" dirty="0"/>
-              <a:t>Sample size development throughout 1985-2013, based on degrees of freedom across 258,050 test results. P25 = 25th percentile. P50 = 50th percentile (i.e., median). P75 = 75th </a:t>
-            </a:r>
-            <a:r>
-              <a:rPr lang="en-US" sz="3200" dirty="0" smtClean="0"/>
-              <a:t>percentile.</a:t>
-            </a:r>
-            <a:endParaRPr lang="en-US" sz="3200" dirty="0"/>
-          </a:p>
-        </p:txBody>
-      </p:sp>
-      <p:pic>
-        <p:nvPicPr>
-          <p:cNvPr id="1033" name="Picture 9" descr="https://lh4.googleusercontent.com/lyAAKFHH3ihnDF9HtNnoRkdy4_zWHZkd82iNs5M7Z5_oH7r4JPUrF-eCqtEz6VJeVhHJK7daghiY1AgPL5PsYgC1dnBFBvGAauasdD9V8pU4um3v2oBeWy27AJjGzHUzijAqeEioxAeUy2O7"/>
-          <p:cNvPicPr>
-            <a:picLocks noChangeAspect="1" noChangeArrowheads="1"/>
-          </p:cNvPicPr>
-          <p:nvPr/>
-        </p:nvPicPr>
-        <p:blipFill>
-          <a:blip r:embed="rId6">
-            <a:extLst>
-              <a:ext uri="{28A0092B-C50C-407E-A947-70E740481C1C}">
-                <a14:useLocalDpi xmlns:a14="http://schemas.microsoft.com/office/drawing/2010/main" val="0"/>
-              </a:ext>
-            </a:extLst>
-          </a:blip>
-          <a:srcRect/>
-          <a:stretch>
-            <a:fillRect/>
-          </a:stretch>
-        </p:blipFill>
-        <p:spPr bwMode="auto">
-          <a:xfrm>
-            <a:off x="17308959" y="28164377"/>
-            <a:ext cx="9634349" cy="6882538"/>
-          </a:xfrm>
-          <a:prstGeom prst="rect">
-            <a:avLst/>
-          </a:prstGeom>
-          <a:noFill/>
-          <a:extLst>
-            <a:ext uri="{909E8E84-426E-40DD-AFC4-6F175D3DCCD1}">
-              <a14:hiddenFill xmlns:a14="http://schemas.microsoft.com/office/drawing/2010/main">
-                <a:solidFill>
-                  <a:srgbClr val="FFFFFF"/>
-                </a:solidFill>
-              </a14:hiddenFill>
-            </a:ext>
-          </a:extLst>
-        </p:spPr>
-      </p:pic>
-      <p:sp>
-        <p:nvSpPr>
           <p:cNvPr id="23" name="TextBox 22"/>
           <p:cNvSpPr txBox="1"/>
           <p:nvPr/>
         </p:nvSpPr>
         <p:spPr>
           <a:xfrm>
-            <a:off x="15642523" y="35541869"/>
+            <a:off x="15790007" y="19178954"/>
             <a:ext cx="13748669" cy="2062103"/>
           </a:xfrm>
           <a:prstGeom prst="rect">
@@ -9059,26 +8777,1111 @@
             </a:r>
             <a:r>
               <a:rPr lang="en-US" sz="3200" i="1" dirty="0" smtClean="0"/>
-              <a:t>3. </a:t>
+              <a:t>1. </a:t>
             </a:r>
             <a:r>
               <a:rPr lang="en-US" sz="3200" dirty="0"/>
               <a:t>Proportion of papers reporting nonsignificant results in a given year, showing evidence for false negative results. Larger point size indicates a higher mean number of nonsignificant results reported in that year.</a:t>
             </a:r>
-            <a:endParaRPr lang="en-US" sz="3200" dirty="0"/>
+          </a:p>
+        </p:txBody>
+      </p:sp>
+      <p:graphicFrame>
+        <p:nvGraphicFramePr>
+          <p:cNvPr id="4" name="Table 3"/>
+          <p:cNvGraphicFramePr>
+            <a:graphicFrameLocks noGrp="1"/>
+          </p:cNvGraphicFramePr>
+          <p:nvPr>
+            <p:extLst>
+              <p:ext uri="{D42A27DB-BD31-4B8C-83A1-F6EECF244321}">
+                <p14:modId xmlns:p14="http://schemas.microsoft.com/office/powerpoint/2010/main" val="1727611962"/>
+              </p:ext>
+            </p:extLst>
+          </p:nvPr>
+        </p:nvGraphicFramePr>
+        <p:xfrm>
+          <a:off x="1960484" y="33621007"/>
+          <a:ext cx="10536150" cy="3387724"/>
+        </p:xfrm>
+        <a:graphic>
+          <a:graphicData uri="http://schemas.openxmlformats.org/drawingml/2006/table">
+            <a:tbl>
+              <a:tblPr>
+                <a:tableStyleId>{5C22544A-7EE6-4342-B048-85BDC9FD1C3A}</a:tableStyleId>
+              </a:tblPr>
+              <a:tblGrid>
+                <a:gridCol w="4759986"/>
+                <a:gridCol w="1818422"/>
+                <a:gridCol w="1818422"/>
+                <a:gridCol w="2139320"/>
+              </a:tblGrid>
+              <a:tr h="874252">
+                <a:tc>
+                  <a:txBody>
+                    <a:bodyPr/>
+                    <a:lstStyle/>
+                    <a:p>
+                      <a:pPr algn="l" fontAlgn="b"/>
+                      <a:r>
+                        <a:rPr lang="en-US" sz="4000" u="none" strike="noStrike" dirty="0">
+                          <a:solidFill>
+                            <a:schemeClr val="tx1"/>
+                          </a:solidFill>
+                          <a:effectLst/>
+                        </a:rPr>
+                        <a:t> </a:t>
+                      </a:r>
+                      <a:endParaRPr lang="en-US" sz="4000" b="1" i="0" u="none" strike="noStrike" dirty="0">
+                        <a:solidFill>
+                          <a:schemeClr val="tx1"/>
+                        </a:solidFill>
+                        <a:effectLst/>
+                        <a:latin typeface="Gill Sans MT" panose="020B0502020104020203" pitchFamily="34" charset="0"/>
+                      </a:endParaRPr>
+                    </a:p>
+                  </a:txBody>
+                  <a:tcPr marL="9525" marR="9525" marT="9525" marB="0" anchor="b">
+                    <a:lnL w="12700" cmpd="sng">
+                      <a:noFill/>
+                    </a:lnL>
+                    <a:lnR w="12700" cmpd="sng">
+                      <a:noFill/>
+                    </a:lnR>
+                    <a:lnT w="12700" cap="flat" cmpd="sng" algn="ctr">
+                      <a:solidFill>
+                        <a:schemeClr val="tx1"/>
+                      </a:solidFill>
+                      <a:prstDash val="solid"/>
+                      <a:round/>
+                      <a:headEnd type="none" w="med" len="med"/>
+                      <a:tailEnd type="none" w="med" len="med"/>
+                    </a:lnT>
+                    <a:lnB w="12700" cap="flat" cmpd="sng" algn="ctr">
+                      <a:solidFill>
+                        <a:schemeClr val="tx1"/>
+                      </a:solidFill>
+                      <a:prstDash val="solid"/>
+                      <a:round/>
+                      <a:headEnd type="none" w="med" len="med"/>
+                      <a:tailEnd type="none" w="med" len="med"/>
+                    </a:lnB>
+                    <a:lnTlToBr w="12700" cmpd="sng">
+                      <a:noFill/>
+                      <a:prstDash val="solid"/>
+                    </a:lnTlToBr>
+                    <a:lnBlToTr w="12700" cmpd="sng">
+                      <a:noFill/>
+                      <a:prstDash val="solid"/>
+                    </a:lnBlToTr>
+                    <a:solidFill>
+                      <a:schemeClr val="bg1"/>
+                    </a:solidFill>
+                  </a:tcPr>
+                </a:tc>
+                <a:tc>
+                  <a:txBody>
+                    <a:bodyPr/>
+                    <a:lstStyle/>
+                    <a:p>
+                      <a:pPr algn="ctr" fontAlgn="b"/>
+                      <a:r>
+                        <a:rPr lang="en-US" sz="4400" u="none" strike="noStrike" dirty="0">
+                          <a:solidFill>
+                            <a:schemeClr val="tx1"/>
+                          </a:solidFill>
+                          <a:effectLst/>
+                        </a:rPr>
+                        <a:t>N=33</a:t>
+                      </a:r>
+                      <a:endParaRPr lang="en-US" sz="4400" b="1" i="0" u="none" strike="noStrike" dirty="0">
+                        <a:solidFill>
+                          <a:schemeClr val="tx1"/>
+                        </a:solidFill>
+                        <a:effectLst/>
+                        <a:latin typeface="Gill Sans MT" panose="020B0502020104020203" pitchFamily="34" charset="0"/>
+                      </a:endParaRPr>
+                    </a:p>
+                  </a:txBody>
+                  <a:tcPr marL="9525" marR="9525" marT="9525" marB="0" anchor="b">
+                    <a:lnL w="12700" cmpd="sng">
+                      <a:noFill/>
+                    </a:lnL>
+                    <a:lnR w="12700" cmpd="sng">
+                      <a:noFill/>
+                    </a:lnR>
+                    <a:lnT w="12700" cap="flat" cmpd="sng" algn="ctr">
+                      <a:solidFill>
+                        <a:schemeClr val="tx1"/>
+                      </a:solidFill>
+                      <a:prstDash val="solid"/>
+                      <a:round/>
+                      <a:headEnd type="none" w="med" len="med"/>
+                      <a:tailEnd type="none" w="med" len="med"/>
+                    </a:lnT>
+                    <a:lnB w="12700" cap="flat" cmpd="sng" algn="ctr">
+                      <a:solidFill>
+                        <a:schemeClr val="tx1"/>
+                      </a:solidFill>
+                      <a:prstDash val="solid"/>
+                      <a:round/>
+                      <a:headEnd type="none" w="med" len="med"/>
+                      <a:tailEnd type="none" w="med" len="med"/>
+                    </a:lnB>
+                    <a:lnTlToBr w="12700" cmpd="sng">
+                      <a:noFill/>
+                      <a:prstDash val="solid"/>
+                    </a:lnTlToBr>
+                    <a:lnBlToTr w="12700" cmpd="sng">
+                      <a:noFill/>
+                      <a:prstDash val="solid"/>
+                    </a:lnBlToTr>
+                    <a:solidFill>
+                      <a:schemeClr val="bg1"/>
+                    </a:solidFill>
+                  </a:tcPr>
+                </a:tc>
+                <a:tc>
+                  <a:txBody>
+                    <a:bodyPr/>
+                    <a:lstStyle/>
+                    <a:p>
+                      <a:pPr algn="ctr" fontAlgn="b"/>
+                      <a:r>
+                        <a:rPr lang="en-US" sz="4400" u="none" strike="noStrike" dirty="0">
+                          <a:solidFill>
+                            <a:schemeClr val="tx1"/>
+                          </a:solidFill>
+                          <a:effectLst/>
+                        </a:rPr>
+                        <a:t>N=62</a:t>
+                      </a:r>
+                      <a:endParaRPr lang="en-US" sz="4400" b="1" i="0" u="none" strike="noStrike" dirty="0">
+                        <a:solidFill>
+                          <a:schemeClr val="tx1"/>
+                        </a:solidFill>
+                        <a:effectLst/>
+                        <a:latin typeface="Gill Sans MT" panose="020B0502020104020203" pitchFamily="34" charset="0"/>
+                      </a:endParaRPr>
+                    </a:p>
+                  </a:txBody>
+                  <a:tcPr marL="9525" marR="9525" marT="9525" marB="0" anchor="b">
+                    <a:lnL w="12700" cmpd="sng">
+                      <a:noFill/>
+                    </a:lnL>
+                    <a:lnR w="12700" cmpd="sng">
+                      <a:noFill/>
+                    </a:lnR>
+                    <a:lnT w="12700" cap="flat" cmpd="sng" algn="ctr">
+                      <a:solidFill>
+                        <a:schemeClr val="tx1"/>
+                      </a:solidFill>
+                      <a:prstDash val="solid"/>
+                      <a:round/>
+                      <a:headEnd type="none" w="med" len="med"/>
+                      <a:tailEnd type="none" w="med" len="med"/>
+                    </a:lnT>
+                    <a:lnB w="12700" cap="flat" cmpd="sng" algn="ctr">
+                      <a:solidFill>
+                        <a:schemeClr val="tx1"/>
+                      </a:solidFill>
+                      <a:prstDash val="solid"/>
+                      <a:round/>
+                      <a:headEnd type="none" w="med" len="med"/>
+                      <a:tailEnd type="none" w="med" len="med"/>
+                    </a:lnB>
+                    <a:lnTlToBr w="12700" cmpd="sng">
+                      <a:noFill/>
+                      <a:prstDash val="solid"/>
+                    </a:lnTlToBr>
+                    <a:lnBlToTr w="12700" cmpd="sng">
+                      <a:noFill/>
+                      <a:prstDash val="solid"/>
+                    </a:lnBlToTr>
+                    <a:solidFill>
+                      <a:schemeClr val="bg1"/>
+                    </a:solidFill>
+                  </a:tcPr>
+                </a:tc>
+                <a:tc>
+                  <a:txBody>
+                    <a:bodyPr/>
+                    <a:lstStyle/>
+                    <a:p>
+                      <a:pPr algn="ctr" fontAlgn="b"/>
+                      <a:r>
+                        <a:rPr lang="en-US" sz="4400" u="none" strike="noStrike" dirty="0">
+                          <a:solidFill>
+                            <a:schemeClr val="tx1"/>
+                          </a:solidFill>
+                          <a:effectLst/>
+                        </a:rPr>
+                        <a:t>N=119</a:t>
+                      </a:r>
+                      <a:endParaRPr lang="en-US" sz="4400" b="1" i="0" u="none" strike="noStrike" dirty="0">
+                        <a:solidFill>
+                          <a:schemeClr val="tx1"/>
+                        </a:solidFill>
+                        <a:effectLst/>
+                        <a:latin typeface="Gill Sans MT" panose="020B0502020104020203" pitchFamily="34" charset="0"/>
+                      </a:endParaRPr>
+                    </a:p>
+                  </a:txBody>
+                  <a:tcPr marL="9525" marR="9525" marT="9525" marB="0" anchor="b">
+                    <a:lnL w="12700" cmpd="sng">
+                      <a:noFill/>
+                    </a:lnL>
+                    <a:lnR w="12700" cmpd="sng">
+                      <a:noFill/>
+                    </a:lnR>
+                    <a:lnT w="12700" cap="flat" cmpd="sng" algn="ctr">
+                      <a:solidFill>
+                        <a:schemeClr val="tx1"/>
+                      </a:solidFill>
+                      <a:prstDash val="solid"/>
+                      <a:round/>
+                      <a:headEnd type="none" w="med" len="med"/>
+                      <a:tailEnd type="none" w="med" len="med"/>
+                    </a:lnT>
+                    <a:lnB w="12700" cap="flat" cmpd="sng" algn="ctr">
+                      <a:solidFill>
+                        <a:schemeClr val="tx1"/>
+                      </a:solidFill>
+                      <a:prstDash val="solid"/>
+                      <a:round/>
+                      <a:headEnd type="none" w="med" len="med"/>
+                      <a:tailEnd type="none" w="med" len="med"/>
+                    </a:lnB>
+                    <a:lnTlToBr w="12700" cmpd="sng">
+                      <a:noFill/>
+                      <a:prstDash val="solid"/>
+                    </a:lnTlToBr>
+                    <a:lnBlToTr w="12700" cmpd="sng">
+                      <a:noFill/>
+                      <a:prstDash val="solid"/>
+                    </a:lnBlToTr>
+                    <a:solidFill>
+                      <a:schemeClr val="bg1"/>
+                    </a:solidFill>
+                  </a:tcPr>
+                </a:tc>
+              </a:tr>
+              <a:tr h="837824">
+                <a:tc>
+                  <a:txBody>
+                    <a:bodyPr/>
+                    <a:lstStyle/>
+                    <a:p>
+                      <a:pPr algn="ctr" fontAlgn="b"/>
+                      <a:r>
+                        <a:rPr lang="en-US" sz="4400" u="none" strike="noStrike" dirty="0">
+                          <a:effectLst/>
+                        </a:rPr>
+                        <a:t>r = .1 (small)</a:t>
+                      </a:r>
+                      <a:endParaRPr lang="en-US" sz="4400" b="1" i="0" u="none" strike="noStrike" dirty="0">
+                        <a:solidFill>
+                          <a:srgbClr val="000000"/>
+                        </a:solidFill>
+                        <a:effectLst/>
+                        <a:latin typeface="Gill Sans MT" panose="020B0502020104020203" pitchFamily="34" charset="0"/>
+                      </a:endParaRPr>
+                    </a:p>
+                  </a:txBody>
+                  <a:tcPr marL="9525" marR="9525" marT="9525" marB="0" anchor="b">
+                    <a:lnL w="12700" cmpd="sng">
+                      <a:noFill/>
+                    </a:lnL>
+                    <a:lnR w="12700" cmpd="sng">
+                      <a:noFill/>
+                    </a:lnR>
+                    <a:lnT w="12700" cap="flat" cmpd="sng" algn="ctr">
+                      <a:solidFill>
+                        <a:schemeClr val="tx1"/>
+                      </a:solidFill>
+                      <a:prstDash val="solid"/>
+                      <a:round/>
+                      <a:headEnd type="none" w="med" len="med"/>
+                      <a:tailEnd type="none" w="med" len="med"/>
+                    </a:lnT>
+                    <a:lnB w="12700" cmpd="sng">
+                      <a:noFill/>
+                    </a:lnB>
+                    <a:lnTlToBr w="12700" cmpd="sng">
+                      <a:noFill/>
+                      <a:prstDash val="solid"/>
+                    </a:lnTlToBr>
+                    <a:lnBlToTr w="12700" cmpd="sng">
+                      <a:noFill/>
+                      <a:prstDash val="solid"/>
+                    </a:lnBlToTr>
+                    <a:solidFill>
+                      <a:schemeClr val="tx1"/>
+                    </a:solidFill>
+                  </a:tcPr>
+                </a:tc>
+                <a:tc>
+                  <a:txBody>
+                    <a:bodyPr/>
+                    <a:lstStyle/>
+                    <a:p>
+                      <a:pPr algn="ctr" fontAlgn="b"/>
+                      <a:r>
+                        <a:rPr lang="en-US" sz="4400" b="1" i="0" u="none" strike="noStrike" dirty="0" smtClean="0">
+                          <a:solidFill>
+                            <a:srgbClr val="000000"/>
+                          </a:solidFill>
+                          <a:effectLst/>
+                          <a:latin typeface="Gill Sans MT" panose="020B0502020104020203" pitchFamily="34" charset="0"/>
+                        </a:rPr>
+                        <a:t>&gt;50</a:t>
+                      </a:r>
+                      <a:endParaRPr lang="en-US" sz="4400" b="1" i="0" u="none" strike="noStrike" dirty="0">
+                        <a:solidFill>
+                          <a:srgbClr val="000000"/>
+                        </a:solidFill>
+                        <a:effectLst/>
+                        <a:latin typeface="Gill Sans MT" panose="020B0502020104020203" pitchFamily="34" charset="0"/>
+                      </a:endParaRPr>
+                    </a:p>
+                  </a:txBody>
+                  <a:tcPr marL="9525" marR="9525" marT="9525" marB="0" anchor="b">
+                    <a:lnL w="12700" cmpd="sng">
+                      <a:noFill/>
+                    </a:lnL>
+                    <a:lnR w="12700" cmpd="sng">
+                      <a:noFill/>
+                    </a:lnR>
+                    <a:lnT w="12700" cap="flat" cmpd="sng" algn="ctr">
+                      <a:solidFill>
+                        <a:schemeClr val="tx1"/>
+                      </a:solidFill>
+                      <a:prstDash val="solid"/>
+                      <a:round/>
+                      <a:headEnd type="none" w="med" len="med"/>
+                      <a:tailEnd type="none" w="med" len="med"/>
+                    </a:lnT>
+                    <a:lnB w="12700" cmpd="sng">
+                      <a:noFill/>
+                    </a:lnB>
+                    <a:lnTlToBr w="12700" cmpd="sng">
+                      <a:noFill/>
+                      <a:prstDash val="solid"/>
+                    </a:lnTlToBr>
+                    <a:lnBlToTr w="12700" cmpd="sng">
+                      <a:noFill/>
+                      <a:prstDash val="solid"/>
+                    </a:lnBlToTr>
+                    <a:solidFill>
+                      <a:schemeClr val="tx1"/>
+                    </a:solidFill>
+                  </a:tcPr>
+                </a:tc>
+                <a:tc>
+                  <a:txBody>
+                    <a:bodyPr/>
+                    <a:lstStyle/>
+                    <a:p>
+                      <a:pPr algn="ctr" fontAlgn="b"/>
+                      <a:r>
+                        <a:rPr lang="en-US" sz="4400" b="1" i="0" u="none" strike="noStrike" dirty="0" smtClean="0">
+                          <a:solidFill>
+                            <a:srgbClr val="000000"/>
+                          </a:solidFill>
+                          <a:effectLst/>
+                          <a:latin typeface="Gill Sans MT" panose="020B0502020104020203" pitchFamily="34" charset="0"/>
+                        </a:rPr>
+                        <a:t>25</a:t>
+                      </a:r>
+                      <a:endParaRPr lang="en-US" sz="4400" b="1" i="0" u="none" strike="noStrike" dirty="0">
+                        <a:solidFill>
+                          <a:srgbClr val="000000"/>
+                        </a:solidFill>
+                        <a:effectLst/>
+                        <a:latin typeface="Gill Sans MT" panose="020B0502020104020203" pitchFamily="34" charset="0"/>
+                      </a:endParaRPr>
+                    </a:p>
+                  </a:txBody>
+                  <a:tcPr marL="9525" marR="9525" marT="9525" marB="0" anchor="b">
+                    <a:lnL w="12700" cmpd="sng">
+                      <a:noFill/>
+                    </a:lnL>
+                    <a:lnR w="12700" cmpd="sng">
+                      <a:noFill/>
+                    </a:lnR>
+                    <a:lnT w="12700" cap="flat" cmpd="sng" algn="ctr">
+                      <a:solidFill>
+                        <a:schemeClr val="tx1"/>
+                      </a:solidFill>
+                      <a:prstDash val="solid"/>
+                      <a:round/>
+                      <a:headEnd type="none" w="med" len="med"/>
+                      <a:tailEnd type="none" w="med" len="med"/>
+                    </a:lnT>
+                    <a:lnB w="12700" cmpd="sng">
+                      <a:noFill/>
+                    </a:lnB>
+                    <a:lnTlToBr w="12700" cmpd="sng">
+                      <a:noFill/>
+                      <a:prstDash val="solid"/>
+                    </a:lnTlToBr>
+                    <a:lnBlToTr w="12700" cmpd="sng">
+                      <a:noFill/>
+                      <a:prstDash val="solid"/>
+                    </a:lnBlToTr>
+                    <a:solidFill>
+                      <a:schemeClr val="tx1"/>
+                    </a:solidFill>
+                  </a:tcPr>
+                </a:tc>
+                <a:tc>
+                  <a:txBody>
+                    <a:bodyPr/>
+                    <a:lstStyle/>
+                    <a:p>
+                      <a:pPr algn="ctr" fontAlgn="b"/>
+                      <a:r>
+                        <a:rPr lang="en-US" sz="4400" b="1" i="0" u="none" strike="noStrike" dirty="0" smtClean="0">
+                          <a:solidFill>
+                            <a:srgbClr val="000000"/>
+                          </a:solidFill>
+                          <a:effectLst/>
+                          <a:latin typeface="Gill Sans MT" panose="020B0502020104020203" pitchFamily="34" charset="0"/>
+                        </a:rPr>
+                        <a:t>7</a:t>
+                      </a:r>
+                      <a:endParaRPr lang="en-US" sz="4400" b="1" i="0" u="none" strike="noStrike" dirty="0">
+                        <a:solidFill>
+                          <a:srgbClr val="000000"/>
+                        </a:solidFill>
+                        <a:effectLst/>
+                        <a:latin typeface="Gill Sans MT" panose="020B0502020104020203" pitchFamily="34" charset="0"/>
+                      </a:endParaRPr>
+                    </a:p>
+                  </a:txBody>
+                  <a:tcPr marL="9525" marR="9525" marT="9525" marB="0" anchor="b">
+                    <a:lnL w="12700" cmpd="sng">
+                      <a:noFill/>
+                    </a:lnL>
+                    <a:lnR w="12700" cmpd="sng">
+                      <a:noFill/>
+                    </a:lnR>
+                    <a:lnT w="12700" cap="flat" cmpd="sng" algn="ctr">
+                      <a:solidFill>
+                        <a:schemeClr val="tx1"/>
+                      </a:solidFill>
+                      <a:prstDash val="solid"/>
+                      <a:round/>
+                      <a:headEnd type="none" w="med" len="med"/>
+                      <a:tailEnd type="none" w="med" len="med"/>
+                    </a:lnT>
+                    <a:lnB w="12700" cmpd="sng">
+                      <a:noFill/>
+                    </a:lnB>
+                    <a:lnTlToBr w="12700" cmpd="sng">
+                      <a:noFill/>
+                      <a:prstDash val="solid"/>
+                    </a:lnTlToBr>
+                    <a:lnBlToTr w="12700" cmpd="sng">
+                      <a:noFill/>
+                      <a:prstDash val="solid"/>
+                    </a:lnBlToTr>
+                    <a:solidFill>
+                      <a:schemeClr val="tx1"/>
+                    </a:solidFill>
+                  </a:tcPr>
+                </a:tc>
+              </a:tr>
+              <a:tr h="837824">
+                <a:tc>
+                  <a:txBody>
+                    <a:bodyPr/>
+                    <a:lstStyle/>
+                    <a:p>
+                      <a:pPr algn="ctr" fontAlgn="b"/>
+                      <a:r>
+                        <a:rPr lang="en-US" sz="4400" u="none" strike="noStrike" dirty="0">
+                          <a:effectLst/>
+                        </a:rPr>
+                        <a:t>r = </a:t>
+                      </a:r>
+                      <a:r>
+                        <a:rPr lang="en-US" sz="4400" u="none" strike="noStrike" dirty="0" smtClean="0">
+                          <a:effectLst/>
+                        </a:rPr>
+                        <a:t>.25 </a:t>
+                      </a:r>
+                      <a:r>
+                        <a:rPr lang="en-US" sz="4400" u="none" strike="noStrike" dirty="0">
+                          <a:effectLst/>
+                        </a:rPr>
+                        <a:t>(medium)</a:t>
+                      </a:r>
+                      <a:endParaRPr lang="en-US" sz="4400" b="1" i="0" u="none" strike="noStrike" dirty="0">
+                        <a:solidFill>
+                          <a:srgbClr val="000000"/>
+                        </a:solidFill>
+                        <a:effectLst/>
+                        <a:latin typeface="Gill Sans MT" panose="020B0502020104020203" pitchFamily="34" charset="0"/>
+                      </a:endParaRPr>
+                    </a:p>
+                  </a:txBody>
+                  <a:tcPr marL="9525" marR="9525" marT="9525" marB="0" anchor="b">
+                    <a:lnL w="12700" cmpd="sng">
+                      <a:noFill/>
+                    </a:lnL>
+                    <a:lnR w="12700" cmpd="sng">
+                      <a:noFill/>
+                    </a:lnR>
+                    <a:lnT w="12700" cmpd="sng">
+                      <a:noFill/>
+                    </a:lnT>
+                    <a:lnB w="12700" cmpd="sng">
+                      <a:noFill/>
+                    </a:lnB>
+                    <a:lnTlToBr w="12700" cmpd="sng">
+                      <a:noFill/>
+                      <a:prstDash val="solid"/>
+                    </a:lnTlToBr>
+                    <a:lnBlToTr w="12700" cmpd="sng">
+                      <a:noFill/>
+                      <a:prstDash val="solid"/>
+                    </a:lnBlToTr>
+                    <a:solidFill>
+                      <a:schemeClr val="tx1"/>
+                    </a:solidFill>
+                  </a:tcPr>
+                </a:tc>
+                <a:tc>
+                  <a:txBody>
+                    <a:bodyPr/>
+                    <a:lstStyle/>
+                    <a:p>
+                      <a:pPr algn="ctr" fontAlgn="b"/>
+                      <a:r>
+                        <a:rPr lang="en-US" sz="4400" b="1" i="0" u="none" strike="noStrike" dirty="0" smtClean="0">
+                          <a:solidFill>
+                            <a:srgbClr val="000000"/>
+                          </a:solidFill>
+                          <a:effectLst/>
+                          <a:latin typeface="Gill Sans MT" panose="020B0502020104020203" pitchFamily="34" charset="0"/>
+                        </a:rPr>
+                        <a:t>3</a:t>
+                      </a:r>
+                      <a:endParaRPr lang="en-US" sz="4400" b="1" i="0" u="none" strike="noStrike" dirty="0">
+                        <a:solidFill>
+                          <a:srgbClr val="000000"/>
+                        </a:solidFill>
+                        <a:effectLst/>
+                        <a:latin typeface="Gill Sans MT" panose="020B0502020104020203" pitchFamily="34" charset="0"/>
+                      </a:endParaRPr>
+                    </a:p>
+                  </a:txBody>
+                  <a:tcPr marL="9525" marR="9525" marT="9525" marB="0" anchor="b">
+                    <a:lnL w="12700" cmpd="sng">
+                      <a:noFill/>
+                    </a:lnL>
+                    <a:lnR w="12700" cmpd="sng">
+                      <a:noFill/>
+                    </a:lnR>
+                    <a:lnT w="12700" cmpd="sng">
+                      <a:noFill/>
+                    </a:lnT>
+                    <a:lnB w="12700" cmpd="sng">
+                      <a:noFill/>
+                    </a:lnB>
+                    <a:lnTlToBr w="12700" cmpd="sng">
+                      <a:noFill/>
+                      <a:prstDash val="solid"/>
+                    </a:lnTlToBr>
+                    <a:lnBlToTr w="12700" cmpd="sng">
+                      <a:noFill/>
+                      <a:prstDash val="solid"/>
+                    </a:lnBlToTr>
+                    <a:solidFill>
+                      <a:schemeClr val="tx1"/>
+                    </a:solidFill>
+                  </a:tcPr>
+                </a:tc>
+                <a:tc>
+                  <a:txBody>
+                    <a:bodyPr/>
+                    <a:lstStyle/>
+                    <a:p>
+                      <a:pPr algn="ctr" fontAlgn="b"/>
+                      <a:r>
+                        <a:rPr lang="en-US" sz="4400" b="1" i="0" u="none" strike="noStrike" dirty="0" smtClean="0">
+                          <a:solidFill>
+                            <a:srgbClr val="000000"/>
+                          </a:solidFill>
+                          <a:effectLst/>
+                          <a:latin typeface="Gill Sans MT" panose="020B0502020104020203" pitchFamily="34" charset="0"/>
+                        </a:rPr>
+                        <a:t>1</a:t>
+                      </a:r>
+                      <a:endParaRPr lang="en-US" sz="4400" b="1" i="0" u="none" strike="noStrike" dirty="0">
+                        <a:solidFill>
+                          <a:srgbClr val="000000"/>
+                        </a:solidFill>
+                        <a:effectLst/>
+                        <a:latin typeface="Gill Sans MT" panose="020B0502020104020203" pitchFamily="34" charset="0"/>
+                      </a:endParaRPr>
+                    </a:p>
+                  </a:txBody>
+                  <a:tcPr marL="9525" marR="9525" marT="9525" marB="0" anchor="b">
+                    <a:lnL w="12700" cmpd="sng">
+                      <a:noFill/>
+                    </a:lnL>
+                    <a:lnR w="12700" cmpd="sng">
+                      <a:noFill/>
+                    </a:lnR>
+                    <a:lnT w="12700" cmpd="sng">
+                      <a:noFill/>
+                    </a:lnT>
+                    <a:lnB w="12700" cmpd="sng">
+                      <a:noFill/>
+                    </a:lnB>
+                    <a:lnTlToBr w="12700" cmpd="sng">
+                      <a:noFill/>
+                      <a:prstDash val="solid"/>
+                    </a:lnTlToBr>
+                    <a:lnBlToTr w="12700" cmpd="sng">
+                      <a:noFill/>
+                      <a:prstDash val="solid"/>
+                    </a:lnBlToTr>
+                    <a:solidFill>
+                      <a:schemeClr val="tx1"/>
+                    </a:solidFill>
+                  </a:tcPr>
+                </a:tc>
+                <a:tc>
+                  <a:txBody>
+                    <a:bodyPr/>
+                    <a:lstStyle/>
+                    <a:p>
+                      <a:pPr algn="ctr" fontAlgn="b"/>
+                      <a:r>
+                        <a:rPr lang="en-US" sz="4400" b="1" i="0" u="none" strike="noStrike" dirty="0" smtClean="0">
+                          <a:solidFill>
+                            <a:srgbClr val="000000"/>
+                          </a:solidFill>
+                          <a:effectLst/>
+                          <a:latin typeface="Gill Sans MT" panose="020B0502020104020203" pitchFamily="34" charset="0"/>
+                        </a:rPr>
+                        <a:t>1</a:t>
+                      </a:r>
+                      <a:endParaRPr lang="en-US" sz="4400" b="1" i="0" u="none" strike="noStrike" dirty="0">
+                        <a:solidFill>
+                          <a:srgbClr val="000000"/>
+                        </a:solidFill>
+                        <a:effectLst/>
+                        <a:latin typeface="Gill Sans MT" panose="020B0502020104020203" pitchFamily="34" charset="0"/>
+                      </a:endParaRPr>
+                    </a:p>
+                  </a:txBody>
+                  <a:tcPr marL="9525" marR="9525" marT="9525" marB="0" anchor="b">
+                    <a:lnL w="12700" cmpd="sng">
+                      <a:noFill/>
+                    </a:lnL>
+                    <a:lnR w="12700" cmpd="sng">
+                      <a:noFill/>
+                    </a:lnR>
+                    <a:lnT w="12700" cmpd="sng">
+                      <a:noFill/>
+                    </a:lnT>
+                    <a:lnB w="12700" cmpd="sng">
+                      <a:noFill/>
+                    </a:lnB>
+                    <a:lnTlToBr w="12700" cmpd="sng">
+                      <a:noFill/>
+                      <a:prstDash val="solid"/>
+                    </a:lnTlToBr>
+                    <a:lnBlToTr w="12700" cmpd="sng">
+                      <a:noFill/>
+                      <a:prstDash val="solid"/>
+                    </a:lnBlToTr>
+                    <a:solidFill>
+                      <a:schemeClr val="tx1"/>
+                    </a:solidFill>
+                  </a:tcPr>
+                </a:tc>
+              </a:tr>
+              <a:tr h="837824">
+                <a:tc>
+                  <a:txBody>
+                    <a:bodyPr/>
+                    <a:lstStyle/>
+                    <a:p>
+                      <a:pPr algn="ctr" fontAlgn="b"/>
+                      <a:r>
+                        <a:rPr lang="en-US" sz="4400" u="none" strike="noStrike" dirty="0">
+                          <a:effectLst/>
+                        </a:rPr>
+                        <a:t>r = </a:t>
+                      </a:r>
+                      <a:r>
+                        <a:rPr lang="en-US" sz="4400" u="none" strike="noStrike" dirty="0" smtClean="0">
+                          <a:effectLst/>
+                        </a:rPr>
+                        <a:t>.5 </a:t>
+                      </a:r>
+                      <a:r>
+                        <a:rPr lang="en-US" sz="4400" u="none" strike="noStrike" dirty="0">
+                          <a:effectLst/>
+                        </a:rPr>
+                        <a:t>(strong)</a:t>
+                      </a:r>
+                      <a:endParaRPr lang="en-US" sz="4400" b="1" i="0" u="none" strike="noStrike" dirty="0">
+                        <a:solidFill>
+                          <a:srgbClr val="000000"/>
+                        </a:solidFill>
+                        <a:effectLst/>
+                        <a:latin typeface="Gill Sans MT" panose="020B0502020104020203" pitchFamily="34" charset="0"/>
+                      </a:endParaRPr>
+                    </a:p>
+                  </a:txBody>
+                  <a:tcPr marL="9525" marR="9525" marT="9525" marB="0" anchor="b">
+                    <a:lnL w="12700" cmpd="sng">
+                      <a:noFill/>
+                    </a:lnL>
+                    <a:lnR w="12700" cmpd="sng">
+                      <a:noFill/>
+                    </a:lnR>
+                    <a:lnT w="12700" cmpd="sng">
+                      <a:noFill/>
+                    </a:lnT>
+                    <a:lnB w="12700" cmpd="sng">
+                      <a:noFill/>
+                    </a:lnB>
+                    <a:lnTlToBr w="12700" cmpd="sng">
+                      <a:noFill/>
+                      <a:prstDash val="solid"/>
+                    </a:lnTlToBr>
+                    <a:lnBlToTr w="12700" cmpd="sng">
+                      <a:noFill/>
+                      <a:prstDash val="solid"/>
+                    </a:lnBlToTr>
+                    <a:solidFill>
+                      <a:schemeClr val="tx1"/>
+                    </a:solidFill>
+                  </a:tcPr>
+                </a:tc>
+                <a:tc>
+                  <a:txBody>
+                    <a:bodyPr/>
+                    <a:lstStyle/>
+                    <a:p>
+                      <a:pPr algn="ctr" fontAlgn="b"/>
+                      <a:r>
+                        <a:rPr lang="en-US" sz="4400" b="1" u="none" strike="noStrike" dirty="0" smtClean="0">
+                          <a:effectLst/>
+                          <a:latin typeface="Gill Sans MT" panose="020B0502020104020203" pitchFamily="34" charset="0"/>
+                        </a:rPr>
+                        <a:t>1</a:t>
+                      </a:r>
+                      <a:r>
+                        <a:rPr lang="en-US" sz="4400" u="none" strike="noStrike" dirty="0">
+                          <a:effectLst/>
+                          <a:latin typeface="Gill Sans MT" panose="020B0502020104020203" pitchFamily="34" charset="0"/>
+                        </a:rPr>
+                        <a:t> </a:t>
+                      </a:r>
+                      <a:endParaRPr lang="en-US" sz="4400" b="1" i="0" u="none" strike="noStrike" dirty="0">
+                        <a:solidFill>
+                          <a:srgbClr val="000000"/>
+                        </a:solidFill>
+                        <a:effectLst/>
+                        <a:latin typeface="Gill Sans MT" panose="020B0502020104020203" pitchFamily="34" charset="0"/>
+                      </a:endParaRPr>
+                    </a:p>
+                  </a:txBody>
+                  <a:tcPr marL="9525" marR="9525" marT="9525" marB="0" anchor="b">
+                    <a:lnL w="12700" cmpd="sng">
+                      <a:noFill/>
+                    </a:lnL>
+                    <a:lnR w="12700" cmpd="sng">
+                      <a:noFill/>
+                    </a:lnR>
+                    <a:lnT w="12700" cmpd="sng">
+                      <a:noFill/>
+                    </a:lnT>
+                    <a:lnB w="12700" cmpd="sng">
+                      <a:noFill/>
+                    </a:lnB>
+                    <a:lnTlToBr w="12700" cmpd="sng">
+                      <a:noFill/>
+                      <a:prstDash val="solid"/>
+                    </a:lnTlToBr>
+                    <a:lnBlToTr w="12700" cmpd="sng">
+                      <a:noFill/>
+                      <a:prstDash val="solid"/>
+                    </a:lnBlToTr>
+                    <a:solidFill>
+                      <a:schemeClr val="tx1"/>
+                    </a:solidFill>
+                  </a:tcPr>
+                </a:tc>
+                <a:tc>
+                  <a:txBody>
+                    <a:bodyPr/>
+                    <a:lstStyle/>
+                    <a:p>
+                      <a:pPr algn="ctr" fontAlgn="b"/>
+                      <a:r>
+                        <a:rPr lang="en-US" sz="4400" b="1" u="none" strike="noStrike" dirty="0">
+                          <a:effectLst/>
+                          <a:latin typeface="Gill Sans MT" panose="020B0502020104020203" pitchFamily="34" charset="0"/>
+                        </a:rPr>
+                        <a:t> </a:t>
+                      </a:r>
+                      <a:r>
+                        <a:rPr lang="en-US" sz="4400" b="1" u="none" strike="noStrike" dirty="0" smtClean="0">
+                          <a:effectLst/>
+                          <a:latin typeface="Gill Sans MT" panose="020B0502020104020203" pitchFamily="34" charset="0"/>
+                        </a:rPr>
+                        <a:t>1</a:t>
+                      </a:r>
+                      <a:endParaRPr lang="en-US" sz="4400" b="1" i="0" u="none" strike="noStrike" dirty="0">
+                        <a:solidFill>
+                          <a:srgbClr val="000000"/>
+                        </a:solidFill>
+                        <a:effectLst/>
+                        <a:latin typeface="Gill Sans MT" panose="020B0502020104020203" pitchFamily="34" charset="0"/>
+                      </a:endParaRPr>
+                    </a:p>
+                  </a:txBody>
+                  <a:tcPr marL="9525" marR="9525" marT="9525" marB="0" anchor="b">
+                    <a:lnL w="12700" cmpd="sng">
+                      <a:noFill/>
+                    </a:lnL>
+                    <a:lnR w="12700" cmpd="sng">
+                      <a:noFill/>
+                    </a:lnR>
+                    <a:lnT w="12700" cmpd="sng">
+                      <a:noFill/>
+                    </a:lnT>
+                    <a:lnB w="12700" cmpd="sng">
+                      <a:noFill/>
+                    </a:lnB>
+                    <a:lnTlToBr w="12700" cmpd="sng">
+                      <a:noFill/>
+                      <a:prstDash val="solid"/>
+                    </a:lnTlToBr>
+                    <a:lnBlToTr w="12700" cmpd="sng">
+                      <a:noFill/>
+                      <a:prstDash val="solid"/>
+                    </a:lnBlToTr>
+                    <a:solidFill>
+                      <a:schemeClr val="tx1"/>
+                    </a:solidFill>
+                  </a:tcPr>
+                </a:tc>
+                <a:tc>
+                  <a:txBody>
+                    <a:bodyPr/>
+                    <a:lstStyle/>
+                    <a:p>
+                      <a:pPr algn="ctr" fontAlgn="b"/>
+                      <a:r>
+                        <a:rPr lang="en-US" sz="4400" b="1" u="none" strike="noStrike" dirty="0">
+                          <a:effectLst/>
+                          <a:latin typeface="Gill Sans MT" panose="020B0502020104020203" pitchFamily="34" charset="0"/>
+                        </a:rPr>
+                        <a:t> </a:t>
+                      </a:r>
+                      <a:r>
+                        <a:rPr lang="en-US" sz="4400" b="1" u="none" strike="noStrike" dirty="0" smtClean="0">
+                          <a:effectLst/>
+                          <a:latin typeface="Gill Sans MT" panose="020B0502020104020203" pitchFamily="34" charset="0"/>
+                        </a:rPr>
+                        <a:t>1</a:t>
+                      </a:r>
+                      <a:endParaRPr lang="en-US" sz="4400" b="1" i="0" u="none" strike="noStrike" dirty="0">
+                        <a:solidFill>
+                          <a:srgbClr val="000000"/>
+                        </a:solidFill>
+                        <a:effectLst/>
+                        <a:latin typeface="Gill Sans MT" panose="020B0502020104020203" pitchFamily="34" charset="0"/>
+                      </a:endParaRPr>
+                    </a:p>
+                  </a:txBody>
+                  <a:tcPr marL="9525" marR="9525" marT="9525" marB="0" anchor="b">
+                    <a:lnL w="12700" cmpd="sng">
+                      <a:noFill/>
+                    </a:lnL>
+                    <a:lnR w="12700" cmpd="sng">
+                      <a:noFill/>
+                    </a:lnR>
+                    <a:lnT w="12700" cmpd="sng">
+                      <a:noFill/>
+                    </a:lnT>
+                    <a:lnB w="12700" cmpd="sng">
+                      <a:noFill/>
+                    </a:lnB>
+                    <a:lnTlToBr w="12700" cmpd="sng">
+                      <a:noFill/>
+                      <a:prstDash val="solid"/>
+                    </a:lnTlToBr>
+                    <a:lnBlToTr w="12700" cmpd="sng">
+                      <a:noFill/>
+                      <a:prstDash val="solid"/>
+                    </a:lnBlToTr>
+                    <a:solidFill>
+                      <a:schemeClr val="tx1"/>
+                    </a:solidFill>
+                  </a:tcPr>
+                </a:tc>
+              </a:tr>
+            </a:tbl>
+          </a:graphicData>
+        </a:graphic>
+      </p:graphicFrame>
+      <p:sp>
+        <p:nvSpPr>
+          <p:cNvPr id="21" name="TextBox 20"/>
+          <p:cNvSpPr txBox="1"/>
+          <p:nvPr/>
+        </p:nvSpPr>
+        <p:spPr>
+          <a:xfrm>
+            <a:off x="16411287" y="31015054"/>
+            <a:ext cx="11474246" cy="1938992"/>
+          </a:xfrm>
+          <a:prstGeom prst="rect">
+            <a:avLst/>
+          </a:prstGeom>
+          <a:noFill/>
+        </p:spPr>
+        <p:txBody>
+          <a:bodyPr wrap="square" rtlCol="0">
+            <a:spAutoFit/>
+          </a:bodyPr>
+          <a:lstStyle/>
+          <a:p>
+            <a:pPr algn="ctr"/>
+            <a:r>
+              <a:rPr lang="en-US" sz="6000" dirty="0" smtClean="0">
+                <a:latin typeface="Gill Sans MT" panose="020B0502020104020203" pitchFamily="34" charset="0"/>
+              </a:rPr>
+              <a:t>Application 2 – nonsignificant replications in RPP</a:t>
+            </a:r>
+            <a:endParaRPr lang="en-US" sz="4800" dirty="0">
+              <a:latin typeface="Gill Sans MT" panose="020B0502020104020203" pitchFamily="34" charset="0"/>
+            </a:endParaRPr>
+          </a:p>
+        </p:txBody>
+      </p:sp>
+      <p:sp>
+        <p:nvSpPr>
+          <p:cNvPr id="25" name="TextBox 24"/>
+          <p:cNvSpPr txBox="1"/>
+          <p:nvPr/>
+        </p:nvSpPr>
+        <p:spPr>
+          <a:xfrm>
+            <a:off x="15375823" y="33218602"/>
+            <a:ext cx="12755424" cy="5016758"/>
+          </a:xfrm>
+          <a:prstGeom prst="rect">
+            <a:avLst/>
+          </a:prstGeom>
+          <a:noFill/>
+        </p:spPr>
+        <p:txBody>
+          <a:bodyPr wrap="square" rtlCol="0">
+            <a:spAutoFit/>
+          </a:bodyPr>
+          <a:lstStyle/>
+          <a:p>
+            <a:pPr marL="857250" indent="-857250" algn="just">
+              <a:buFont typeface="Arial" panose="020B0604020202020204" pitchFamily="34" charset="0"/>
+              <a:buChar char="•"/>
+            </a:pPr>
+            <a:r>
+              <a:rPr lang="en-US" sz="4000" dirty="0" smtClean="0">
+                <a:latin typeface="Gill Sans MT" panose="020B0502020104020203" pitchFamily="34" charset="0"/>
+              </a:rPr>
+              <a:t>Of the 100 replications, 64 statistically nonsignificant</a:t>
+            </a:r>
+          </a:p>
+          <a:p>
+            <a:pPr marL="857250" indent="-857250" algn="just">
+              <a:buFont typeface="Arial" panose="020B0604020202020204" pitchFamily="34" charset="0"/>
+              <a:buChar char="•"/>
+            </a:pPr>
+            <a:r>
+              <a:rPr lang="en-US" sz="4000" dirty="0" smtClean="0">
+                <a:latin typeface="Gill Sans MT" panose="020B0502020104020203" pitchFamily="34" charset="0"/>
+              </a:rPr>
+              <a:t>Of the 63 with test statistics, what would be the 95% confidence interval of false negatives when imposing a small, medium, or strong population effect?</a:t>
+            </a:r>
+          </a:p>
+          <a:p>
+            <a:pPr marL="857250" indent="-857250" algn="just">
+              <a:buFont typeface="Arial" panose="020B0604020202020204" pitchFamily="34" charset="0"/>
+              <a:buChar char="•"/>
+            </a:pPr>
+            <a:r>
+              <a:rPr lang="en-US" sz="4000" dirty="0" smtClean="0">
+                <a:latin typeface="Gill Sans MT" panose="020B0502020104020203" pitchFamily="34" charset="0"/>
+              </a:rPr>
+              <a:t>Small (r = .1) </a:t>
+            </a:r>
+            <a:r>
+              <a:rPr lang="en-US" sz="4000" dirty="0" smtClean="0">
+                <a:latin typeface="Gill Sans MT" panose="020B0502020104020203" pitchFamily="34" charset="0"/>
+                <a:sym typeface="Wingdings" panose="05000000000000000000" pitchFamily="2" charset="2"/>
+              </a:rPr>
+              <a:t> 0-63 false negatives</a:t>
+            </a:r>
+          </a:p>
+          <a:p>
+            <a:pPr marL="857250" indent="-857250" algn="just">
+              <a:buFont typeface="Arial" panose="020B0604020202020204" pitchFamily="34" charset="0"/>
+              <a:buChar char="•"/>
+            </a:pPr>
+            <a:r>
+              <a:rPr lang="en-US" sz="4000" dirty="0" smtClean="0">
+                <a:latin typeface="Gill Sans MT" panose="020B0502020104020203" pitchFamily="34" charset="0"/>
+                <a:sym typeface="Wingdings" panose="05000000000000000000" pitchFamily="2" charset="2"/>
+              </a:rPr>
+              <a:t>Medium (r = .3)  0-21 false negatives</a:t>
+            </a:r>
+          </a:p>
+          <a:p>
+            <a:pPr marL="857250" indent="-857250" algn="just">
+              <a:buFont typeface="Arial" panose="020B0604020202020204" pitchFamily="34" charset="0"/>
+              <a:buChar char="•"/>
+            </a:pPr>
+            <a:r>
+              <a:rPr lang="en-US" sz="4000" dirty="0" smtClean="0">
+                <a:latin typeface="Gill Sans MT" panose="020B0502020104020203" pitchFamily="34" charset="0"/>
+                <a:sym typeface="Wingdings" panose="05000000000000000000" pitchFamily="2" charset="2"/>
+              </a:rPr>
+              <a:t>Strong (r = .5)  0-13 false negatives</a:t>
+            </a:r>
+          </a:p>
+          <a:p>
+            <a:pPr marL="857250" indent="-857250" algn="just">
+              <a:buFont typeface="Arial" panose="020B0604020202020204" pitchFamily="34" charset="0"/>
+              <a:buChar char="•"/>
+            </a:pPr>
+            <a:endParaRPr lang="en-US" sz="4000" dirty="0">
+              <a:latin typeface="Gill Sans MT" panose="020B0502020104020203" pitchFamily="34" charset="0"/>
+            </a:endParaRPr>
           </a:p>
         </p:txBody>
       </p:sp>
       <p:pic>
         <p:nvPicPr>
-          <p:cNvPr id="19" name="Picture 18"/>
+          <p:cNvPr id="5" name="Picture 4"/>
           <p:cNvPicPr>
             <a:picLocks noChangeAspect="1"/>
           </p:cNvPicPr>
           <p:nvPr/>
         </p:nvPicPr>
         <p:blipFill>
-          <a:blip r:embed="rId7">
+          <a:blip r:embed="rId6">
             <a:extLst>
               <a:ext uri="{28A0092B-C50C-407E-A947-70E740481C1C}">
                 <a14:useLocalDpi xmlns:a14="http://schemas.microsoft.com/office/drawing/2010/main" val="0"/>
@@ -9091,14 +9894,51 @@
         </p:blipFill>
         <p:spPr>
           <a:xfrm>
-            <a:off x="1712755" y="26221103"/>
-            <a:ext cx="9960011" cy="11382869"/>
+            <a:off x="17911682" y="21482147"/>
+            <a:ext cx="8473456" cy="7262962"/>
           </a:xfrm>
           <a:prstGeom prst="rect">
             <a:avLst/>
           </a:prstGeom>
         </p:spPr>
       </p:pic>
+      <p:sp>
+        <p:nvSpPr>
+          <p:cNvPr id="26" name="TextBox 25"/>
+          <p:cNvSpPr txBox="1"/>
+          <p:nvPr/>
+        </p:nvSpPr>
+        <p:spPr>
+          <a:xfrm>
+            <a:off x="15516902" y="28952374"/>
+            <a:ext cx="13748669" cy="1569660"/>
+          </a:xfrm>
+          <a:prstGeom prst="rect">
+            <a:avLst/>
+          </a:prstGeom>
+          <a:noFill/>
+        </p:spPr>
+        <p:txBody>
+          <a:bodyPr wrap="square" rtlCol="0">
+            <a:spAutoFit/>
+          </a:bodyPr>
+          <a:lstStyle/>
+          <a:p>
+            <a:r>
+              <a:rPr lang="en-US" sz="3200" i="1" dirty="0"/>
+              <a:t>Figure </a:t>
+            </a:r>
+            <a:r>
+              <a:rPr lang="en-US" sz="3200" i="1" dirty="0" smtClean="0"/>
+              <a:t>2. </a:t>
+            </a:r>
+            <a:r>
+              <a:rPr lang="en-US" sz="3200" dirty="0"/>
+              <a:t>Sample size development throughout 1985-2013, based on degrees of freedom across 258,050 test results. P25 = 25th percentile. P50 = 50th percentile (i.e., median). P75 = 75th percentile.</a:t>
+            </a:r>
+          </a:p>
+        </p:txBody>
+      </p:sp>
     </p:spTree>
     <p:extLst>
       <p:ext uri="{BB962C8B-B14F-4D97-AF65-F5344CB8AC3E}">
@@ -9109,6 +9949,13 @@
   <p:clrMapOvr>
     <a:masterClrMapping/>
   </p:clrMapOvr>
+  <p:timing>
+    <p:tnLst>
+      <p:par>
+        <p:cTn id="1" dur="indefinite" restart="never" nodeType="tmRoot"/>
+      </p:par>
+    </p:tnLst>
+  </p:timing>
 </p:sld>
 </file>
 
